--- a/OP1.pptx
+++ b/OP1.pptx
@@ -5,7 +5,7 @@
     <p:sldMasterId id="2147483672" r:id="rId1"/>
   </p:sldMasterIdLst>
   <p:notesMasterIdLst>
-    <p:notesMasterId r:id="rId8"/>
+    <p:notesMasterId r:id="rId14"/>
   </p:notesMasterIdLst>
   <p:sldIdLst>
     <p:sldId id="256" r:id="rId2"/>
@@ -14,6 +14,12 @@
     <p:sldId id="260" r:id="rId5"/>
     <p:sldId id="261" r:id="rId6"/>
     <p:sldId id="264" r:id="rId7"/>
+    <p:sldId id="270" r:id="rId8"/>
+    <p:sldId id="266" r:id="rId9"/>
+    <p:sldId id="271" r:id="rId10"/>
+    <p:sldId id="274" r:id="rId11"/>
+    <p:sldId id="272" r:id="rId12"/>
+    <p:sldId id="273" r:id="rId13"/>
   </p:sldIdLst>
   <p:sldSz cx="9144000" cy="6858000" type="screen4x3"/>
   <p:notesSz cx="6858000" cy="9144000"/>
@@ -112,6 +118,11 @@
       </a:defRPr>
     </a:lvl9pPr>
   </p:defaultTextStyle>
+  <p:extLst>
+    <p:ext uri="{EFAFB233-063F-42B5-8137-9DF3F51BA10A}">
+      <p15:sldGuideLst xmlns:p15="http://schemas.microsoft.com/office/powerpoint/2012/main"/>
+    </p:ext>
+  </p:extLst>
 </p:presentation>
 </file>
 
@@ -1086,6 +1097,13 @@
         </dgm:presLayoutVars>
       </dgm:prSet>
       <dgm:spPr/>
+      <dgm:t>
+        <a:bodyPr/>
+        <a:lstStyle/>
+        <a:p>
+          <a:endParaRPr lang="en-SG"/>
+        </a:p>
+      </dgm:t>
     </dgm:pt>
     <dgm:pt modelId="{350D9479-FFC7-4736-A641-B6D5E04A9C5A}" type="pres">
       <dgm:prSet presAssocID="{D1D1DB4A-1CCF-460B-AD5A-7F88C99B522B}" presName="node" presStyleLbl="node1" presStyleIdx="0" presStyleCnt="2">
@@ -1105,10 +1123,24 @@
     <dgm:pt modelId="{59414FDD-6E53-4AA7-ADBC-7DB3CB8F5641}" type="pres">
       <dgm:prSet presAssocID="{9FDCCEFF-D31E-46B6-9884-FAE1914A8E23}" presName="sibTrans" presStyleLbl="sibTrans2D1" presStyleIdx="0" presStyleCnt="2"/>
       <dgm:spPr/>
+      <dgm:t>
+        <a:bodyPr/>
+        <a:lstStyle/>
+        <a:p>
+          <a:endParaRPr lang="en-SG"/>
+        </a:p>
+      </dgm:t>
     </dgm:pt>
     <dgm:pt modelId="{F57151D9-1488-4268-89B5-6D7F96C0E8AD}" type="pres">
       <dgm:prSet presAssocID="{9FDCCEFF-D31E-46B6-9884-FAE1914A8E23}" presName="connectorText" presStyleLbl="sibTrans2D1" presStyleIdx="0" presStyleCnt="2"/>
       <dgm:spPr/>
+      <dgm:t>
+        <a:bodyPr/>
+        <a:lstStyle/>
+        <a:p>
+          <a:endParaRPr lang="en-SG"/>
+        </a:p>
+      </dgm:t>
     </dgm:pt>
     <dgm:pt modelId="{6CFA1C3B-E764-4C89-906C-A36ED7812F12}" type="pres">
       <dgm:prSet presAssocID="{CE002853-9EE0-4977-827E-D4A6FB364835}" presName="node" presStyleLbl="node1" presStyleIdx="1" presStyleCnt="2" custRadScaleRad="139389" custRadScaleInc="-3319">
@@ -1117,26 +1149,47 @@
         </dgm:presLayoutVars>
       </dgm:prSet>
       <dgm:spPr/>
+      <dgm:t>
+        <a:bodyPr/>
+        <a:lstStyle/>
+        <a:p>
+          <a:endParaRPr lang="en-SG"/>
+        </a:p>
+      </dgm:t>
     </dgm:pt>
     <dgm:pt modelId="{54E05733-59C2-46D4-AEE7-15F904075BA9}" type="pres">
       <dgm:prSet presAssocID="{BA94F0C7-8DEA-415A-A99A-61B17B9357AD}" presName="sibTrans" presStyleLbl="sibTrans2D1" presStyleIdx="1" presStyleCnt="2"/>
       <dgm:spPr/>
+      <dgm:t>
+        <a:bodyPr/>
+        <a:lstStyle/>
+        <a:p>
+          <a:endParaRPr lang="en-SG"/>
+        </a:p>
+      </dgm:t>
     </dgm:pt>
     <dgm:pt modelId="{0762A9D1-028E-4A58-81D8-095D29F1EB65}" type="pres">
       <dgm:prSet presAssocID="{BA94F0C7-8DEA-415A-A99A-61B17B9357AD}" presName="connectorText" presStyleLbl="sibTrans2D1" presStyleIdx="1" presStyleCnt="2"/>
       <dgm:spPr/>
+      <dgm:t>
+        <a:bodyPr/>
+        <a:lstStyle/>
+        <a:p>
+          <a:endParaRPr lang="en-SG"/>
+        </a:p>
+      </dgm:t>
     </dgm:pt>
   </dgm:ptLst>
   <dgm:cxnLst>
     <dgm:cxn modelId="{ECEBF4ED-0D18-4885-8F7C-7B453F7482D8}" type="presOf" srcId="{9FDCCEFF-D31E-46B6-9884-FAE1914A8E23}" destId="{F57151D9-1488-4268-89B5-6D7F96C0E8AD}" srcOrd="1" destOrd="0" presId="urn:microsoft.com/office/officeart/2005/8/layout/cycle2"/>
+    <dgm:cxn modelId="{E19D337C-C287-427D-BD71-D194A82901DC}" srcId="{F611EF28-A26A-47A5-B4DB-6E6AAD91E543}" destId="{D1D1DB4A-1CCF-460B-AD5A-7F88C99B522B}" srcOrd="0" destOrd="0" parTransId="{984AFDBD-385E-4D3E-8BA6-C70298650B85}" sibTransId="{9FDCCEFF-D31E-46B6-9884-FAE1914A8E23}"/>
+    <dgm:cxn modelId="{0069B75A-F70E-4449-9206-0FDA23528216}" srcId="{F611EF28-A26A-47A5-B4DB-6E6AAD91E543}" destId="{CE002853-9EE0-4977-827E-D4A6FB364835}" srcOrd="1" destOrd="0" parTransId="{FB930A7B-D311-4E82-9A7A-421756BDDD65}" sibTransId="{BA94F0C7-8DEA-415A-A99A-61B17B9357AD}"/>
+    <dgm:cxn modelId="{A4C40FC1-5C58-4CF7-96DF-9BFF29FA60CB}" type="presOf" srcId="{9FDCCEFF-D31E-46B6-9884-FAE1914A8E23}" destId="{59414FDD-6E53-4AA7-ADBC-7DB3CB8F5641}" srcOrd="0" destOrd="0" presId="urn:microsoft.com/office/officeart/2005/8/layout/cycle2"/>
+    <dgm:cxn modelId="{EE74E449-4C86-4E63-ACAC-EF02C9C38D05}" type="presOf" srcId="{BA94F0C7-8DEA-415A-A99A-61B17B9357AD}" destId="{0762A9D1-028E-4A58-81D8-095D29F1EB65}" srcOrd="1" destOrd="0" presId="urn:microsoft.com/office/officeart/2005/8/layout/cycle2"/>
+    <dgm:cxn modelId="{F0A5D3A2-6643-4924-A01B-C5BC5EC5391D}" type="presOf" srcId="{F611EF28-A26A-47A5-B4DB-6E6AAD91E543}" destId="{E553F08C-D474-4338-B0B8-0A3028AD0127}" srcOrd="0" destOrd="0" presId="urn:microsoft.com/office/officeart/2005/8/layout/cycle2"/>
+    <dgm:cxn modelId="{053A9002-4FFD-4230-A51E-4C1C225CA917}" type="presOf" srcId="{BA94F0C7-8DEA-415A-A99A-61B17B9357AD}" destId="{54E05733-59C2-46D4-AEE7-15F904075BA9}" srcOrd="0" destOrd="0" presId="urn:microsoft.com/office/officeart/2005/8/layout/cycle2"/>
     <dgm:cxn modelId="{28D23BEF-527A-40BA-9F5B-B3511FDA66D4}" type="presOf" srcId="{D1D1DB4A-1CCF-460B-AD5A-7F88C99B522B}" destId="{350D9479-FFC7-4736-A641-B6D5E04A9C5A}" srcOrd="0" destOrd="0" presId="urn:microsoft.com/office/officeart/2005/8/layout/cycle2"/>
-    <dgm:cxn modelId="{053A9002-4FFD-4230-A51E-4C1C225CA917}" type="presOf" srcId="{BA94F0C7-8DEA-415A-A99A-61B17B9357AD}" destId="{54E05733-59C2-46D4-AEE7-15F904075BA9}" srcOrd="0" destOrd="0" presId="urn:microsoft.com/office/officeart/2005/8/layout/cycle2"/>
-    <dgm:cxn modelId="{A4C40FC1-5C58-4CF7-96DF-9BFF29FA60CB}" type="presOf" srcId="{9FDCCEFF-D31E-46B6-9884-FAE1914A8E23}" destId="{59414FDD-6E53-4AA7-ADBC-7DB3CB8F5641}" srcOrd="0" destOrd="0" presId="urn:microsoft.com/office/officeart/2005/8/layout/cycle2"/>
-    <dgm:cxn modelId="{E19D337C-C287-427D-BD71-D194A82901DC}" srcId="{F611EF28-A26A-47A5-B4DB-6E6AAD91E543}" destId="{D1D1DB4A-1CCF-460B-AD5A-7F88C99B522B}" srcOrd="0" destOrd="0" parTransId="{984AFDBD-385E-4D3E-8BA6-C70298650B85}" sibTransId="{9FDCCEFF-D31E-46B6-9884-FAE1914A8E23}"/>
-    <dgm:cxn modelId="{EE74E449-4C86-4E63-ACAC-EF02C9C38D05}" type="presOf" srcId="{BA94F0C7-8DEA-415A-A99A-61B17B9357AD}" destId="{0762A9D1-028E-4A58-81D8-095D29F1EB65}" srcOrd="1" destOrd="0" presId="urn:microsoft.com/office/officeart/2005/8/layout/cycle2"/>
-    <dgm:cxn modelId="{0069B75A-F70E-4449-9206-0FDA23528216}" srcId="{F611EF28-A26A-47A5-B4DB-6E6AAD91E543}" destId="{CE002853-9EE0-4977-827E-D4A6FB364835}" srcOrd="1" destOrd="0" parTransId="{FB930A7B-D311-4E82-9A7A-421756BDDD65}" sibTransId="{BA94F0C7-8DEA-415A-A99A-61B17B9357AD}"/>
     <dgm:cxn modelId="{4C67A1D7-43B2-40B9-8C8B-ACFE6C8C0F64}" type="presOf" srcId="{CE002853-9EE0-4977-827E-D4A6FB364835}" destId="{6CFA1C3B-E764-4C89-906C-A36ED7812F12}" srcOrd="0" destOrd="0" presId="urn:microsoft.com/office/officeart/2005/8/layout/cycle2"/>
-    <dgm:cxn modelId="{F0A5D3A2-6643-4924-A01B-C5BC5EC5391D}" type="presOf" srcId="{F611EF28-A26A-47A5-B4DB-6E6AAD91E543}" destId="{E553F08C-D474-4338-B0B8-0A3028AD0127}" srcOrd="0" destOrd="0" presId="urn:microsoft.com/office/officeart/2005/8/layout/cycle2"/>
     <dgm:cxn modelId="{C637B5D1-E0D9-4254-9A6F-6DA05154AEDD}" type="presParOf" srcId="{E553F08C-D474-4338-B0B8-0A3028AD0127}" destId="{350D9479-FFC7-4736-A641-B6D5E04A9C5A}" srcOrd="0" destOrd="0" presId="urn:microsoft.com/office/officeart/2005/8/layout/cycle2"/>
     <dgm:cxn modelId="{914203E2-D19E-46C5-BA71-52797C4ED800}" type="presParOf" srcId="{E553F08C-D474-4338-B0B8-0A3028AD0127}" destId="{59414FDD-6E53-4AA7-ADBC-7DB3CB8F5641}" srcOrd="1" destOrd="0" presId="urn:microsoft.com/office/officeart/2005/8/layout/cycle2"/>
     <dgm:cxn modelId="{B6FDBC25-E729-4ECF-81EA-D2A6DE0C07CB}" type="presParOf" srcId="{59414FDD-6E53-4AA7-ADBC-7DB3CB8F5641}" destId="{F57151D9-1488-4268-89B5-6D7F96C0E8AD}" srcOrd="0" destOrd="0" presId="urn:microsoft.com/office/officeart/2005/8/layout/cycle2"/>
@@ -2787,7 +2840,7 @@
           <a:p>
             <a:fld id="{C84430E2-E71A-4A01-8927-D9FFBBA4F669}" type="datetimeFigureOut">
               <a:rPr lang="zh-SG" altLang="en-US" smtClean="0"/>
-              <a:t>29/1/2016</a:t>
+              <a:t>31/1/2016</a:t>
             </a:fld>
             <a:endParaRPr lang="zh-SG" altLang="en-US"/>
           </a:p>
@@ -3114,7 +3167,15 @@
           <a:p>
             <a:r>
               <a:rPr lang="en-US" altLang="zh-SG" baseline="0" dirty="0" smtClean="0"/>
-              <a:t>Manage of body movement is essentially the management of our mind state.</a:t>
+              <a:t>Manage of body movement is essentially the management </a:t>
+            </a:r>
+            <a:r>
+              <a:rPr lang="en-US" altLang="zh-SG" baseline="0" dirty="0" smtClean="0"/>
+              <a:t>of </a:t>
+            </a:r>
+            <a:r>
+              <a:rPr lang="en-US" altLang="zh-SG" baseline="0" dirty="0" smtClean="0"/>
+              <a:t>our mind state.</a:t>
             </a:r>
           </a:p>
           <a:p>
@@ -3429,6 +3490,745 @@
     <p:extLst>
       <p:ext uri="{BB962C8B-B14F-4D97-AF65-F5344CB8AC3E}">
         <p14:creationId xmlns:p14="http://schemas.microsoft.com/office/powerpoint/2010/main" val="231934490"/>
+      </p:ext>
+    </p:extLst>
+  </p:cSld>
+  <p:clrMapOvr>
+    <a:masterClrMapping/>
+  </p:clrMapOvr>
+</p:notes>
+</file>
+
+<file path=ppt/notesSlides/notesSlide4.xml><?xml version="1.0" encoding="utf-8"?>
+<p:notes xmlns:a="http://schemas.openxmlformats.org/drawingml/2006/main" xmlns:r="http://schemas.openxmlformats.org/officeDocument/2006/relationships" xmlns:p="http://schemas.openxmlformats.org/presentationml/2006/main">
+  <p:cSld>
+    <p:spTree>
+      <p:nvGrpSpPr>
+        <p:cNvPr id="1" name=""/>
+        <p:cNvGrpSpPr/>
+        <p:nvPr/>
+      </p:nvGrpSpPr>
+      <p:grpSpPr>
+        <a:xfrm>
+          <a:off x="0" y="0"/>
+          <a:ext cx="0" cy="0"/>
+          <a:chOff x="0" y="0"/>
+          <a:chExt cx="0" cy="0"/>
+        </a:xfrm>
+      </p:grpSpPr>
+      <p:sp>
+        <p:nvSpPr>
+          <p:cNvPr id="2" name="Slide Image Placeholder 1"/>
+          <p:cNvSpPr>
+            <a:spLocks noGrp="1" noRot="1" noChangeAspect="1"/>
+          </p:cNvSpPr>
+          <p:nvPr>
+            <p:ph type="sldImg"/>
+          </p:nvPr>
+        </p:nvSpPr>
+        <p:spPr/>
+      </p:sp>
+      <p:sp>
+        <p:nvSpPr>
+          <p:cNvPr id="3" name="Notes Placeholder 2"/>
+          <p:cNvSpPr>
+            <a:spLocks noGrp="1"/>
+          </p:cNvSpPr>
+          <p:nvPr>
+            <p:ph type="body" idx="1"/>
+          </p:nvPr>
+        </p:nvSpPr>
+        <p:spPr/>
+        <p:txBody>
+          <a:bodyPr/>
+          <a:lstStyle/>
+          <a:p>
+            <a:r>
+              <a:rPr lang="en-SG" dirty="0" smtClean="0"/>
+              <a:t>Don't answer vague questions. Rather than answering questions you think you hear, get the employer to be more specific and then respond.</a:t>
+            </a:r>
+          </a:p>
+          <a:p>
+            <a:r>
+              <a:rPr lang="en-SG" dirty="0" smtClean="0"/>
+              <a:t>Answering</a:t>
+            </a:r>
+            <a:r>
+              <a:rPr lang="en-SG" baseline="0" dirty="0" smtClean="0"/>
+              <a:t> vague questions only create opportunities for you to potentially blurt out something totally irrelevant.</a:t>
+            </a:r>
+          </a:p>
+          <a:p>
+            <a:r>
+              <a:rPr lang="en-SG" baseline="0" dirty="0" smtClean="0"/>
+              <a:t>In the best scenario, you answer the question accurately, in the worst, you create a bad impression for yourself. </a:t>
+            </a:r>
+            <a:endParaRPr lang="en-SG" dirty="0" smtClean="0"/>
+          </a:p>
+        </p:txBody>
+      </p:sp>
+      <p:sp>
+        <p:nvSpPr>
+          <p:cNvPr id="4" name="Slide Number Placeholder 3"/>
+          <p:cNvSpPr>
+            <a:spLocks noGrp="1"/>
+          </p:cNvSpPr>
+          <p:nvPr>
+            <p:ph type="sldNum" sz="quarter" idx="10"/>
+          </p:nvPr>
+        </p:nvSpPr>
+        <p:spPr/>
+        <p:txBody>
+          <a:bodyPr/>
+          <a:lstStyle/>
+          <a:p>
+            <a:fld id="{5501EC1D-0087-4192-9EEB-BFDFC93C89F6}" type="slidenum">
+              <a:rPr lang="zh-SG" altLang="en-US" smtClean="0"/>
+              <a:t>8</a:t>
+            </a:fld>
+            <a:endParaRPr lang="zh-SG" altLang="en-US"/>
+          </a:p>
+        </p:txBody>
+      </p:sp>
+    </p:spTree>
+    <p:extLst>
+      <p:ext uri="{BB962C8B-B14F-4D97-AF65-F5344CB8AC3E}">
+        <p14:creationId xmlns:p14="http://schemas.microsoft.com/office/powerpoint/2010/main" val="3252761126"/>
+      </p:ext>
+    </p:extLst>
+  </p:cSld>
+  <p:clrMapOvr>
+    <a:masterClrMapping/>
+  </p:clrMapOvr>
+</p:notes>
+</file>
+
+<file path=ppt/notesSlides/notesSlide5.xml><?xml version="1.0" encoding="utf-8"?>
+<p:notes xmlns:a="http://schemas.openxmlformats.org/drawingml/2006/main" xmlns:r="http://schemas.openxmlformats.org/officeDocument/2006/relationships" xmlns:p="http://schemas.openxmlformats.org/presentationml/2006/main">
+  <p:cSld>
+    <p:spTree>
+      <p:nvGrpSpPr>
+        <p:cNvPr id="1" name=""/>
+        <p:cNvGrpSpPr/>
+        <p:nvPr/>
+      </p:nvGrpSpPr>
+      <p:grpSpPr>
+        <a:xfrm>
+          <a:off x="0" y="0"/>
+          <a:ext cx="0" cy="0"/>
+          <a:chOff x="0" y="0"/>
+          <a:chExt cx="0" cy="0"/>
+        </a:xfrm>
+      </p:grpSpPr>
+      <p:sp>
+        <p:nvSpPr>
+          <p:cNvPr id="2" name="Slide Image Placeholder 1"/>
+          <p:cNvSpPr>
+            <a:spLocks noGrp="1" noRot="1" noChangeAspect="1"/>
+          </p:cNvSpPr>
+          <p:nvPr>
+            <p:ph type="sldImg"/>
+          </p:nvPr>
+        </p:nvSpPr>
+        <p:spPr/>
+      </p:sp>
+      <p:sp>
+        <p:nvSpPr>
+          <p:cNvPr id="3" name="Notes Placeholder 2"/>
+          <p:cNvSpPr>
+            <a:spLocks noGrp="1"/>
+          </p:cNvSpPr>
+          <p:nvPr>
+            <p:ph type="body" idx="1"/>
+          </p:nvPr>
+        </p:nvSpPr>
+        <p:spPr/>
+        <p:txBody>
+          <a:bodyPr/>
+          <a:lstStyle/>
+          <a:p>
+            <a:pPr marL="0" marR="0" indent="0" algn="l" defTabSz="914400" rtl="0" eaLnBrk="1" fontAlgn="auto" latinLnBrk="0" hangingPunct="1">
+              <a:lnSpc>
+                <a:spcPct val="100000"/>
+              </a:lnSpc>
+              <a:spcBef>
+                <a:spcPts val="0"/>
+              </a:spcBef>
+              <a:spcAft>
+                <a:spcPts val="0"/>
+              </a:spcAft>
+              <a:buClrTx/>
+              <a:buSzTx/>
+              <a:buFontTx/>
+              <a:buNone/>
+              <a:tabLst/>
+              <a:defRPr/>
+            </a:pPr>
+            <a:r>
+              <a:rPr lang="en-SG" dirty="0" smtClean="0"/>
+              <a:t>Never interrupt the employer. If you don't have time to listen, neither does the employer</a:t>
+            </a:r>
+            <a:r>
+              <a:rPr lang="en-SG" baseline="0" dirty="0" smtClean="0"/>
+              <a:t> have time to listen to you.</a:t>
+            </a:r>
+          </a:p>
+          <a:p>
+            <a:pPr marL="0" marR="0" indent="0" algn="l" defTabSz="914400" rtl="0" eaLnBrk="1" fontAlgn="auto" latinLnBrk="0" hangingPunct="1">
+              <a:lnSpc>
+                <a:spcPct val="100000"/>
+              </a:lnSpc>
+              <a:spcBef>
+                <a:spcPts val="0"/>
+              </a:spcBef>
+              <a:spcAft>
+                <a:spcPts val="0"/>
+              </a:spcAft>
+              <a:buClrTx/>
+              <a:buSzTx/>
+              <a:buFontTx/>
+              <a:buNone/>
+              <a:tabLst/>
+              <a:defRPr/>
+            </a:pPr>
+            <a:r>
+              <a:rPr lang="en-SG" baseline="0" dirty="0" smtClean="0"/>
+              <a:t>Additionally, this can only spell out a bad working attitude from you in the future if the employer chooses to hire you.</a:t>
+            </a:r>
+          </a:p>
+          <a:p>
+            <a:pPr marL="0" marR="0" indent="0" algn="l" defTabSz="914400" rtl="0" eaLnBrk="1" fontAlgn="auto" latinLnBrk="0" hangingPunct="1">
+              <a:lnSpc>
+                <a:spcPct val="100000"/>
+              </a:lnSpc>
+              <a:spcBef>
+                <a:spcPts val="0"/>
+              </a:spcBef>
+              <a:spcAft>
+                <a:spcPts val="0"/>
+              </a:spcAft>
+              <a:buClrTx/>
+              <a:buSzTx/>
+              <a:buFontTx/>
+              <a:buNone/>
+              <a:tabLst/>
+              <a:defRPr/>
+            </a:pPr>
+            <a:r>
+              <a:rPr lang="en-SG" baseline="0" dirty="0" smtClean="0"/>
+              <a:t>This will lead him or her to reconsider whether to give you the job.</a:t>
+            </a:r>
+            <a:r>
+              <a:rPr lang="en-SG" sz="1200" b="1" i="0" u="sng" kern="1200" dirty="0" smtClean="0">
+                <a:solidFill>
+                  <a:schemeClr val="tx1"/>
+                </a:solidFill>
+                <a:effectLst/>
+                <a:latin typeface="+mn-lt"/>
+                <a:ea typeface="+mn-ea"/>
+                <a:cs typeface="+mn-cs"/>
+              </a:rPr>
+              <a:t> </a:t>
+            </a:r>
+            <a:endParaRPr lang="en-SG" dirty="0" smtClean="0"/>
+          </a:p>
+        </p:txBody>
+      </p:sp>
+      <p:sp>
+        <p:nvSpPr>
+          <p:cNvPr id="4" name="Slide Number Placeholder 3"/>
+          <p:cNvSpPr>
+            <a:spLocks noGrp="1"/>
+          </p:cNvSpPr>
+          <p:nvPr>
+            <p:ph type="sldNum" sz="quarter" idx="10"/>
+          </p:nvPr>
+        </p:nvSpPr>
+        <p:spPr/>
+        <p:txBody>
+          <a:bodyPr/>
+          <a:lstStyle/>
+          <a:p>
+            <a:fld id="{5501EC1D-0087-4192-9EEB-BFDFC93C89F6}" type="slidenum">
+              <a:rPr lang="zh-SG" altLang="en-US" smtClean="0"/>
+              <a:t>9</a:t>
+            </a:fld>
+            <a:endParaRPr lang="zh-SG" altLang="en-US"/>
+          </a:p>
+        </p:txBody>
+      </p:sp>
+    </p:spTree>
+    <p:extLst>
+      <p:ext uri="{BB962C8B-B14F-4D97-AF65-F5344CB8AC3E}">
+        <p14:creationId xmlns:p14="http://schemas.microsoft.com/office/powerpoint/2010/main" val="2185945199"/>
+      </p:ext>
+    </p:extLst>
+  </p:cSld>
+  <p:clrMapOvr>
+    <a:masterClrMapping/>
+  </p:clrMapOvr>
+</p:notes>
+</file>
+
+<file path=ppt/notesSlides/notesSlide6.xml><?xml version="1.0" encoding="utf-8"?>
+<p:notes xmlns:a="http://schemas.openxmlformats.org/drawingml/2006/main" xmlns:r="http://schemas.openxmlformats.org/officeDocument/2006/relationships" xmlns:p="http://schemas.openxmlformats.org/presentationml/2006/main">
+  <p:cSld>
+    <p:spTree>
+      <p:nvGrpSpPr>
+        <p:cNvPr id="1" name=""/>
+        <p:cNvGrpSpPr/>
+        <p:nvPr/>
+      </p:nvGrpSpPr>
+      <p:grpSpPr>
+        <a:xfrm>
+          <a:off x="0" y="0"/>
+          <a:ext cx="0" cy="0"/>
+          <a:chOff x="0" y="0"/>
+          <a:chExt cx="0" cy="0"/>
+        </a:xfrm>
+      </p:grpSpPr>
+      <p:sp>
+        <p:nvSpPr>
+          <p:cNvPr id="2" name="Slide Image Placeholder 1"/>
+          <p:cNvSpPr>
+            <a:spLocks noGrp="1" noRot="1" noChangeAspect="1"/>
+          </p:cNvSpPr>
+          <p:nvPr>
+            <p:ph type="sldImg"/>
+          </p:nvPr>
+        </p:nvSpPr>
+        <p:spPr/>
+      </p:sp>
+      <p:sp>
+        <p:nvSpPr>
+          <p:cNvPr id="3" name="Notes Placeholder 2"/>
+          <p:cNvSpPr>
+            <a:spLocks noGrp="1"/>
+          </p:cNvSpPr>
+          <p:nvPr>
+            <p:ph type="body" idx="1"/>
+          </p:nvPr>
+        </p:nvSpPr>
+        <p:spPr/>
+        <p:txBody>
+          <a:bodyPr/>
+          <a:lstStyle/>
+          <a:p>
+            <a:pPr marL="0" marR="0" indent="0" algn="l" defTabSz="914400" rtl="0" eaLnBrk="1" fontAlgn="auto" latinLnBrk="0" hangingPunct="1">
+              <a:lnSpc>
+                <a:spcPct val="100000"/>
+              </a:lnSpc>
+              <a:spcBef>
+                <a:spcPts val="0"/>
+              </a:spcBef>
+              <a:spcAft>
+                <a:spcPts val="0"/>
+              </a:spcAft>
+              <a:buClrTx/>
+              <a:buSzTx/>
+              <a:buFontTx/>
+              <a:buNone/>
+              <a:tabLst/>
+              <a:defRPr/>
+            </a:pPr>
+            <a:r>
+              <a:rPr lang="en-SG" dirty="0" smtClean="0"/>
+              <a:t>Do not make</a:t>
+            </a:r>
+            <a:r>
+              <a:rPr lang="en-SG" baseline="0" dirty="0" smtClean="0"/>
+              <a:t> derogatory comments about </a:t>
+            </a:r>
+            <a:r>
+              <a:rPr lang="en-SG" sz="1200" b="0" i="0" kern="1200" dirty="0" smtClean="0">
+                <a:solidFill>
+                  <a:schemeClr val="tx1"/>
+                </a:solidFill>
+                <a:effectLst/>
+                <a:latin typeface="+mn-lt"/>
+                <a:ea typeface="+mn-ea"/>
+                <a:cs typeface="+mn-cs"/>
+              </a:rPr>
+              <a:t>your present or former employers, colleagues or companies.</a:t>
+            </a:r>
+          </a:p>
+          <a:p>
+            <a:pPr marL="0" marR="0" indent="0" algn="l" defTabSz="914400" rtl="0" eaLnBrk="1" fontAlgn="auto" latinLnBrk="0" hangingPunct="1">
+              <a:lnSpc>
+                <a:spcPct val="100000"/>
+              </a:lnSpc>
+              <a:spcBef>
+                <a:spcPts val="0"/>
+              </a:spcBef>
+              <a:spcAft>
+                <a:spcPts val="0"/>
+              </a:spcAft>
+              <a:buClrTx/>
+              <a:buSzTx/>
+              <a:buFontTx/>
+              <a:buNone/>
+              <a:tabLst/>
+              <a:defRPr/>
+            </a:pPr>
+            <a:r>
+              <a:rPr lang="en-SG" sz="1200" b="0" i="0" kern="1200" baseline="0" dirty="0" smtClean="0">
+                <a:solidFill>
+                  <a:schemeClr val="tx1"/>
+                </a:solidFill>
+                <a:effectLst/>
+                <a:latin typeface="+mn-lt"/>
+                <a:ea typeface="+mn-ea"/>
+                <a:cs typeface="+mn-cs"/>
+              </a:rPr>
+              <a:t>This does not bring reflect good on you as it only portrays you as someone who is not a team player or a good subordinate.</a:t>
+            </a:r>
+          </a:p>
+          <a:p>
+            <a:pPr marL="0" marR="0" indent="0" algn="l" defTabSz="914400" rtl="0" eaLnBrk="1" fontAlgn="auto" latinLnBrk="0" hangingPunct="1">
+              <a:lnSpc>
+                <a:spcPct val="100000"/>
+              </a:lnSpc>
+              <a:spcBef>
+                <a:spcPts val="0"/>
+              </a:spcBef>
+              <a:spcAft>
+                <a:spcPts val="0"/>
+              </a:spcAft>
+              <a:buClrTx/>
+              <a:buSzTx/>
+              <a:buFontTx/>
+              <a:buNone/>
+              <a:tabLst/>
+              <a:defRPr/>
+            </a:pPr>
+            <a:r>
+              <a:rPr lang="en-SG" sz="1200" b="0" i="0" kern="1200" baseline="0" dirty="0" smtClean="0">
+                <a:solidFill>
+                  <a:schemeClr val="tx1"/>
+                </a:solidFill>
+                <a:effectLst/>
+                <a:latin typeface="+mn-lt"/>
+                <a:ea typeface="+mn-ea"/>
+                <a:cs typeface="+mn-cs"/>
+              </a:rPr>
+              <a:t>Deriding your past or present work partners can make you look like a bitter person who might potentially cause unhappiness in the workplace if you join the employer’s company. This is clearly undesirable.</a:t>
+            </a:r>
+          </a:p>
+        </p:txBody>
+      </p:sp>
+      <p:sp>
+        <p:nvSpPr>
+          <p:cNvPr id="4" name="Slide Number Placeholder 3"/>
+          <p:cNvSpPr>
+            <a:spLocks noGrp="1"/>
+          </p:cNvSpPr>
+          <p:nvPr>
+            <p:ph type="sldNum" sz="quarter" idx="10"/>
+          </p:nvPr>
+        </p:nvSpPr>
+        <p:spPr/>
+        <p:txBody>
+          <a:bodyPr/>
+          <a:lstStyle/>
+          <a:p>
+            <a:fld id="{5501EC1D-0087-4192-9EEB-BFDFC93C89F6}" type="slidenum">
+              <a:rPr lang="zh-SG" altLang="en-US" smtClean="0"/>
+              <a:t>10</a:t>
+            </a:fld>
+            <a:endParaRPr lang="zh-SG" altLang="en-US"/>
+          </a:p>
+        </p:txBody>
+      </p:sp>
+    </p:spTree>
+    <p:extLst>
+      <p:ext uri="{BB962C8B-B14F-4D97-AF65-F5344CB8AC3E}">
+        <p14:creationId xmlns:p14="http://schemas.microsoft.com/office/powerpoint/2010/main" val="2006720566"/>
+      </p:ext>
+    </p:extLst>
+  </p:cSld>
+  <p:clrMapOvr>
+    <a:masterClrMapping/>
+  </p:clrMapOvr>
+</p:notes>
+</file>
+
+<file path=ppt/notesSlides/notesSlide7.xml><?xml version="1.0" encoding="utf-8"?>
+<p:notes xmlns:a="http://schemas.openxmlformats.org/drawingml/2006/main" xmlns:r="http://schemas.openxmlformats.org/officeDocument/2006/relationships" xmlns:p="http://schemas.openxmlformats.org/presentationml/2006/main">
+  <p:cSld>
+    <p:spTree>
+      <p:nvGrpSpPr>
+        <p:cNvPr id="1" name=""/>
+        <p:cNvGrpSpPr/>
+        <p:nvPr/>
+      </p:nvGrpSpPr>
+      <p:grpSpPr>
+        <a:xfrm>
+          <a:off x="0" y="0"/>
+          <a:ext cx="0" cy="0"/>
+          <a:chOff x="0" y="0"/>
+          <a:chExt cx="0" cy="0"/>
+        </a:xfrm>
+      </p:grpSpPr>
+      <p:sp>
+        <p:nvSpPr>
+          <p:cNvPr id="2" name="Slide Image Placeholder 1"/>
+          <p:cNvSpPr>
+            <a:spLocks noGrp="1" noRot="1" noChangeAspect="1"/>
+          </p:cNvSpPr>
+          <p:nvPr>
+            <p:ph type="sldImg"/>
+          </p:nvPr>
+        </p:nvSpPr>
+        <p:spPr/>
+      </p:sp>
+      <p:sp>
+        <p:nvSpPr>
+          <p:cNvPr id="3" name="Notes Placeholder 2"/>
+          <p:cNvSpPr>
+            <a:spLocks noGrp="1"/>
+          </p:cNvSpPr>
+          <p:nvPr>
+            <p:ph type="body" idx="1"/>
+          </p:nvPr>
+        </p:nvSpPr>
+        <p:spPr/>
+        <p:txBody>
+          <a:bodyPr/>
+          <a:lstStyle/>
+          <a:p>
+            <a:pPr marL="0" marR="0" indent="0" algn="l" defTabSz="914400" rtl="0" eaLnBrk="1" fontAlgn="auto" latinLnBrk="0" hangingPunct="1">
+              <a:lnSpc>
+                <a:spcPct val="100000"/>
+              </a:lnSpc>
+              <a:spcBef>
+                <a:spcPts val="0"/>
+              </a:spcBef>
+              <a:spcAft>
+                <a:spcPts val="0"/>
+              </a:spcAft>
+              <a:buClrTx/>
+              <a:buSzTx/>
+              <a:buFontTx/>
+              <a:buNone/>
+              <a:tabLst/>
+              <a:defRPr/>
+            </a:pPr>
+            <a:r>
+              <a:rPr lang="en-SG" dirty="0" smtClean="0"/>
+              <a:t>Eating</a:t>
+            </a:r>
+            <a:r>
+              <a:rPr lang="en-SG" baseline="0" dirty="0" smtClean="0"/>
+              <a:t> food in almost any interview is a big no-no.</a:t>
+            </a:r>
+          </a:p>
+          <a:p>
+            <a:pPr marL="0" marR="0" indent="0" algn="l" defTabSz="914400" rtl="0" eaLnBrk="1" fontAlgn="auto" latinLnBrk="0" hangingPunct="1">
+              <a:lnSpc>
+                <a:spcPct val="100000"/>
+              </a:lnSpc>
+              <a:spcBef>
+                <a:spcPts val="0"/>
+              </a:spcBef>
+              <a:spcAft>
+                <a:spcPts val="0"/>
+              </a:spcAft>
+              <a:buClrTx/>
+              <a:buSzTx/>
+              <a:buFontTx/>
+              <a:buNone/>
+              <a:tabLst/>
+              <a:defRPr/>
+            </a:pPr>
+            <a:r>
+              <a:rPr lang="en-SG" baseline="0" dirty="0" smtClean="0"/>
+              <a:t>It conveys to the employers a sloppy attitude and lack of seriousness pertaining to the interview.</a:t>
+            </a:r>
+          </a:p>
+          <a:p>
+            <a:pPr marL="0" marR="0" indent="0" algn="l" defTabSz="914400" rtl="0" eaLnBrk="1" fontAlgn="auto" latinLnBrk="0" hangingPunct="1">
+              <a:lnSpc>
+                <a:spcPct val="100000"/>
+              </a:lnSpc>
+              <a:spcBef>
+                <a:spcPts val="0"/>
+              </a:spcBef>
+              <a:spcAft>
+                <a:spcPts val="0"/>
+              </a:spcAft>
+              <a:buClrTx/>
+              <a:buSzTx/>
+              <a:buFontTx/>
+              <a:buNone/>
+              <a:tabLst/>
+              <a:defRPr/>
+            </a:pPr>
+            <a:r>
+              <a:rPr lang="en-SG" baseline="0" dirty="0" smtClean="0"/>
+              <a:t>Additionally it can be off-putting if you are talking and there is food in your mouth.</a:t>
+            </a:r>
+            <a:endParaRPr lang="en-SG" dirty="0" smtClean="0"/>
+          </a:p>
+        </p:txBody>
+      </p:sp>
+      <p:sp>
+        <p:nvSpPr>
+          <p:cNvPr id="4" name="Slide Number Placeholder 3"/>
+          <p:cNvSpPr>
+            <a:spLocks noGrp="1"/>
+          </p:cNvSpPr>
+          <p:nvPr>
+            <p:ph type="sldNum" sz="quarter" idx="10"/>
+          </p:nvPr>
+        </p:nvSpPr>
+        <p:spPr/>
+        <p:txBody>
+          <a:bodyPr/>
+          <a:lstStyle/>
+          <a:p>
+            <a:fld id="{5501EC1D-0087-4192-9EEB-BFDFC93C89F6}" type="slidenum">
+              <a:rPr lang="zh-SG" altLang="en-US" smtClean="0"/>
+              <a:t>11</a:t>
+            </a:fld>
+            <a:endParaRPr lang="zh-SG" altLang="en-US"/>
+          </a:p>
+        </p:txBody>
+      </p:sp>
+    </p:spTree>
+    <p:extLst>
+      <p:ext uri="{BB962C8B-B14F-4D97-AF65-F5344CB8AC3E}">
+        <p14:creationId xmlns:p14="http://schemas.microsoft.com/office/powerpoint/2010/main" val="2597773943"/>
+      </p:ext>
+    </p:extLst>
+  </p:cSld>
+  <p:clrMapOvr>
+    <a:masterClrMapping/>
+  </p:clrMapOvr>
+</p:notes>
+</file>
+
+<file path=ppt/notesSlides/notesSlide8.xml><?xml version="1.0" encoding="utf-8"?>
+<p:notes xmlns:a="http://schemas.openxmlformats.org/drawingml/2006/main" xmlns:r="http://schemas.openxmlformats.org/officeDocument/2006/relationships" xmlns:p="http://schemas.openxmlformats.org/presentationml/2006/main">
+  <p:cSld>
+    <p:spTree>
+      <p:nvGrpSpPr>
+        <p:cNvPr id="1" name=""/>
+        <p:cNvGrpSpPr/>
+        <p:nvPr/>
+      </p:nvGrpSpPr>
+      <p:grpSpPr>
+        <a:xfrm>
+          <a:off x="0" y="0"/>
+          <a:ext cx="0" cy="0"/>
+          <a:chOff x="0" y="0"/>
+          <a:chExt cx="0" cy="0"/>
+        </a:xfrm>
+      </p:grpSpPr>
+      <p:sp>
+        <p:nvSpPr>
+          <p:cNvPr id="2" name="Slide Image Placeholder 1"/>
+          <p:cNvSpPr>
+            <a:spLocks noGrp="1" noRot="1" noChangeAspect="1"/>
+          </p:cNvSpPr>
+          <p:nvPr>
+            <p:ph type="sldImg"/>
+          </p:nvPr>
+        </p:nvSpPr>
+        <p:spPr/>
+      </p:sp>
+      <p:sp>
+        <p:nvSpPr>
+          <p:cNvPr id="3" name="Notes Placeholder 2"/>
+          <p:cNvSpPr>
+            <a:spLocks noGrp="1"/>
+          </p:cNvSpPr>
+          <p:nvPr>
+            <p:ph type="body" idx="1"/>
+          </p:nvPr>
+        </p:nvSpPr>
+        <p:spPr/>
+        <p:txBody>
+          <a:bodyPr/>
+          <a:lstStyle/>
+          <a:p>
+            <a:pPr marL="0" marR="0" indent="0" algn="l" defTabSz="914400" rtl="0" eaLnBrk="1" fontAlgn="auto" latinLnBrk="0" hangingPunct="1">
+              <a:lnSpc>
+                <a:spcPct val="100000"/>
+              </a:lnSpc>
+              <a:spcBef>
+                <a:spcPts val="0"/>
+              </a:spcBef>
+              <a:spcAft>
+                <a:spcPts val="0"/>
+              </a:spcAft>
+              <a:buClrTx/>
+              <a:buSzTx/>
+              <a:buFontTx/>
+              <a:buNone/>
+              <a:tabLst/>
+              <a:defRPr/>
+            </a:pPr>
+            <a:r>
+              <a:rPr lang="en-SG" dirty="0" smtClean="0"/>
+              <a:t>Smell</a:t>
+            </a:r>
+            <a:r>
+              <a:rPr lang="en-SG" baseline="0" dirty="0" smtClean="0"/>
+              <a:t> is a very subjective thing, and the scent that you like might not be one that your potential employer likes.</a:t>
+            </a:r>
+          </a:p>
+          <a:p>
+            <a:pPr marL="0" marR="0" indent="0" algn="l" defTabSz="914400" rtl="0" eaLnBrk="1" fontAlgn="auto" latinLnBrk="0" hangingPunct="1">
+              <a:lnSpc>
+                <a:spcPct val="100000"/>
+              </a:lnSpc>
+              <a:spcBef>
+                <a:spcPts val="0"/>
+              </a:spcBef>
+              <a:spcAft>
+                <a:spcPts val="0"/>
+              </a:spcAft>
+              <a:buClrTx/>
+              <a:buSzTx/>
+              <a:buFontTx/>
+              <a:buNone/>
+              <a:tabLst/>
+              <a:defRPr/>
+            </a:pPr>
+            <a:r>
+              <a:rPr lang="en-SG" baseline="0" dirty="0" smtClean="0"/>
+              <a:t>On top of that, wearing strong perfume or cologne distracts the employer from the interview at hand and does not help you when you are trying to promote your expertise.</a:t>
+            </a:r>
+          </a:p>
+        </p:txBody>
+      </p:sp>
+      <p:sp>
+        <p:nvSpPr>
+          <p:cNvPr id="4" name="Slide Number Placeholder 3"/>
+          <p:cNvSpPr>
+            <a:spLocks noGrp="1"/>
+          </p:cNvSpPr>
+          <p:nvPr>
+            <p:ph type="sldNum" sz="quarter" idx="10"/>
+          </p:nvPr>
+        </p:nvSpPr>
+        <p:spPr/>
+        <p:txBody>
+          <a:bodyPr/>
+          <a:lstStyle/>
+          <a:p>
+            <a:fld id="{5501EC1D-0087-4192-9EEB-BFDFC93C89F6}" type="slidenum">
+              <a:rPr lang="zh-SG" altLang="en-US" smtClean="0"/>
+              <a:t>12</a:t>
+            </a:fld>
+            <a:endParaRPr lang="zh-SG" altLang="en-US"/>
+          </a:p>
+        </p:txBody>
+      </p:sp>
+    </p:spTree>
+    <p:extLst>
+      <p:ext uri="{BB962C8B-B14F-4D97-AF65-F5344CB8AC3E}">
+        <p14:creationId xmlns:p14="http://schemas.microsoft.com/office/powerpoint/2010/main" val="4094516648"/>
       </p:ext>
     </p:extLst>
   </p:cSld>
@@ -3725,7 +4525,7 @@
           <a:p>
             <a:fld id="{CCC07F1D-6EC5-4E99-BA92-5EA217BDCEFD}" type="datetimeFigureOut">
               <a:rPr lang="zh-SG" altLang="en-US" smtClean="0"/>
-              <a:t>29/1/2016</a:t>
+              <a:t>31/1/2016</a:t>
             </a:fld>
             <a:endParaRPr lang="zh-SG" altLang="en-US"/>
           </a:p>
@@ -4043,7 +4843,7 @@
           <a:p>
             <a:fld id="{CCC07F1D-6EC5-4E99-BA92-5EA217BDCEFD}" type="datetimeFigureOut">
               <a:rPr lang="zh-SG" altLang="en-US" smtClean="0"/>
-              <a:t>29/1/2016</a:t>
+              <a:t>31/1/2016</a:t>
             </a:fld>
             <a:endParaRPr lang="zh-SG" altLang="en-US"/>
           </a:p>
@@ -4531,7 +5331,7 @@
           <a:p>
             <a:fld id="{CCC07F1D-6EC5-4E99-BA92-5EA217BDCEFD}" type="datetimeFigureOut">
               <a:rPr lang="zh-SG" altLang="en-US" smtClean="0"/>
-              <a:t>29/1/2016</a:t>
+              <a:t>31/1/2016</a:t>
             </a:fld>
             <a:endParaRPr lang="zh-SG" altLang="en-US"/>
           </a:p>
@@ -4900,7 +5700,7 @@
           <a:p>
             <a:fld id="{CCC07F1D-6EC5-4E99-BA92-5EA217BDCEFD}" type="datetimeFigureOut">
               <a:rPr lang="zh-SG" altLang="en-US" smtClean="0"/>
-              <a:t>29/1/2016</a:t>
+              <a:t>31/1/2016</a:t>
             </a:fld>
             <a:endParaRPr lang="zh-SG" altLang="en-US"/>
           </a:p>
@@ -5173,7 +5973,7 @@
           <a:p>
             <a:fld id="{CCC07F1D-6EC5-4E99-BA92-5EA217BDCEFD}" type="datetimeFigureOut">
               <a:rPr lang="zh-SG" altLang="en-US" smtClean="0"/>
-              <a:t>29/1/2016</a:t>
+              <a:t>31/1/2016</a:t>
             </a:fld>
             <a:endParaRPr lang="zh-SG" altLang="en-US"/>
           </a:p>
@@ -5499,7 +6299,7 @@
           <a:p>
             <a:fld id="{CCC07F1D-6EC5-4E99-BA92-5EA217BDCEFD}" type="datetimeFigureOut">
               <a:rPr lang="zh-SG" altLang="en-US" smtClean="0"/>
-              <a:t>29/1/2016</a:t>
+              <a:t>31/1/2016</a:t>
             </a:fld>
             <a:endParaRPr lang="zh-SG" altLang="en-US"/>
           </a:p>
@@ -5777,7 +6577,7 @@
           <a:p>
             <a:fld id="{CCC07F1D-6EC5-4E99-BA92-5EA217BDCEFD}" type="datetimeFigureOut">
               <a:rPr lang="zh-SG" altLang="en-US" smtClean="0"/>
-              <a:t>29/1/2016</a:t>
+              <a:t>31/1/2016</a:t>
             </a:fld>
             <a:endParaRPr lang="zh-SG" altLang="en-US"/>
           </a:p>
@@ -6120,7 +6920,7 @@
           <a:p>
             <a:fld id="{CCC07F1D-6EC5-4E99-BA92-5EA217BDCEFD}" type="datetimeFigureOut">
               <a:rPr lang="zh-SG" altLang="en-US" smtClean="0"/>
-              <a:t>29/1/2016</a:t>
+              <a:t>31/1/2016</a:t>
             </a:fld>
             <a:endParaRPr lang="zh-SG" altLang="en-US"/>
           </a:p>
@@ -6459,7 +7259,7 @@
           <a:p>
             <a:fld id="{CCC07F1D-6EC5-4E99-BA92-5EA217BDCEFD}" type="datetimeFigureOut">
               <a:rPr lang="zh-SG" altLang="en-US" smtClean="0"/>
-              <a:t>29/1/2016</a:t>
+              <a:t>31/1/2016</a:t>
             </a:fld>
             <a:endParaRPr lang="zh-SG" altLang="en-US"/>
           </a:p>
@@ -6936,7 +7736,7 @@
           <a:p>
             <a:fld id="{CCC07F1D-6EC5-4E99-BA92-5EA217BDCEFD}" type="datetimeFigureOut">
               <a:rPr lang="zh-SG" altLang="en-US" smtClean="0"/>
-              <a:t>29/1/2016</a:t>
+              <a:t>31/1/2016</a:t>
             </a:fld>
             <a:endParaRPr lang="zh-SG" altLang="en-US"/>
           </a:p>
@@ -7157,7 +7957,7 @@
           <a:p>
             <a:fld id="{CCC07F1D-6EC5-4E99-BA92-5EA217BDCEFD}" type="datetimeFigureOut">
               <a:rPr lang="zh-SG" altLang="en-US" smtClean="0"/>
-              <a:t>29/1/2016</a:t>
+              <a:t>31/1/2016</a:t>
             </a:fld>
             <a:endParaRPr lang="zh-SG" altLang="en-US"/>
           </a:p>
@@ -7252,7 +8052,7 @@
           <a:p>
             <a:fld id="{CCC07F1D-6EC5-4E99-BA92-5EA217BDCEFD}" type="datetimeFigureOut">
               <a:rPr lang="zh-SG" altLang="en-US" smtClean="0"/>
-              <a:t>29/1/2016</a:t>
+              <a:t>31/1/2016</a:t>
             </a:fld>
             <a:endParaRPr lang="zh-SG" altLang="en-US"/>
           </a:p>
@@ -7719,7 +8519,7 @@
           <a:p>
             <a:fld id="{CCC07F1D-6EC5-4E99-BA92-5EA217BDCEFD}" type="datetimeFigureOut">
               <a:rPr lang="zh-SG" altLang="en-US" smtClean="0"/>
-              <a:t>29/1/2016</a:t>
+              <a:t>31/1/2016</a:t>
             </a:fld>
             <a:endParaRPr lang="zh-SG" altLang="en-US"/>
           </a:p>
@@ -8032,7 +8832,7 @@
           <a:p>
             <a:fld id="{CCC07F1D-6EC5-4E99-BA92-5EA217BDCEFD}" type="datetimeFigureOut">
               <a:rPr lang="zh-SG" altLang="en-US" smtClean="0"/>
-              <a:t>29/1/2016</a:t>
+              <a:t>31/1/2016</a:t>
             </a:fld>
             <a:endParaRPr lang="zh-SG" altLang="en-US"/>
           </a:p>
@@ -8302,7 +9102,7 @@
           <a:p>
             <a:fld id="{CCC07F1D-6EC5-4E99-BA92-5EA217BDCEFD}" type="datetimeFigureOut">
               <a:rPr lang="zh-SG" altLang="en-US" smtClean="0"/>
-              <a:t>29/1/2016</a:t>
+              <a:t>31/1/2016</a:t>
             </a:fld>
             <a:endParaRPr lang="zh-SG" altLang="en-US"/>
           </a:p>
@@ -8840,6 +9640,586 @@
 </p:sld>
 </file>
 
+<file path=ppt/slides/slide10.xml><?xml version="1.0" encoding="utf-8"?>
+<p:sld xmlns:a="http://schemas.openxmlformats.org/drawingml/2006/main" xmlns:r="http://schemas.openxmlformats.org/officeDocument/2006/relationships" xmlns:p="http://schemas.openxmlformats.org/presentationml/2006/main">
+  <p:cSld>
+    <p:spTree>
+      <p:nvGrpSpPr>
+        <p:cNvPr id="1" name=""/>
+        <p:cNvGrpSpPr/>
+        <p:nvPr/>
+      </p:nvGrpSpPr>
+      <p:grpSpPr>
+        <a:xfrm>
+          <a:off x="0" y="0"/>
+          <a:ext cx="0" cy="0"/>
+          <a:chOff x="0" y="0"/>
+          <a:chExt cx="0" cy="0"/>
+        </a:xfrm>
+      </p:grpSpPr>
+      <p:sp>
+        <p:nvSpPr>
+          <p:cNvPr id="2" name="标题 1"/>
+          <p:cNvSpPr>
+            <a:spLocks noGrp="1"/>
+          </p:cNvSpPr>
+          <p:nvPr>
+            <p:ph type="title"/>
+          </p:nvPr>
+        </p:nvSpPr>
+        <p:spPr/>
+        <p:txBody>
+          <a:bodyPr/>
+          <a:lstStyle/>
+          <a:p>
+            <a:r>
+              <a:rPr lang="en-SG" altLang="zh-SG" dirty="0" smtClean="0"/>
+              <a:t>Communications</a:t>
+            </a:r>
+            <a:endParaRPr lang="zh-SG" altLang="en-US" dirty="0"/>
+          </a:p>
+        </p:txBody>
+      </p:sp>
+      <p:sp>
+        <p:nvSpPr>
+          <p:cNvPr id="5" name="内容占位符 4"/>
+          <p:cNvSpPr>
+            <a:spLocks noGrp="1"/>
+          </p:cNvSpPr>
+          <p:nvPr>
+            <p:ph idx="1"/>
+          </p:nvPr>
+        </p:nvSpPr>
+        <p:spPr>
+          <a:xfrm>
+            <a:off x="507597" y="2296799"/>
+            <a:ext cx="7524003" cy="1091323"/>
+          </a:xfrm>
+        </p:spPr>
+        <p:txBody>
+          <a:bodyPr/>
+          <a:lstStyle/>
+          <a:p>
+            <a:r>
+              <a:rPr lang="en-SG" altLang="zh-SG" dirty="0" smtClean="0"/>
+              <a:t>Previous or present work partners</a:t>
+            </a:r>
+            <a:endParaRPr lang="en-SG" altLang="zh-SG" dirty="0" smtClean="0"/>
+          </a:p>
+          <a:p>
+            <a:pPr marL="0" indent="0">
+              <a:buNone/>
+            </a:pPr>
+            <a:endParaRPr lang="en-US" altLang="zh-SG" dirty="0" smtClean="0"/>
+          </a:p>
+        </p:txBody>
+      </p:sp>
+      <p:sp>
+        <p:nvSpPr>
+          <p:cNvPr id="6" name="文本框 8"/>
+          <p:cNvSpPr txBox="1"/>
+          <p:nvPr/>
+        </p:nvSpPr>
+        <p:spPr>
+          <a:xfrm>
+            <a:off x="3041319" y="6627168"/>
+            <a:ext cx="6159058" cy="230832"/>
+          </a:xfrm>
+          <a:prstGeom prst="rect">
+            <a:avLst/>
+          </a:prstGeom>
+          <a:noFill/>
+        </p:spPr>
+        <p:txBody>
+          <a:bodyPr wrap="none" rtlCol="0">
+            <a:spAutoFit/>
+          </a:bodyPr>
+          <a:lstStyle/>
+          <a:p>
+            <a:r>
+              <a:rPr lang="en-US" altLang="zh-SG" sz="900" dirty="0" smtClean="0"/>
+              <a:t>*Source </a:t>
+            </a:r>
+            <a:r>
+              <a:rPr lang="en-US" altLang="zh-SG" sz="900" dirty="0"/>
+              <a:t>: http://au.hudson.com/job-seekers/helpful-tips-career-advice/interview-preparation/interview-tips</a:t>
+            </a:r>
+            <a:endParaRPr lang="zh-SG" altLang="en-US" sz="900" dirty="0"/>
+          </a:p>
+        </p:txBody>
+      </p:sp>
+      <p:sp>
+        <p:nvSpPr>
+          <p:cNvPr id="7" name="文本框 8"/>
+          <p:cNvSpPr txBox="1"/>
+          <p:nvPr/>
+        </p:nvSpPr>
+        <p:spPr>
+          <a:xfrm>
+            <a:off x="3634598" y="6374939"/>
+            <a:ext cx="2736647" cy="230832"/>
+          </a:xfrm>
+          <a:prstGeom prst="rect">
+            <a:avLst/>
+          </a:prstGeom>
+          <a:noFill/>
+        </p:spPr>
+        <p:txBody>
+          <a:bodyPr wrap="none" rtlCol="0">
+            <a:spAutoFit/>
+          </a:bodyPr>
+          <a:lstStyle/>
+          <a:p>
+            <a:r>
+              <a:rPr lang="en-US" altLang="zh-SG" sz="900" dirty="0" smtClean="0"/>
+              <a:t>Photo by: Craig </a:t>
+            </a:r>
+            <a:r>
+              <a:rPr lang="en-US" altLang="zh-SG" sz="900" dirty="0" err="1" smtClean="0"/>
+              <a:t>Sunter</a:t>
+            </a:r>
+            <a:r>
+              <a:rPr lang="en-US" altLang="zh-SG" sz="900" dirty="0"/>
+              <a:t>, https://flic.kr/p/zTu1PY</a:t>
+            </a:r>
+            <a:endParaRPr lang="zh-SG" altLang="en-US" sz="900" dirty="0"/>
+          </a:p>
+        </p:txBody>
+      </p:sp>
+      <p:pic>
+        <p:nvPicPr>
+          <p:cNvPr id="3" name="Picture 2"/>
+          <p:cNvPicPr>
+            <a:picLocks noChangeAspect="1"/>
+          </p:cNvPicPr>
+          <p:nvPr/>
+        </p:nvPicPr>
+        <p:blipFill>
+          <a:blip r:embed="rId3">
+            <a:extLst>
+              <a:ext uri="{28A0092B-C50C-407E-A947-70E740481C1C}">
+                <a14:useLocalDpi xmlns:a14="http://schemas.microsoft.com/office/drawing/2010/main" val="0"/>
+              </a:ext>
+            </a:extLst>
+          </a:blip>
+          <a:stretch>
+            <a:fillRect/>
+          </a:stretch>
+        </p:blipFill>
+        <p:spPr>
+          <a:xfrm>
+            <a:off x="2671539" y="2880123"/>
+            <a:ext cx="3646764" cy="3494816"/>
+          </a:xfrm>
+          <a:prstGeom prst="rect">
+            <a:avLst/>
+          </a:prstGeom>
+        </p:spPr>
+      </p:pic>
+    </p:spTree>
+    <p:extLst>
+      <p:ext uri="{BB962C8B-B14F-4D97-AF65-F5344CB8AC3E}">
+        <p14:creationId xmlns:p14="http://schemas.microsoft.com/office/powerpoint/2010/main" val="985016793"/>
+      </p:ext>
+    </p:extLst>
+  </p:cSld>
+  <p:clrMapOvr>
+    <a:masterClrMapping/>
+  </p:clrMapOvr>
+  <p:timing>
+    <p:tnLst>
+      <p:par>
+        <p:cTn id="1" dur="indefinite" restart="never" nodeType="tmRoot"/>
+      </p:par>
+    </p:tnLst>
+  </p:timing>
+</p:sld>
+</file>
+
+<file path=ppt/slides/slide11.xml><?xml version="1.0" encoding="utf-8"?>
+<p:sld xmlns:a="http://schemas.openxmlformats.org/drawingml/2006/main" xmlns:r="http://schemas.openxmlformats.org/officeDocument/2006/relationships" xmlns:p="http://schemas.openxmlformats.org/presentationml/2006/main">
+  <p:cSld>
+    <p:spTree>
+      <p:nvGrpSpPr>
+        <p:cNvPr id="1" name=""/>
+        <p:cNvGrpSpPr/>
+        <p:nvPr/>
+      </p:nvGrpSpPr>
+      <p:grpSpPr>
+        <a:xfrm>
+          <a:off x="0" y="0"/>
+          <a:ext cx="0" cy="0"/>
+          <a:chOff x="0" y="0"/>
+          <a:chExt cx="0" cy="0"/>
+        </a:xfrm>
+      </p:grpSpPr>
+      <p:pic>
+        <p:nvPicPr>
+          <p:cNvPr id="3" name="Picture 2"/>
+          <p:cNvPicPr>
+            <a:picLocks noChangeAspect="1"/>
+          </p:cNvPicPr>
+          <p:nvPr/>
+        </p:nvPicPr>
+        <p:blipFill>
+          <a:blip r:embed="rId3">
+            <a:extLst>
+              <a:ext uri="{28A0092B-C50C-407E-A947-70E740481C1C}">
+                <a14:useLocalDpi xmlns:a14="http://schemas.microsoft.com/office/drawing/2010/main" val="0"/>
+              </a:ext>
+            </a:extLst>
+          </a:blip>
+          <a:stretch>
+            <a:fillRect/>
+          </a:stretch>
+        </p:blipFill>
+        <p:spPr>
+          <a:xfrm>
+            <a:off x="1983598" y="2942923"/>
+            <a:ext cx="5180402" cy="3432016"/>
+          </a:xfrm>
+          <a:prstGeom prst="rect">
+            <a:avLst/>
+          </a:prstGeom>
+        </p:spPr>
+      </p:pic>
+      <p:sp>
+        <p:nvSpPr>
+          <p:cNvPr id="2" name="标题 1"/>
+          <p:cNvSpPr>
+            <a:spLocks noGrp="1"/>
+          </p:cNvSpPr>
+          <p:nvPr>
+            <p:ph type="title"/>
+          </p:nvPr>
+        </p:nvSpPr>
+        <p:spPr/>
+        <p:txBody>
+          <a:bodyPr/>
+          <a:lstStyle/>
+          <a:p>
+            <a:r>
+              <a:rPr lang="en-SG" altLang="zh-SG" dirty="0" smtClean="0"/>
+              <a:t>Behaviour</a:t>
+            </a:r>
+            <a:endParaRPr lang="zh-SG" altLang="en-US" dirty="0"/>
+          </a:p>
+        </p:txBody>
+      </p:sp>
+      <p:sp>
+        <p:nvSpPr>
+          <p:cNvPr id="5" name="内容占位符 4"/>
+          <p:cNvSpPr>
+            <a:spLocks noGrp="1"/>
+          </p:cNvSpPr>
+          <p:nvPr>
+            <p:ph idx="1"/>
+          </p:nvPr>
+        </p:nvSpPr>
+        <p:spPr>
+          <a:xfrm>
+            <a:off x="507597" y="2296799"/>
+            <a:ext cx="7524003" cy="1091323"/>
+          </a:xfrm>
+        </p:spPr>
+        <p:txBody>
+          <a:bodyPr/>
+          <a:lstStyle/>
+          <a:p>
+            <a:r>
+              <a:rPr lang="en-SG" altLang="zh-SG" dirty="0" smtClean="0"/>
+              <a:t>Chewing gum/Eating Food</a:t>
+            </a:r>
+            <a:endParaRPr lang="en-SG" altLang="zh-SG" dirty="0"/>
+          </a:p>
+          <a:p>
+            <a:pPr marL="0" indent="0">
+              <a:buNone/>
+            </a:pPr>
+            <a:endParaRPr lang="en-US" altLang="zh-SG" dirty="0" smtClean="0"/>
+          </a:p>
+        </p:txBody>
+      </p:sp>
+      <p:sp>
+        <p:nvSpPr>
+          <p:cNvPr id="6" name="文本框 8"/>
+          <p:cNvSpPr txBox="1"/>
+          <p:nvPr/>
+        </p:nvSpPr>
+        <p:spPr>
+          <a:xfrm>
+            <a:off x="3422319" y="6627168"/>
+            <a:ext cx="5775940" cy="230832"/>
+          </a:xfrm>
+          <a:prstGeom prst="rect">
+            <a:avLst/>
+          </a:prstGeom>
+          <a:noFill/>
+        </p:spPr>
+        <p:txBody>
+          <a:bodyPr wrap="none" rtlCol="0">
+            <a:spAutoFit/>
+          </a:bodyPr>
+          <a:lstStyle/>
+          <a:p>
+            <a:r>
+              <a:rPr lang="en-US" altLang="zh-SG" sz="900" dirty="0" smtClean="0"/>
+              <a:t>*Source </a:t>
+            </a:r>
+            <a:r>
+              <a:rPr lang="en-US" altLang="zh-SG" sz="900" dirty="0"/>
+              <a:t>: http://cals.arizona.edu/clubs/manrrs/MANRRS%20Web/GENERAL%20INTERVIEW%20TIPS.pdf</a:t>
+            </a:r>
+            <a:endParaRPr lang="zh-SG" altLang="en-US" sz="900" dirty="0"/>
+          </a:p>
+        </p:txBody>
+      </p:sp>
+      <p:sp>
+        <p:nvSpPr>
+          <p:cNvPr id="7" name="文本框 8"/>
+          <p:cNvSpPr txBox="1"/>
+          <p:nvPr/>
+        </p:nvSpPr>
+        <p:spPr>
+          <a:xfrm>
+            <a:off x="4269598" y="6374939"/>
+            <a:ext cx="3074881" cy="230832"/>
+          </a:xfrm>
+          <a:prstGeom prst="rect">
+            <a:avLst/>
+          </a:prstGeom>
+          <a:noFill/>
+        </p:spPr>
+        <p:txBody>
+          <a:bodyPr wrap="none" rtlCol="0">
+            <a:spAutoFit/>
+          </a:bodyPr>
+          <a:lstStyle/>
+          <a:p>
+            <a:r>
+              <a:rPr lang="en-US" altLang="zh-SG" sz="900" dirty="0" smtClean="0"/>
+              <a:t>Photo by: Veronica Aguilar, </a:t>
+            </a:r>
+            <a:r>
+              <a:rPr lang="en-US" altLang="zh-SG" sz="900" dirty="0"/>
+              <a:t>https://flic.kr/p/oDU2kk</a:t>
+            </a:r>
+            <a:endParaRPr lang="zh-SG" altLang="en-US" sz="900" dirty="0"/>
+          </a:p>
+        </p:txBody>
+      </p:sp>
+    </p:spTree>
+    <p:extLst>
+      <p:ext uri="{BB962C8B-B14F-4D97-AF65-F5344CB8AC3E}">
+        <p14:creationId xmlns:p14="http://schemas.microsoft.com/office/powerpoint/2010/main" val="1218865844"/>
+      </p:ext>
+    </p:extLst>
+  </p:cSld>
+  <p:clrMapOvr>
+    <a:masterClrMapping/>
+  </p:clrMapOvr>
+  <p:timing>
+    <p:tnLst>
+      <p:par>
+        <p:cTn id="1" dur="indefinite" restart="never" nodeType="tmRoot"/>
+      </p:par>
+    </p:tnLst>
+  </p:timing>
+</p:sld>
+</file>
+
+<file path=ppt/slides/slide12.xml><?xml version="1.0" encoding="utf-8"?>
+<p:sld xmlns:a="http://schemas.openxmlformats.org/drawingml/2006/main" xmlns:r="http://schemas.openxmlformats.org/officeDocument/2006/relationships" xmlns:p="http://schemas.openxmlformats.org/presentationml/2006/main">
+  <p:cSld>
+    <p:spTree>
+      <p:nvGrpSpPr>
+        <p:cNvPr id="1" name=""/>
+        <p:cNvGrpSpPr/>
+        <p:nvPr/>
+      </p:nvGrpSpPr>
+      <p:grpSpPr>
+        <a:xfrm>
+          <a:off x="0" y="0"/>
+          <a:ext cx="0" cy="0"/>
+          <a:chOff x="0" y="0"/>
+          <a:chExt cx="0" cy="0"/>
+        </a:xfrm>
+      </p:grpSpPr>
+      <p:sp>
+        <p:nvSpPr>
+          <p:cNvPr id="2" name="标题 1"/>
+          <p:cNvSpPr>
+            <a:spLocks noGrp="1"/>
+          </p:cNvSpPr>
+          <p:nvPr>
+            <p:ph type="title"/>
+          </p:nvPr>
+        </p:nvSpPr>
+        <p:spPr/>
+        <p:txBody>
+          <a:bodyPr/>
+          <a:lstStyle/>
+          <a:p>
+            <a:r>
+              <a:rPr lang="en-SG" altLang="zh-SG" dirty="0" smtClean="0"/>
+              <a:t>Personal grooming</a:t>
+            </a:r>
+            <a:endParaRPr lang="zh-SG" altLang="en-US" dirty="0"/>
+          </a:p>
+        </p:txBody>
+      </p:sp>
+      <p:sp>
+        <p:nvSpPr>
+          <p:cNvPr id="5" name="内容占位符 4"/>
+          <p:cNvSpPr>
+            <a:spLocks noGrp="1"/>
+          </p:cNvSpPr>
+          <p:nvPr>
+            <p:ph idx="1"/>
+          </p:nvPr>
+        </p:nvSpPr>
+        <p:spPr>
+          <a:xfrm>
+            <a:off x="507597" y="2296799"/>
+            <a:ext cx="7524003" cy="1091323"/>
+          </a:xfrm>
+        </p:spPr>
+        <p:txBody>
+          <a:bodyPr/>
+          <a:lstStyle/>
+          <a:p>
+            <a:r>
+              <a:rPr lang="en-SG" altLang="zh-SG" dirty="0" smtClean="0"/>
+              <a:t>Heavy perfume/cologne</a:t>
+            </a:r>
+            <a:endParaRPr lang="en-SG" altLang="zh-SG" dirty="0" smtClean="0"/>
+          </a:p>
+          <a:p>
+            <a:pPr marL="0" indent="0">
+              <a:buNone/>
+            </a:pPr>
+            <a:endParaRPr lang="en-US" altLang="zh-SG" dirty="0" smtClean="0"/>
+          </a:p>
+        </p:txBody>
+      </p:sp>
+      <p:sp>
+        <p:nvSpPr>
+          <p:cNvPr id="6" name="文本框 8"/>
+          <p:cNvSpPr txBox="1"/>
+          <p:nvPr/>
+        </p:nvSpPr>
+        <p:spPr>
+          <a:xfrm>
+            <a:off x="3422319" y="6627168"/>
+            <a:ext cx="5775940" cy="230832"/>
+          </a:xfrm>
+          <a:prstGeom prst="rect">
+            <a:avLst/>
+          </a:prstGeom>
+          <a:noFill/>
+        </p:spPr>
+        <p:txBody>
+          <a:bodyPr wrap="none" rtlCol="0">
+            <a:spAutoFit/>
+          </a:bodyPr>
+          <a:lstStyle/>
+          <a:p>
+            <a:r>
+              <a:rPr lang="en-US" altLang="zh-SG" sz="900" dirty="0" smtClean="0"/>
+              <a:t>*Source </a:t>
+            </a:r>
+            <a:r>
+              <a:rPr lang="en-US" altLang="zh-SG" sz="900" dirty="0"/>
+              <a:t>: http://cals.arizona.edu/clubs/manrrs/MANRRS%20Web/GENERAL%20INTERVIEW%20TIPS.pdf</a:t>
+            </a:r>
+            <a:endParaRPr lang="zh-SG" altLang="en-US" sz="900" dirty="0"/>
+          </a:p>
+        </p:txBody>
+      </p:sp>
+      <p:sp>
+        <p:nvSpPr>
+          <p:cNvPr id="7" name="文本框 8"/>
+          <p:cNvSpPr txBox="1"/>
+          <p:nvPr/>
+        </p:nvSpPr>
+        <p:spPr>
+          <a:xfrm>
+            <a:off x="3126598" y="6374939"/>
+            <a:ext cx="2965877" cy="230832"/>
+          </a:xfrm>
+          <a:prstGeom prst="rect">
+            <a:avLst/>
+          </a:prstGeom>
+          <a:noFill/>
+        </p:spPr>
+        <p:txBody>
+          <a:bodyPr wrap="none" rtlCol="0">
+            <a:spAutoFit/>
+          </a:bodyPr>
+          <a:lstStyle/>
+          <a:p>
+            <a:r>
+              <a:rPr lang="en-US" altLang="zh-SG" sz="900" dirty="0" smtClean="0"/>
+              <a:t>Photo by: edmondwong8, </a:t>
+            </a:r>
+            <a:r>
+              <a:rPr lang="en-US" altLang="zh-SG" sz="900" dirty="0"/>
+              <a:t>https://flic.kr/p/73PURc</a:t>
+            </a:r>
+            <a:endParaRPr lang="zh-SG" altLang="en-US" sz="900" dirty="0"/>
+          </a:p>
+        </p:txBody>
+      </p:sp>
+      <p:pic>
+        <p:nvPicPr>
+          <p:cNvPr id="4" name="Picture 3"/>
+          <p:cNvPicPr>
+            <a:picLocks noChangeAspect="1"/>
+          </p:cNvPicPr>
+          <p:nvPr/>
+        </p:nvPicPr>
+        <p:blipFill>
+          <a:blip r:embed="rId3" cstate="print">
+            <a:extLst>
+              <a:ext uri="{28A0092B-C50C-407E-A947-70E740481C1C}">
+                <a14:useLocalDpi xmlns:a14="http://schemas.microsoft.com/office/drawing/2010/main" val="0"/>
+              </a:ext>
+            </a:extLst>
+          </a:blip>
+          <a:stretch>
+            <a:fillRect/>
+          </a:stretch>
+        </p:blipFill>
+        <p:spPr>
+          <a:xfrm>
+            <a:off x="3175714" y="2875907"/>
+            <a:ext cx="2792567" cy="3561554"/>
+          </a:xfrm>
+          <a:prstGeom prst="rect">
+            <a:avLst/>
+          </a:prstGeom>
+        </p:spPr>
+      </p:pic>
+    </p:spTree>
+    <p:extLst>
+      <p:ext uri="{BB962C8B-B14F-4D97-AF65-F5344CB8AC3E}">
+        <p14:creationId xmlns:p14="http://schemas.microsoft.com/office/powerpoint/2010/main" val="3387568799"/>
+      </p:ext>
+    </p:extLst>
+  </p:cSld>
+  <p:clrMapOvr>
+    <a:masterClrMapping/>
+  </p:clrMapOvr>
+  <p:timing>
+    <p:tnLst>
+      <p:par>
+        <p:cTn id="1" dur="indefinite" restart="never" nodeType="tmRoot"/>
+      </p:par>
+    </p:tnLst>
+  </p:timing>
+</p:sld>
+</file>
+
 <file path=ppt/slides/slide2.xml><?xml version="1.0" encoding="utf-8"?>
 <p:sld xmlns:a="http://schemas.openxmlformats.org/drawingml/2006/main" xmlns:r="http://schemas.openxmlformats.org/officeDocument/2006/relationships" xmlns:p="http://schemas.openxmlformats.org/presentationml/2006/main">
   <p:cSld>
@@ -8874,7 +10254,15 @@
           <a:p>
             <a:r>
               <a:rPr lang="en-SG" altLang="zh-SG" dirty="0"/>
-              <a:t>General skills</a:t>
+              <a:t>General </a:t>
+            </a:r>
+            <a:r>
+              <a:rPr lang="en-SG" altLang="zh-SG" dirty="0" smtClean="0"/>
+              <a:t>skills: “</a:t>
+            </a:r>
+            <a:r>
+              <a:rPr lang="en-SG" altLang="zh-SG" dirty="0" err="1" smtClean="0"/>
+              <a:t>Do”s</a:t>
             </a:r>
             <a:endParaRPr lang="zh-SG" altLang="en-US" dirty="0"/>
           </a:p>
@@ -9502,6 +10890,494 @@
   <p:clrMapOvr>
     <a:masterClrMapping/>
   </p:clrMapOvr>
+</p:sld>
+</file>
+
+<file path=ppt/slides/slide7.xml><?xml version="1.0" encoding="utf-8"?>
+<p:sld xmlns:a="http://schemas.openxmlformats.org/drawingml/2006/main" xmlns:r="http://schemas.openxmlformats.org/officeDocument/2006/relationships" xmlns:p="http://schemas.openxmlformats.org/presentationml/2006/main">
+  <p:cSld>
+    <p:spTree>
+      <p:nvGrpSpPr>
+        <p:cNvPr id="1" name=""/>
+        <p:cNvGrpSpPr/>
+        <p:nvPr/>
+      </p:nvGrpSpPr>
+      <p:grpSpPr>
+        <a:xfrm>
+          <a:off x="0" y="0"/>
+          <a:ext cx="0" cy="0"/>
+          <a:chOff x="0" y="0"/>
+          <a:chExt cx="0" cy="0"/>
+        </a:xfrm>
+      </p:grpSpPr>
+      <p:sp>
+        <p:nvSpPr>
+          <p:cNvPr id="2" name="标题 1"/>
+          <p:cNvSpPr>
+            <a:spLocks noGrp="1"/>
+          </p:cNvSpPr>
+          <p:nvPr>
+            <p:ph type="title"/>
+          </p:nvPr>
+        </p:nvSpPr>
+        <p:spPr/>
+        <p:txBody>
+          <a:bodyPr/>
+          <a:lstStyle/>
+          <a:p>
+            <a:r>
+              <a:rPr lang="en-SG" altLang="zh-SG" dirty="0"/>
+              <a:t>General </a:t>
+            </a:r>
+            <a:r>
+              <a:rPr lang="en-SG" altLang="zh-SG" dirty="0" smtClean="0"/>
+              <a:t>skills: “</a:t>
+            </a:r>
+            <a:r>
+              <a:rPr lang="en-SG" altLang="zh-SG" dirty="0" err="1" smtClean="0"/>
+              <a:t>Don’t”s</a:t>
+            </a:r>
+            <a:endParaRPr lang="zh-SG" altLang="en-US" dirty="0"/>
+          </a:p>
+        </p:txBody>
+      </p:sp>
+      <p:sp>
+        <p:nvSpPr>
+          <p:cNvPr id="3" name="文本占位符 2"/>
+          <p:cNvSpPr>
+            <a:spLocks noGrp="1"/>
+          </p:cNvSpPr>
+          <p:nvPr>
+            <p:ph type="body" idx="1"/>
+          </p:nvPr>
+        </p:nvSpPr>
+        <p:spPr>
+          <a:xfrm>
+            <a:off x="804863" y="5281200"/>
+            <a:ext cx="7526337" cy="628647"/>
+          </a:xfrm>
+        </p:spPr>
+        <p:txBody>
+          <a:bodyPr/>
+          <a:lstStyle/>
+          <a:p>
+            <a:r>
+              <a:rPr lang="en-SG" altLang="zh-SG" dirty="0" smtClean="0"/>
+              <a:t>Communications | Personal grooming | Behaviour</a:t>
+            </a:r>
+            <a:endParaRPr lang="zh-SG" altLang="en-US" dirty="0"/>
+          </a:p>
+        </p:txBody>
+      </p:sp>
+    </p:spTree>
+    <p:extLst>
+      <p:ext uri="{BB962C8B-B14F-4D97-AF65-F5344CB8AC3E}">
+        <p14:creationId xmlns:p14="http://schemas.microsoft.com/office/powerpoint/2010/main" val="3191458548"/>
+      </p:ext>
+    </p:extLst>
+  </p:cSld>
+  <p:clrMapOvr>
+    <a:masterClrMapping/>
+  </p:clrMapOvr>
+  <p:timing>
+    <p:tnLst>
+      <p:par>
+        <p:cTn id="1" dur="indefinite" restart="never" nodeType="tmRoot"/>
+      </p:par>
+    </p:tnLst>
+  </p:timing>
+</p:sld>
+</file>
+
+<file path=ppt/slides/slide8.xml><?xml version="1.0" encoding="utf-8"?>
+<p:sld xmlns:a="http://schemas.openxmlformats.org/drawingml/2006/main" xmlns:r="http://schemas.openxmlformats.org/officeDocument/2006/relationships" xmlns:p="http://schemas.openxmlformats.org/presentationml/2006/main">
+  <p:cSld>
+    <p:spTree>
+      <p:nvGrpSpPr>
+        <p:cNvPr id="1" name=""/>
+        <p:cNvGrpSpPr/>
+        <p:nvPr/>
+      </p:nvGrpSpPr>
+      <p:grpSpPr>
+        <a:xfrm>
+          <a:off x="0" y="0"/>
+          <a:ext cx="0" cy="0"/>
+          <a:chOff x="0" y="0"/>
+          <a:chExt cx="0" cy="0"/>
+        </a:xfrm>
+      </p:grpSpPr>
+      <p:sp>
+        <p:nvSpPr>
+          <p:cNvPr id="2" name="标题 1"/>
+          <p:cNvSpPr>
+            <a:spLocks noGrp="1"/>
+          </p:cNvSpPr>
+          <p:nvPr>
+            <p:ph type="title"/>
+          </p:nvPr>
+        </p:nvSpPr>
+        <p:spPr/>
+        <p:txBody>
+          <a:bodyPr/>
+          <a:lstStyle/>
+          <a:p>
+            <a:r>
+              <a:rPr lang="en-SG" altLang="zh-SG" dirty="0" smtClean="0"/>
+              <a:t>Communications</a:t>
+            </a:r>
+            <a:endParaRPr lang="zh-SG" altLang="en-US" dirty="0"/>
+          </a:p>
+        </p:txBody>
+      </p:sp>
+      <p:sp>
+        <p:nvSpPr>
+          <p:cNvPr id="5" name="内容占位符 4"/>
+          <p:cNvSpPr>
+            <a:spLocks noGrp="1"/>
+          </p:cNvSpPr>
+          <p:nvPr>
+            <p:ph idx="1"/>
+          </p:nvPr>
+        </p:nvSpPr>
+        <p:spPr>
+          <a:xfrm>
+            <a:off x="507597" y="2296799"/>
+            <a:ext cx="7524003" cy="1091323"/>
+          </a:xfrm>
+        </p:spPr>
+        <p:txBody>
+          <a:bodyPr/>
+          <a:lstStyle/>
+          <a:p>
+            <a:r>
+              <a:rPr lang="en-US" altLang="zh-SG" dirty="0" smtClean="0"/>
+              <a:t>Vague Questions</a:t>
+            </a:r>
+            <a:endParaRPr lang="en-SG" altLang="zh-SG" dirty="0"/>
+          </a:p>
+          <a:p>
+            <a:pPr marL="0" indent="0">
+              <a:buNone/>
+            </a:pPr>
+            <a:endParaRPr lang="en-US" altLang="zh-SG" dirty="0" smtClean="0"/>
+          </a:p>
+        </p:txBody>
+      </p:sp>
+      <p:pic>
+        <p:nvPicPr>
+          <p:cNvPr id="3" name="Picture 2"/>
+          <p:cNvPicPr>
+            <a:picLocks noChangeAspect="1"/>
+          </p:cNvPicPr>
+          <p:nvPr/>
+        </p:nvPicPr>
+        <p:blipFill>
+          <a:blip r:embed="rId3">
+            <a:extLst>
+              <a:ext uri="{28A0092B-C50C-407E-A947-70E740481C1C}">
+                <a14:useLocalDpi xmlns:a14="http://schemas.microsoft.com/office/drawing/2010/main" val="0"/>
+              </a:ext>
+            </a:extLst>
+          </a:blip>
+          <a:stretch>
+            <a:fillRect/>
+          </a:stretch>
+        </p:blipFill>
+        <p:spPr>
+          <a:xfrm>
+            <a:off x="1996200" y="2942924"/>
+            <a:ext cx="5167800" cy="3402135"/>
+          </a:xfrm>
+          <a:prstGeom prst="rect">
+            <a:avLst/>
+          </a:prstGeom>
+        </p:spPr>
+      </p:pic>
+      <p:sp>
+        <p:nvSpPr>
+          <p:cNvPr id="6" name="文本框 8"/>
+          <p:cNvSpPr txBox="1"/>
+          <p:nvPr/>
+        </p:nvSpPr>
+        <p:spPr>
+          <a:xfrm>
+            <a:off x="3422319" y="6627168"/>
+            <a:ext cx="5775940" cy="230832"/>
+          </a:xfrm>
+          <a:prstGeom prst="rect">
+            <a:avLst/>
+          </a:prstGeom>
+          <a:noFill/>
+        </p:spPr>
+        <p:txBody>
+          <a:bodyPr wrap="none" rtlCol="0">
+            <a:spAutoFit/>
+          </a:bodyPr>
+          <a:lstStyle/>
+          <a:p>
+            <a:r>
+              <a:rPr lang="en-US" altLang="zh-SG" sz="900" dirty="0" smtClean="0"/>
+              <a:t>*Source </a:t>
+            </a:r>
+            <a:r>
+              <a:rPr lang="en-US" altLang="zh-SG" sz="900" dirty="0"/>
+              <a:t>: http://cals.arizona.edu/clubs/manrrs/MANRRS%20Web/GENERAL%20INTERVIEW%20TIPS.pdf</a:t>
+            </a:r>
+            <a:endParaRPr lang="zh-SG" altLang="en-US" sz="900" dirty="0"/>
+          </a:p>
+        </p:txBody>
+      </p:sp>
+      <p:sp>
+        <p:nvSpPr>
+          <p:cNvPr id="7" name="文本框 8"/>
+          <p:cNvSpPr txBox="1"/>
+          <p:nvPr/>
+        </p:nvSpPr>
+        <p:spPr>
+          <a:xfrm>
+            <a:off x="4432162" y="6345059"/>
+            <a:ext cx="2731838" cy="230832"/>
+          </a:xfrm>
+          <a:prstGeom prst="rect">
+            <a:avLst/>
+          </a:prstGeom>
+          <a:noFill/>
+        </p:spPr>
+        <p:txBody>
+          <a:bodyPr wrap="none" rtlCol="0">
+            <a:spAutoFit/>
+          </a:bodyPr>
+          <a:lstStyle/>
+          <a:p>
+            <a:r>
+              <a:rPr lang="en-US" altLang="zh-SG" sz="900" dirty="0" smtClean="0"/>
+              <a:t>Photo by: Brian Moore</a:t>
+            </a:r>
+            <a:r>
+              <a:rPr lang="en-US" altLang="zh-SG" sz="900" dirty="0"/>
+              <a:t>, https://flic.kr/p/weYd8</a:t>
+            </a:r>
+            <a:endParaRPr lang="zh-SG" altLang="en-US" sz="900" dirty="0"/>
+          </a:p>
+        </p:txBody>
+      </p:sp>
+    </p:spTree>
+    <p:extLst>
+      <p:ext uri="{BB962C8B-B14F-4D97-AF65-F5344CB8AC3E}">
+        <p14:creationId xmlns:p14="http://schemas.microsoft.com/office/powerpoint/2010/main" val="3566070255"/>
+      </p:ext>
+    </p:extLst>
+  </p:cSld>
+  <p:clrMapOvr>
+    <a:masterClrMapping/>
+  </p:clrMapOvr>
+  <p:timing>
+    <p:tnLst>
+      <p:par>
+        <p:cTn id="1" dur="indefinite" restart="never" nodeType="tmRoot"/>
+      </p:par>
+    </p:tnLst>
+  </p:timing>
+</p:sld>
+</file>
+
+<file path=ppt/slides/slide9.xml><?xml version="1.0" encoding="utf-8"?>
+<p:sld xmlns:a="http://schemas.openxmlformats.org/drawingml/2006/main" xmlns:r="http://schemas.openxmlformats.org/officeDocument/2006/relationships" xmlns:p="http://schemas.openxmlformats.org/presentationml/2006/main">
+  <p:cSld>
+    <p:spTree>
+      <p:nvGrpSpPr>
+        <p:cNvPr id="1" name=""/>
+        <p:cNvGrpSpPr/>
+        <p:nvPr/>
+      </p:nvGrpSpPr>
+      <p:grpSpPr>
+        <a:xfrm>
+          <a:off x="0" y="0"/>
+          <a:ext cx="0" cy="0"/>
+          <a:chOff x="0" y="0"/>
+          <a:chExt cx="0" cy="0"/>
+        </a:xfrm>
+      </p:grpSpPr>
+      <p:pic>
+        <p:nvPicPr>
+          <p:cNvPr id="4" name="Picture 3"/>
+          <p:cNvPicPr>
+            <a:picLocks noChangeAspect="1"/>
+          </p:cNvPicPr>
+          <p:nvPr/>
+        </p:nvPicPr>
+        <p:blipFill>
+          <a:blip r:embed="rId3">
+            <a:extLst>
+              <a:ext uri="{28A0092B-C50C-407E-A947-70E740481C1C}">
+                <a14:useLocalDpi xmlns:a14="http://schemas.microsoft.com/office/drawing/2010/main" val="0"/>
+              </a:ext>
+            </a:extLst>
+          </a:blip>
+          <a:stretch>
+            <a:fillRect/>
+          </a:stretch>
+        </p:blipFill>
+        <p:spPr>
+          <a:xfrm>
+            <a:off x="1983598" y="2942923"/>
+            <a:ext cx="5180402" cy="3410431"/>
+          </a:xfrm>
+          <a:prstGeom prst="rect">
+            <a:avLst/>
+          </a:prstGeom>
+        </p:spPr>
+      </p:pic>
+      <p:sp>
+        <p:nvSpPr>
+          <p:cNvPr id="2" name="标题 1"/>
+          <p:cNvSpPr>
+            <a:spLocks noGrp="1"/>
+          </p:cNvSpPr>
+          <p:nvPr>
+            <p:ph type="title"/>
+          </p:nvPr>
+        </p:nvSpPr>
+        <p:spPr/>
+        <p:txBody>
+          <a:bodyPr/>
+          <a:lstStyle/>
+          <a:p>
+            <a:r>
+              <a:rPr lang="en-SG" altLang="zh-SG" dirty="0" smtClean="0"/>
+              <a:t>Communications</a:t>
+            </a:r>
+            <a:endParaRPr lang="zh-SG" altLang="en-US" dirty="0"/>
+          </a:p>
+        </p:txBody>
+      </p:sp>
+      <p:sp>
+        <p:nvSpPr>
+          <p:cNvPr id="5" name="内容占位符 4"/>
+          <p:cNvSpPr>
+            <a:spLocks noGrp="1"/>
+          </p:cNvSpPr>
+          <p:nvPr>
+            <p:ph idx="1"/>
+          </p:nvPr>
+        </p:nvSpPr>
+        <p:spPr>
+          <a:xfrm>
+            <a:off x="507597" y="2296799"/>
+            <a:ext cx="7524003" cy="1091323"/>
+          </a:xfrm>
+        </p:spPr>
+        <p:txBody>
+          <a:bodyPr/>
+          <a:lstStyle/>
+          <a:p>
+            <a:r>
+              <a:rPr lang="en-SG" altLang="zh-SG" dirty="0" smtClean="0"/>
+              <a:t>Interruptions</a:t>
+            </a:r>
+            <a:endParaRPr lang="en-SG" altLang="zh-SG" dirty="0"/>
+          </a:p>
+          <a:p>
+            <a:pPr marL="0" indent="0">
+              <a:buNone/>
+            </a:pPr>
+            <a:endParaRPr lang="en-US" altLang="zh-SG" dirty="0" smtClean="0"/>
+          </a:p>
+        </p:txBody>
+      </p:sp>
+      <p:sp>
+        <p:nvSpPr>
+          <p:cNvPr id="6" name="文本框 8"/>
+          <p:cNvSpPr txBox="1"/>
+          <p:nvPr/>
+        </p:nvSpPr>
+        <p:spPr>
+          <a:xfrm>
+            <a:off x="3422319" y="6627168"/>
+            <a:ext cx="5775940" cy="230832"/>
+          </a:xfrm>
+          <a:prstGeom prst="rect">
+            <a:avLst/>
+          </a:prstGeom>
+          <a:noFill/>
+        </p:spPr>
+        <p:txBody>
+          <a:bodyPr wrap="none" rtlCol="0">
+            <a:spAutoFit/>
+          </a:bodyPr>
+          <a:lstStyle/>
+          <a:p>
+            <a:r>
+              <a:rPr lang="en-US" altLang="zh-SG" sz="900" dirty="0" smtClean="0"/>
+              <a:t>*Source </a:t>
+            </a:r>
+            <a:r>
+              <a:rPr lang="en-US" altLang="zh-SG" sz="900" dirty="0"/>
+              <a:t>: http://cals.arizona.edu/clubs/manrrs/MANRRS%20Web/GENERAL%20INTERVIEW%20TIPS.pdf</a:t>
+            </a:r>
+            <a:endParaRPr lang="zh-SG" altLang="en-US" sz="900" dirty="0"/>
+          </a:p>
+        </p:txBody>
+      </p:sp>
+      <p:sp>
+        <p:nvSpPr>
+          <p:cNvPr id="7" name="文本框 8"/>
+          <p:cNvSpPr txBox="1"/>
+          <p:nvPr/>
+        </p:nvSpPr>
+        <p:spPr>
+          <a:xfrm>
+            <a:off x="4269598" y="6353354"/>
+            <a:ext cx="3018775" cy="230832"/>
+          </a:xfrm>
+          <a:prstGeom prst="rect">
+            <a:avLst/>
+          </a:prstGeom>
+          <a:noFill/>
+        </p:spPr>
+        <p:txBody>
+          <a:bodyPr wrap="none" rtlCol="0">
+            <a:spAutoFit/>
+          </a:bodyPr>
+          <a:lstStyle/>
+          <a:p>
+            <a:r>
+              <a:rPr lang="en-US" altLang="zh-SG" sz="900" dirty="0" smtClean="0"/>
+              <a:t>Photo by: Kurt </a:t>
+            </a:r>
+            <a:r>
+              <a:rPr lang="en-US" altLang="zh-SG" sz="900" dirty="0" err="1" smtClean="0"/>
+              <a:t>Bauschardt</a:t>
+            </a:r>
+            <a:r>
+              <a:rPr lang="en-US" altLang="zh-SG" sz="900" dirty="0" smtClean="0"/>
+              <a:t>, </a:t>
+            </a:r>
+            <a:r>
+              <a:rPr lang="en-US" altLang="zh-SG" sz="900" dirty="0"/>
+              <a:t>https://flic.kr/p/kcc2QD</a:t>
+            </a:r>
+            <a:endParaRPr lang="zh-SG" altLang="en-US" sz="900" dirty="0"/>
+          </a:p>
+        </p:txBody>
+      </p:sp>
+    </p:spTree>
+    <p:extLst>
+      <p:ext uri="{BB962C8B-B14F-4D97-AF65-F5344CB8AC3E}">
+        <p14:creationId xmlns:p14="http://schemas.microsoft.com/office/powerpoint/2010/main" val="693448201"/>
+      </p:ext>
+    </p:extLst>
+  </p:cSld>
+  <p:clrMapOvr>
+    <a:masterClrMapping/>
+  </p:clrMapOvr>
+  <p:timing>
+    <p:tnLst>
+      <p:par>
+        <p:cTn id="1" dur="indefinite" restart="never" nodeType="tmRoot"/>
+      </p:par>
+    </p:tnLst>
+  </p:timing>
 </p:sld>
 </file>
 

--- a/OP1.pptx
+++ b/OP1.pptx
@@ -5,21 +5,27 @@
     <p:sldMasterId id="2147483672" r:id="rId1"/>
   </p:sldMasterIdLst>
   <p:notesMasterIdLst>
-    <p:notesMasterId r:id="rId14"/>
+    <p:notesMasterId r:id="rId20"/>
   </p:notesMasterIdLst>
   <p:sldIdLst>
     <p:sldId id="256" r:id="rId2"/>
-    <p:sldId id="259" r:id="rId3"/>
-    <p:sldId id="263" r:id="rId4"/>
-    <p:sldId id="260" r:id="rId5"/>
-    <p:sldId id="261" r:id="rId6"/>
-    <p:sldId id="264" r:id="rId7"/>
-    <p:sldId id="270" r:id="rId8"/>
-    <p:sldId id="266" r:id="rId9"/>
-    <p:sldId id="271" r:id="rId10"/>
-    <p:sldId id="274" r:id="rId11"/>
-    <p:sldId id="272" r:id="rId12"/>
-    <p:sldId id="273" r:id="rId13"/>
+    <p:sldId id="276" r:id="rId3"/>
+    <p:sldId id="275" r:id="rId4"/>
+    <p:sldId id="277" r:id="rId5"/>
+    <p:sldId id="279" r:id="rId6"/>
+    <p:sldId id="278" r:id="rId7"/>
+    <p:sldId id="280" r:id="rId8"/>
+    <p:sldId id="259" r:id="rId9"/>
+    <p:sldId id="263" r:id="rId10"/>
+    <p:sldId id="260" r:id="rId11"/>
+    <p:sldId id="261" r:id="rId12"/>
+    <p:sldId id="264" r:id="rId13"/>
+    <p:sldId id="270" r:id="rId14"/>
+    <p:sldId id="266" r:id="rId15"/>
+    <p:sldId id="271" r:id="rId16"/>
+    <p:sldId id="274" r:id="rId17"/>
+    <p:sldId id="272" r:id="rId18"/>
+    <p:sldId id="273" r:id="rId19"/>
   </p:sldIdLst>
   <p:sldSz cx="9144000" cy="6858000" type="screen4x3"/>
   <p:notesSz cx="6858000" cy="9144000"/>
@@ -120,7 +126,7 @@
   </p:defaultTextStyle>
   <p:extLst>
     <p:ext uri="{EFAFB233-063F-42B5-8137-9DF3F51BA10A}">
-      <p15:sldGuideLst xmlns:p15="http://schemas.microsoft.com/office/powerpoint/2012/main"/>
+      <p15:sldGuideLst xmlns:p15="http://schemas.microsoft.com/office/powerpoint/2012/main" xmlns=""/>
     </p:ext>
   </p:extLst>
 </p:presentation>
@@ -1378,7 +1384,7 @@
         <a:solidFill>
           <a:schemeClr val="accent1">
             <a:shade val="80000"/>
-            <a:hueOff val="-152183"/>
+            <a:hueOff val="-152182"/>
             <a:satOff val="-52530"/>
             <a:lumOff val="36647"/>
             <a:alphaOff val="0"/>
@@ -1459,7 +1465,7 @@
         <a:solidFill>
           <a:schemeClr val="accent1">
             <a:shade val="90000"/>
-            <a:hueOff val="-152964"/>
+            <a:hueOff val="-152963"/>
             <a:satOff val="-52530"/>
             <a:lumOff val="34741"/>
             <a:alphaOff val="0"/>
@@ -3167,15 +3173,7 @@
           <a:p>
             <a:r>
               <a:rPr lang="en-US" altLang="zh-SG" baseline="0" dirty="0" smtClean="0"/>
-              <a:t>Manage of body movement is essentially the management </a:t>
-            </a:r>
-            <a:r>
-              <a:rPr lang="en-US" altLang="zh-SG" baseline="0" dirty="0" smtClean="0"/>
-              <a:t>of </a:t>
-            </a:r>
-            <a:r>
-              <a:rPr lang="en-US" altLang="zh-SG" baseline="0" dirty="0" smtClean="0"/>
-              <a:t>our mind state.</a:t>
+              <a:t>Manage of body movement is essentially the management of our mind state.</a:t>
             </a:r>
           </a:p>
           <a:p>
@@ -3232,7 +3230,7 @@
           <a:p>
             <a:fld id="{5501EC1D-0087-4192-9EEB-BFDFC93C89F6}" type="slidenum">
               <a:rPr lang="zh-SG" altLang="en-US" smtClean="0"/>
-              <a:t>3</a:t>
+              <a:t>9</a:t>
             </a:fld>
             <a:endParaRPr lang="zh-SG" altLang="en-US"/>
           </a:p>
@@ -3342,7 +3340,7 @@
           <a:p>
             <a:fld id="{5501EC1D-0087-4192-9EEB-BFDFC93C89F6}" type="slidenum">
               <a:rPr lang="zh-SG" altLang="en-US" smtClean="0"/>
-              <a:t>4</a:t>
+              <a:t>10</a:t>
             </a:fld>
             <a:endParaRPr lang="zh-SG" altLang="en-US"/>
           </a:p>
@@ -3480,7 +3478,7 @@
           <a:p>
             <a:fld id="{5501EC1D-0087-4192-9EEB-BFDFC93C89F6}" type="slidenum">
               <a:rPr lang="zh-SG" altLang="en-US" smtClean="0"/>
-              <a:t>5</a:t>
+              <a:t>11</a:t>
             </a:fld>
             <a:endParaRPr lang="zh-SG" altLang="en-US"/>
           </a:p>
@@ -3584,7 +3582,7 @@
           <a:p>
             <a:fld id="{5501EC1D-0087-4192-9EEB-BFDFC93C89F6}" type="slidenum">
               <a:rPr lang="zh-SG" altLang="en-US" smtClean="0"/>
-              <a:t>8</a:t>
+              <a:t>14</a:t>
             </a:fld>
             <a:endParaRPr lang="zh-SG" altLang="en-US"/>
           </a:p>
@@ -3751,7 +3749,7 @@
           <a:p>
             <a:fld id="{5501EC1D-0087-4192-9EEB-BFDFC93C89F6}" type="slidenum">
               <a:rPr lang="zh-SG" altLang="en-US" smtClean="0"/>
-              <a:t>9</a:t>
+              <a:t>15</a:t>
             </a:fld>
             <a:endParaRPr lang="zh-SG" altLang="en-US"/>
           </a:p>
@@ -3933,7 +3931,7 @@
           <a:p>
             <a:fld id="{5501EC1D-0087-4192-9EEB-BFDFC93C89F6}" type="slidenum">
               <a:rPr lang="zh-SG" altLang="en-US" smtClean="0"/>
-              <a:t>10</a:t>
+              <a:t>16</a:t>
             </a:fld>
             <a:endParaRPr lang="zh-SG" altLang="en-US"/>
           </a:p>
@@ -4088,7 +4086,7 @@
           <a:p>
             <a:fld id="{5501EC1D-0087-4192-9EEB-BFDFC93C89F6}" type="slidenum">
               <a:rPr lang="zh-SG" altLang="en-US" smtClean="0"/>
-              <a:t>11</a:t>
+              <a:t>17</a:t>
             </a:fld>
             <a:endParaRPr lang="zh-SG" altLang="en-US"/>
           </a:p>
@@ -4219,7 +4217,7 @@
           <a:p>
             <a:fld id="{5501EC1D-0087-4192-9EEB-BFDFC93C89F6}" type="slidenum">
               <a:rPr lang="zh-SG" altLang="en-US" smtClean="0"/>
-              <a:t>12</a:t>
+              <a:t>18</a:t>
             </a:fld>
             <a:endParaRPr lang="zh-SG" altLang="en-US"/>
           </a:p>
@@ -9659,6 +9657,463 @@
       </p:grpSpPr>
       <p:sp>
         <p:nvSpPr>
+          <p:cNvPr id="4" name="标题 3"/>
+          <p:cNvSpPr>
+            <a:spLocks noGrp="1"/>
+          </p:cNvSpPr>
+          <p:nvPr>
+            <p:ph type="title"/>
+          </p:nvPr>
+        </p:nvSpPr>
+        <p:spPr/>
+        <p:txBody>
+          <a:bodyPr/>
+          <a:lstStyle/>
+          <a:p>
+            <a:r>
+              <a:rPr lang="en-SG" altLang="zh-SG" dirty="0" smtClean="0"/>
+              <a:t>Give </a:t>
+            </a:r>
+            <a:r>
+              <a:rPr lang="en-SG" altLang="zh-SG" dirty="0"/>
+              <a:t>relevant </a:t>
+            </a:r>
+            <a:r>
+              <a:rPr lang="en-SG" altLang="zh-SG" dirty="0" smtClean="0"/>
+              <a:t>answers</a:t>
+            </a:r>
+            <a:endParaRPr lang="zh-SG" altLang="en-US" dirty="0"/>
+          </a:p>
+        </p:txBody>
+      </p:sp>
+      <p:sp>
+        <p:nvSpPr>
+          <p:cNvPr id="5" name="内容占位符 4"/>
+          <p:cNvSpPr>
+            <a:spLocks noGrp="1"/>
+          </p:cNvSpPr>
+          <p:nvPr>
+            <p:ph idx="1"/>
+          </p:nvPr>
+        </p:nvSpPr>
+        <p:spPr/>
+        <p:txBody>
+          <a:bodyPr/>
+          <a:lstStyle/>
+          <a:p>
+            <a:r>
+              <a:rPr lang="en-US" altLang="zh-SG" dirty="0" smtClean="0"/>
+              <a:t>Know what are the interviewers looking for.</a:t>
+            </a:r>
+          </a:p>
+          <a:p>
+            <a:r>
+              <a:rPr lang="en-US" altLang="zh-SG" dirty="0" smtClean="0"/>
+              <a:t>Fit your ability into their requirement.</a:t>
+            </a:r>
+            <a:endParaRPr lang="zh-SG" altLang="en-US" dirty="0"/>
+          </a:p>
+        </p:txBody>
+      </p:sp>
+    </p:spTree>
+    <p:extLst>
+      <p:ext uri="{BB962C8B-B14F-4D97-AF65-F5344CB8AC3E}">
+        <p14:creationId xmlns:p14="http://schemas.microsoft.com/office/powerpoint/2010/main" val="277704699"/>
+      </p:ext>
+    </p:extLst>
+  </p:cSld>
+  <p:clrMapOvr>
+    <a:masterClrMapping/>
+  </p:clrMapOvr>
+</p:sld>
+</file>
+
+<file path=ppt/slides/slide11.xml><?xml version="1.0" encoding="utf-8"?>
+<p:sld xmlns:a="http://schemas.openxmlformats.org/drawingml/2006/main" xmlns:r="http://schemas.openxmlformats.org/officeDocument/2006/relationships" xmlns:p="http://schemas.openxmlformats.org/presentationml/2006/main">
+  <p:cSld>
+    <p:spTree>
+      <p:nvGrpSpPr>
+        <p:cNvPr id="1" name=""/>
+        <p:cNvGrpSpPr/>
+        <p:nvPr/>
+      </p:nvGrpSpPr>
+      <p:grpSpPr>
+        <a:xfrm>
+          <a:off x="0" y="0"/>
+          <a:ext cx="0" cy="0"/>
+          <a:chOff x="0" y="0"/>
+          <a:chExt cx="0" cy="0"/>
+        </a:xfrm>
+      </p:grpSpPr>
+      <p:sp>
+        <p:nvSpPr>
+          <p:cNvPr id="4" name="标题 3"/>
+          <p:cNvSpPr>
+            <a:spLocks noGrp="1"/>
+          </p:cNvSpPr>
+          <p:nvPr>
+            <p:ph type="title"/>
+          </p:nvPr>
+        </p:nvSpPr>
+        <p:spPr/>
+        <p:txBody>
+          <a:bodyPr/>
+          <a:lstStyle/>
+          <a:p>
+            <a:r>
+              <a:rPr lang="en-SG" altLang="zh-SG" dirty="0" smtClean="0"/>
+              <a:t>Give </a:t>
+            </a:r>
+            <a:r>
+              <a:rPr lang="en-SG" altLang="zh-SG" dirty="0"/>
+              <a:t>relevant </a:t>
+            </a:r>
+            <a:r>
+              <a:rPr lang="en-SG" altLang="zh-SG" dirty="0" smtClean="0"/>
+              <a:t>answers</a:t>
+            </a:r>
+            <a:endParaRPr lang="zh-SG" altLang="en-US" dirty="0"/>
+          </a:p>
+        </p:txBody>
+      </p:sp>
+      <p:sp>
+        <p:nvSpPr>
+          <p:cNvPr id="5" name="内容占位符 4"/>
+          <p:cNvSpPr>
+            <a:spLocks noGrp="1"/>
+          </p:cNvSpPr>
+          <p:nvPr>
+            <p:ph sz="half" idx="1"/>
+          </p:nvPr>
+        </p:nvSpPr>
+        <p:spPr/>
+        <p:txBody>
+          <a:bodyPr>
+            <a:normAutofit fontScale="92500" lnSpcReduction="10000"/>
+          </a:bodyPr>
+          <a:lstStyle/>
+          <a:p>
+            <a:r>
+              <a:rPr lang="en-US" altLang="zh-SG" dirty="0"/>
+              <a:t>Sales Executive / </a:t>
+            </a:r>
+            <a:r>
+              <a:rPr lang="en-US" altLang="zh-SG" dirty="0" smtClean="0"/>
+              <a:t>Manager*</a:t>
+            </a:r>
+          </a:p>
+          <a:p>
+            <a:r>
+              <a:rPr lang="en-US" altLang="zh-SG" dirty="0" smtClean="0"/>
+              <a:t>We </a:t>
+            </a:r>
+            <a:r>
+              <a:rPr lang="en-US" altLang="zh-SG" dirty="0"/>
+              <a:t>are a performance driven organization that believes the sky is the limit, with a driven and determined sales force. Similarly, we are looking for Sales Executives/Manager that have the ability to support our sales team effectively, with an attractive commission scheme that rewards performers that contribute to both the sales and team growth</a:t>
+            </a:r>
+            <a:r>
+              <a:rPr lang="en-US" altLang="zh-SG" dirty="0" smtClean="0"/>
+              <a:t>.</a:t>
+            </a:r>
+            <a:endParaRPr lang="zh-SG" altLang="en-US" dirty="0"/>
+          </a:p>
+        </p:txBody>
+      </p:sp>
+      <p:sp>
+        <p:nvSpPr>
+          <p:cNvPr id="6" name="内容占位符 5"/>
+          <p:cNvSpPr>
+            <a:spLocks noGrp="1"/>
+          </p:cNvSpPr>
+          <p:nvPr>
+            <p:ph sz="half" idx="2"/>
+          </p:nvPr>
+        </p:nvSpPr>
+        <p:spPr/>
+        <p:txBody>
+          <a:bodyPr>
+            <a:normAutofit fontScale="92500" lnSpcReduction="10000"/>
+          </a:bodyPr>
+          <a:lstStyle/>
+          <a:p>
+            <a:r>
+              <a:rPr lang="en-US" altLang="zh-SG" dirty="0" smtClean="0"/>
+              <a:t>Performance driven</a:t>
+            </a:r>
+          </a:p>
+          <a:p>
+            <a:r>
+              <a:rPr lang="en-US" altLang="zh-SG" dirty="0" smtClean="0"/>
+              <a:t>Support sales team</a:t>
+            </a:r>
+          </a:p>
+          <a:p>
+            <a:r>
+              <a:rPr lang="en-US" altLang="zh-SG" dirty="0" smtClean="0"/>
+              <a:t>Attractive commission scheme</a:t>
+            </a:r>
+            <a:endParaRPr lang="zh-SG" altLang="en-US" dirty="0"/>
+          </a:p>
+        </p:txBody>
+      </p:sp>
+      <p:sp>
+        <p:nvSpPr>
+          <p:cNvPr id="9" name="文本框 8"/>
+          <p:cNvSpPr txBox="1"/>
+          <p:nvPr/>
+        </p:nvSpPr>
+        <p:spPr>
+          <a:xfrm>
+            <a:off x="4480719" y="6550283"/>
+            <a:ext cx="4581703" cy="230832"/>
+          </a:xfrm>
+          <a:prstGeom prst="rect">
+            <a:avLst/>
+          </a:prstGeom>
+          <a:noFill/>
+        </p:spPr>
+        <p:txBody>
+          <a:bodyPr wrap="none" rtlCol="0">
+            <a:spAutoFit/>
+          </a:bodyPr>
+          <a:lstStyle/>
+          <a:p>
+            <a:r>
+              <a:rPr lang="en-US" altLang="zh-SG" sz="900" dirty="0"/>
+              <a:t>*</a:t>
+            </a:r>
+            <a:r>
+              <a:rPr lang="en-US" altLang="zh-SG" sz="900" dirty="0" smtClean="0"/>
+              <a:t>Source : http://www.stjobs.sg/sales-executive-manager-job/view-job/1412928</a:t>
+            </a:r>
+            <a:endParaRPr lang="zh-SG" altLang="en-US" sz="900" dirty="0"/>
+          </a:p>
+        </p:txBody>
+      </p:sp>
+    </p:spTree>
+    <p:extLst>
+      <p:ext uri="{BB962C8B-B14F-4D97-AF65-F5344CB8AC3E}">
+        <p14:creationId xmlns:p14="http://schemas.microsoft.com/office/powerpoint/2010/main" val="2040550185"/>
+      </p:ext>
+    </p:extLst>
+  </p:cSld>
+  <p:clrMapOvr>
+    <a:masterClrMapping/>
+  </p:clrMapOvr>
+  <p:timing>
+    <p:tnLst>
+      <p:par>
+        <p:cTn id="1" dur="indefinite" restart="never" nodeType="tmRoot"/>
+      </p:par>
+    </p:tnLst>
+  </p:timing>
+</p:sld>
+</file>
+
+<file path=ppt/slides/slide12.xml><?xml version="1.0" encoding="utf-8"?>
+<p:sld xmlns:a="http://schemas.openxmlformats.org/drawingml/2006/main" xmlns:r="http://schemas.openxmlformats.org/officeDocument/2006/relationships" xmlns:p="http://schemas.openxmlformats.org/presentationml/2006/main">
+  <p:cSld>
+    <p:spTree>
+      <p:nvGrpSpPr>
+        <p:cNvPr id="1" name=""/>
+        <p:cNvGrpSpPr/>
+        <p:nvPr/>
+      </p:nvGrpSpPr>
+      <p:grpSpPr>
+        <a:xfrm>
+          <a:off x="0" y="0"/>
+          <a:ext cx="0" cy="0"/>
+          <a:chOff x="0" y="0"/>
+          <a:chExt cx="0" cy="0"/>
+        </a:xfrm>
+      </p:grpSpPr>
+      <p:sp>
+        <p:nvSpPr>
+          <p:cNvPr id="2" name="标题 1"/>
+          <p:cNvSpPr>
+            <a:spLocks noGrp="1"/>
+          </p:cNvSpPr>
+          <p:nvPr>
+            <p:ph type="title"/>
+          </p:nvPr>
+        </p:nvSpPr>
+        <p:spPr/>
+        <p:txBody>
+          <a:bodyPr/>
+          <a:lstStyle/>
+          <a:p>
+            <a:r>
+              <a:rPr lang="en-SG" altLang="zh-SG" dirty="0" smtClean="0"/>
+              <a:t>Know better from questions</a:t>
+            </a:r>
+            <a:endParaRPr lang="zh-SG" altLang="en-US" dirty="0"/>
+          </a:p>
+        </p:txBody>
+      </p:sp>
+      <p:sp>
+        <p:nvSpPr>
+          <p:cNvPr id="5" name="内容占位符 4"/>
+          <p:cNvSpPr>
+            <a:spLocks noGrp="1"/>
+          </p:cNvSpPr>
+          <p:nvPr>
+            <p:ph idx="1"/>
+          </p:nvPr>
+        </p:nvSpPr>
+        <p:spPr/>
+        <p:txBody>
+          <a:bodyPr/>
+          <a:lstStyle/>
+          <a:p>
+            <a:r>
+              <a:rPr lang="en-US" altLang="zh-SG" dirty="0" smtClean="0"/>
+              <a:t>How the company wish you to treat others is how the company will treat you.</a:t>
+            </a:r>
+          </a:p>
+          <a:p>
+            <a:r>
+              <a:rPr lang="en-US" altLang="zh-SG" dirty="0" smtClean="0"/>
+              <a:t>Decide if the opportunity is really what you want.</a:t>
+            </a:r>
+            <a:endParaRPr lang="zh-SG" altLang="en-US" dirty="0"/>
+          </a:p>
+        </p:txBody>
+      </p:sp>
+    </p:spTree>
+    <p:extLst>
+      <p:ext uri="{BB962C8B-B14F-4D97-AF65-F5344CB8AC3E}">
+        <p14:creationId xmlns:p14="http://schemas.microsoft.com/office/powerpoint/2010/main" val="1309244464"/>
+      </p:ext>
+    </p:extLst>
+  </p:cSld>
+  <p:clrMapOvr>
+    <a:masterClrMapping/>
+  </p:clrMapOvr>
+  <p:timing>
+    <p:tnLst>
+      <p:par>
+        <p:cTn id="1" dur="indefinite" restart="never" nodeType="tmRoot"/>
+      </p:par>
+    </p:tnLst>
+  </p:timing>
+</p:sld>
+</file>
+
+<file path=ppt/slides/slide13.xml><?xml version="1.0" encoding="utf-8"?>
+<p:sld xmlns:a="http://schemas.openxmlformats.org/drawingml/2006/main" xmlns:r="http://schemas.openxmlformats.org/officeDocument/2006/relationships" xmlns:p="http://schemas.openxmlformats.org/presentationml/2006/main">
+  <p:cSld>
+    <p:spTree>
+      <p:nvGrpSpPr>
+        <p:cNvPr id="1" name=""/>
+        <p:cNvGrpSpPr/>
+        <p:nvPr/>
+      </p:nvGrpSpPr>
+      <p:grpSpPr>
+        <a:xfrm>
+          <a:off x="0" y="0"/>
+          <a:ext cx="0" cy="0"/>
+          <a:chOff x="0" y="0"/>
+          <a:chExt cx="0" cy="0"/>
+        </a:xfrm>
+      </p:grpSpPr>
+      <p:sp>
+        <p:nvSpPr>
+          <p:cNvPr id="2" name="标题 1"/>
+          <p:cNvSpPr>
+            <a:spLocks noGrp="1"/>
+          </p:cNvSpPr>
+          <p:nvPr>
+            <p:ph type="title"/>
+          </p:nvPr>
+        </p:nvSpPr>
+        <p:spPr/>
+        <p:txBody>
+          <a:bodyPr/>
+          <a:lstStyle/>
+          <a:p>
+            <a:r>
+              <a:rPr lang="en-SG" altLang="zh-SG" dirty="0"/>
+              <a:t>General </a:t>
+            </a:r>
+            <a:r>
+              <a:rPr lang="en-SG" altLang="zh-SG" dirty="0" smtClean="0"/>
+              <a:t>skills: “</a:t>
+            </a:r>
+            <a:r>
+              <a:rPr lang="en-SG" altLang="zh-SG" dirty="0" err="1" smtClean="0"/>
+              <a:t>Don’t”s</a:t>
+            </a:r>
+            <a:endParaRPr lang="zh-SG" altLang="en-US" dirty="0"/>
+          </a:p>
+        </p:txBody>
+      </p:sp>
+      <p:sp>
+        <p:nvSpPr>
+          <p:cNvPr id="3" name="文本占位符 2"/>
+          <p:cNvSpPr>
+            <a:spLocks noGrp="1"/>
+          </p:cNvSpPr>
+          <p:nvPr>
+            <p:ph type="body" idx="1"/>
+          </p:nvPr>
+        </p:nvSpPr>
+        <p:spPr>
+          <a:xfrm>
+            <a:off x="804863" y="5281200"/>
+            <a:ext cx="7526337" cy="628647"/>
+          </a:xfrm>
+        </p:spPr>
+        <p:txBody>
+          <a:bodyPr/>
+          <a:lstStyle/>
+          <a:p>
+            <a:r>
+              <a:rPr lang="en-SG" altLang="zh-SG" dirty="0" smtClean="0"/>
+              <a:t>Communications | Personal grooming | Behaviour</a:t>
+            </a:r>
+            <a:endParaRPr lang="zh-SG" altLang="en-US" dirty="0"/>
+          </a:p>
+        </p:txBody>
+      </p:sp>
+    </p:spTree>
+    <p:extLst>
+      <p:ext uri="{BB962C8B-B14F-4D97-AF65-F5344CB8AC3E}">
+        <p14:creationId xmlns:p14="http://schemas.microsoft.com/office/powerpoint/2010/main" val="3191458548"/>
+      </p:ext>
+    </p:extLst>
+  </p:cSld>
+  <p:clrMapOvr>
+    <a:masterClrMapping/>
+  </p:clrMapOvr>
+  <p:timing>
+    <p:tnLst>
+      <p:par>
+        <p:cTn id="1" dur="indefinite" restart="never" nodeType="tmRoot"/>
+      </p:par>
+    </p:tnLst>
+  </p:timing>
+</p:sld>
+</file>
+
+<file path=ppt/slides/slide14.xml><?xml version="1.0" encoding="utf-8"?>
+<p:sld xmlns:a="http://schemas.openxmlformats.org/drawingml/2006/main" xmlns:r="http://schemas.openxmlformats.org/officeDocument/2006/relationships" xmlns:p="http://schemas.openxmlformats.org/presentationml/2006/main">
+  <p:cSld>
+    <p:spTree>
+      <p:nvGrpSpPr>
+        <p:cNvPr id="1" name=""/>
+        <p:cNvGrpSpPr/>
+        <p:nvPr/>
+      </p:nvGrpSpPr>
+      <p:grpSpPr>
+        <a:xfrm>
+          <a:off x="0" y="0"/>
+          <a:ext cx="0" cy="0"/>
+          <a:chOff x="0" y="0"/>
+          <a:chExt cx="0" cy="0"/>
+        </a:xfrm>
+      </p:grpSpPr>
+      <p:sp>
+        <p:nvSpPr>
           <p:cNvPr id="2" name="标题 1"/>
           <p:cNvSpPr>
             <a:spLocks noGrp="1"/>
@@ -9701,10 +10156,401 @@
           <a:lstStyle/>
           <a:p>
             <a:r>
+              <a:rPr lang="en-US" altLang="zh-SG" dirty="0" smtClean="0"/>
+              <a:t>Vague Questions</a:t>
+            </a:r>
+            <a:endParaRPr lang="en-SG" altLang="zh-SG" dirty="0"/>
+          </a:p>
+          <a:p>
+            <a:pPr marL="0" indent="0">
+              <a:buNone/>
+            </a:pPr>
+            <a:endParaRPr lang="en-US" altLang="zh-SG" dirty="0" smtClean="0"/>
+          </a:p>
+        </p:txBody>
+      </p:sp>
+      <p:pic>
+        <p:nvPicPr>
+          <p:cNvPr id="3" name="Picture 2"/>
+          <p:cNvPicPr>
+            <a:picLocks noChangeAspect="1"/>
+          </p:cNvPicPr>
+          <p:nvPr/>
+        </p:nvPicPr>
+        <p:blipFill>
+          <a:blip r:embed="rId3">
+            <a:extLst>
+              <a:ext uri="{28A0092B-C50C-407E-A947-70E740481C1C}">
+                <a14:useLocalDpi xmlns:a14="http://schemas.microsoft.com/office/drawing/2010/main" val="0"/>
+              </a:ext>
+            </a:extLst>
+          </a:blip>
+          <a:stretch>
+            <a:fillRect/>
+          </a:stretch>
+        </p:blipFill>
+        <p:spPr>
+          <a:xfrm>
+            <a:off x="1996200" y="2942924"/>
+            <a:ext cx="5167800" cy="3402135"/>
+          </a:xfrm>
+          <a:prstGeom prst="rect">
+            <a:avLst/>
+          </a:prstGeom>
+        </p:spPr>
+      </p:pic>
+      <p:sp>
+        <p:nvSpPr>
+          <p:cNvPr id="6" name="文本框 8"/>
+          <p:cNvSpPr txBox="1"/>
+          <p:nvPr/>
+        </p:nvSpPr>
+        <p:spPr>
+          <a:xfrm>
+            <a:off x="3422319" y="6627168"/>
+            <a:ext cx="5775940" cy="230832"/>
+          </a:xfrm>
+          <a:prstGeom prst="rect">
+            <a:avLst/>
+          </a:prstGeom>
+          <a:noFill/>
+        </p:spPr>
+        <p:txBody>
+          <a:bodyPr wrap="none" rtlCol="0">
+            <a:spAutoFit/>
+          </a:bodyPr>
+          <a:lstStyle/>
+          <a:p>
+            <a:r>
+              <a:rPr lang="en-US" altLang="zh-SG" sz="900" dirty="0" smtClean="0"/>
+              <a:t>*Source </a:t>
+            </a:r>
+            <a:r>
+              <a:rPr lang="en-US" altLang="zh-SG" sz="900" dirty="0"/>
+              <a:t>: http://cals.arizona.edu/clubs/manrrs/MANRRS%20Web/GENERAL%20INTERVIEW%20TIPS.pdf</a:t>
+            </a:r>
+            <a:endParaRPr lang="zh-SG" altLang="en-US" sz="900" dirty="0"/>
+          </a:p>
+        </p:txBody>
+      </p:sp>
+      <p:sp>
+        <p:nvSpPr>
+          <p:cNvPr id="7" name="文本框 8"/>
+          <p:cNvSpPr txBox="1"/>
+          <p:nvPr/>
+        </p:nvSpPr>
+        <p:spPr>
+          <a:xfrm>
+            <a:off x="4432162" y="6345059"/>
+            <a:ext cx="2731838" cy="230832"/>
+          </a:xfrm>
+          <a:prstGeom prst="rect">
+            <a:avLst/>
+          </a:prstGeom>
+          <a:noFill/>
+        </p:spPr>
+        <p:txBody>
+          <a:bodyPr wrap="none" rtlCol="0">
+            <a:spAutoFit/>
+          </a:bodyPr>
+          <a:lstStyle/>
+          <a:p>
+            <a:r>
+              <a:rPr lang="en-US" altLang="zh-SG" sz="900" dirty="0" smtClean="0"/>
+              <a:t>Photo by: Brian Moore</a:t>
+            </a:r>
+            <a:r>
+              <a:rPr lang="en-US" altLang="zh-SG" sz="900" dirty="0"/>
+              <a:t>, https://flic.kr/p/weYd8</a:t>
+            </a:r>
+            <a:endParaRPr lang="zh-SG" altLang="en-US" sz="900" dirty="0"/>
+          </a:p>
+        </p:txBody>
+      </p:sp>
+    </p:spTree>
+    <p:extLst>
+      <p:ext uri="{BB962C8B-B14F-4D97-AF65-F5344CB8AC3E}">
+        <p14:creationId xmlns:p14="http://schemas.microsoft.com/office/powerpoint/2010/main" val="3566070255"/>
+      </p:ext>
+    </p:extLst>
+  </p:cSld>
+  <p:clrMapOvr>
+    <a:masterClrMapping/>
+  </p:clrMapOvr>
+  <p:timing>
+    <p:tnLst>
+      <p:par>
+        <p:cTn id="1" dur="indefinite" restart="never" nodeType="tmRoot"/>
+      </p:par>
+    </p:tnLst>
+  </p:timing>
+</p:sld>
+</file>
+
+<file path=ppt/slides/slide15.xml><?xml version="1.0" encoding="utf-8"?>
+<p:sld xmlns:a="http://schemas.openxmlformats.org/drawingml/2006/main" xmlns:r="http://schemas.openxmlformats.org/officeDocument/2006/relationships" xmlns:p="http://schemas.openxmlformats.org/presentationml/2006/main">
+  <p:cSld>
+    <p:spTree>
+      <p:nvGrpSpPr>
+        <p:cNvPr id="1" name=""/>
+        <p:cNvGrpSpPr/>
+        <p:nvPr/>
+      </p:nvGrpSpPr>
+      <p:grpSpPr>
+        <a:xfrm>
+          <a:off x="0" y="0"/>
+          <a:ext cx="0" cy="0"/>
+          <a:chOff x="0" y="0"/>
+          <a:chExt cx="0" cy="0"/>
+        </a:xfrm>
+      </p:grpSpPr>
+      <p:pic>
+        <p:nvPicPr>
+          <p:cNvPr id="4" name="Picture 3"/>
+          <p:cNvPicPr>
+            <a:picLocks noChangeAspect="1"/>
+          </p:cNvPicPr>
+          <p:nvPr/>
+        </p:nvPicPr>
+        <p:blipFill>
+          <a:blip r:embed="rId3">
+            <a:extLst>
+              <a:ext uri="{28A0092B-C50C-407E-A947-70E740481C1C}">
+                <a14:useLocalDpi xmlns:a14="http://schemas.microsoft.com/office/drawing/2010/main" val="0"/>
+              </a:ext>
+            </a:extLst>
+          </a:blip>
+          <a:stretch>
+            <a:fillRect/>
+          </a:stretch>
+        </p:blipFill>
+        <p:spPr>
+          <a:xfrm>
+            <a:off x="1983598" y="2942923"/>
+            <a:ext cx="5180402" cy="3410431"/>
+          </a:xfrm>
+          <a:prstGeom prst="rect">
+            <a:avLst/>
+          </a:prstGeom>
+        </p:spPr>
+      </p:pic>
+      <p:sp>
+        <p:nvSpPr>
+          <p:cNvPr id="2" name="标题 1"/>
+          <p:cNvSpPr>
+            <a:spLocks noGrp="1"/>
+          </p:cNvSpPr>
+          <p:nvPr>
+            <p:ph type="title"/>
+          </p:nvPr>
+        </p:nvSpPr>
+        <p:spPr/>
+        <p:txBody>
+          <a:bodyPr/>
+          <a:lstStyle/>
+          <a:p>
+            <a:r>
+              <a:rPr lang="en-SG" altLang="zh-SG" dirty="0" smtClean="0"/>
+              <a:t>Communications</a:t>
+            </a:r>
+            <a:endParaRPr lang="zh-SG" altLang="en-US" dirty="0"/>
+          </a:p>
+        </p:txBody>
+      </p:sp>
+      <p:sp>
+        <p:nvSpPr>
+          <p:cNvPr id="5" name="内容占位符 4"/>
+          <p:cNvSpPr>
+            <a:spLocks noGrp="1"/>
+          </p:cNvSpPr>
+          <p:nvPr>
+            <p:ph idx="1"/>
+          </p:nvPr>
+        </p:nvSpPr>
+        <p:spPr>
+          <a:xfrm>
+            <a:off x="507597" y="2296799"/>
+            <a:ext cx="7524003" cy="1091323"/>
+          </a:xfrm>
+        </p:spPr>
+        <p:txBody>
+          <a:bodyPr/>
+          <a:lstStyle/>
+          <a:p>
+            <a:r>
+              <a:rPr lang="en-SG" altLang="zh-SG" dirty="0" smtClean="0"/>
+              <a:t>Interruptions</a:t>
+            </a:r>
+            <a:endParaRPr lang="en-SG" altLang="zh-SG" dirty="0"/>
+          </a:p>
+          <a:p>
+            <a:pPr marL="0" indent="0">
+              <a:buNone/>
+            </a:pPr>
+            <a:endParaRPr lang="en-US" altLang="zh-SG" dirty="0" smtClean="0"/>
+          </a:p>
+        </p:txBody>
+      </p:sp>
+      <p:sp>
+        <p:nvSpPr>
+          <p:cNvPr id="6" name="文本框 8"/>
+          <p:cNvSpPr txBox="1"/>
+          <p:nvPr/>
+        </p:nvSpPr>
+        <p:spPr>
+          <a:xfrm>
+            <a:off x="3422319" y="6627168"/>
+            <a:ext cx="5775940" cy="230832"/>
+          </a:xfrm>
+          <a:prstGeom prst="rect">
+            <a:avLst/>
+          </a:prstGeom>
+          <a:noFill/>
+        </p:spPr>
+        <p:txBody>
+          <a:bodyPr wrap="none" rtlCol="0">
+            <a:spAutoFit/>
+          </a:bodyPr>
+          <a:lstStyle/>
+          <a:p>
+            <a:r>
+              <a:rPr lang="en-US" altLang="zh-SG" sz="900" dirty="0" smtClean="0"/>
+              <a:t>*Source </a:t>
+            </a:r>
+            <a:r>
+              <a:rPr lang="en-US" altLang="zh-SG" sz="900" dirty="0"/>
+              <a:t>: http://cals.arizona.edu/clubs/manrrs/MANRRS%20Web/GENERAL%20INTERVIEW%20TIPS.pdf</a:t>
+            </a:r>
+            <a:endParaRPr lang="zh-SG" altLang="en-US" sz="900" dirty="0"/>
+          </a:p>
+        </p:txBody>
+      </p:sp>
+      <p:sp>
+        <p:nvSpPr>
+          <p:cNvPr id="7" name="文本框 8"/>
+          <p:cNvSpPr txBox="1"/>
+          <p:nvPr/>
+        </p:nvSpPr>
+        <p:spPr>
+          <a:xfrm>
+            <a:off x="4269598" y="6353354"/>
+            <a:ext cx="3018775" cy="230832"/>
+          </a:xfrm>
+          <a:prstGeom prst="rect">
+            <a:avLst/>
+          </a:prstGeom>
+          <a:noFill/>
+        </p:spPr>
+        <p:txBody>
+          <a:bodyPr wrap="none" rtlCol="0">
+            <a:spAutoFit/>
+          </a:bodyPr>
+          <a:lstStyle/>
+          <a:p>
+            <a:r>
+              <a:rPr lang="en-US" altLang="zh-SG" sz="900" dirty="0" smtClean="0"/>
+              <a:t>Photo by: Kurt </a:t>
+            </a:r>
+            <a:r>
+              <a:rPr lang="en-US" altLang="zh-SG" sz="900" dirty="0" err="1" smtClean="0"/>
+              <a:t>Bauschardt</a:t>
+            </a:r>
+            <a:r>
+              <a:rPr lang="en-US" altLang="zh-SG" sz="900" dirty="0" smtClean="0"/>
+              <a:t>, </a:t>
+            </a:r>
+            <a:r>
+              <a:rPr lang="en-US" altLang="zh-SG" sz="900" dirty="0"/>
+              <a:t>https://flic.kr/p/kcc2QD</a:t>
+            </a:r>
+            <a:endParaRPr lang="zh-SG" altLang="en-US" sz="900" dirty="0"/>
+          </a:p>
+        </p:txBody>
+      </p:sp>
+    </p:spTree>
+    <p:extLst>
+      <p:ext uri="{BB962C8B-B14F-4D97-AF65-F5344CB8AC3E}">
+        <p14:creationId xmlns:p14="http://schemas.microsoft.com/office/powerpoint/2010/main" val="693448201"/>
+      </p:ext>
+    </p:extLst>
+  </p:cSld>
+  <p:clrMapOvr>
+    <a:masterClrMapping/>
+  </p:clrMapOvr>
+  <p:timing>
+    <p:tnLst>
+      <p:par>
+        <p:cTn id="1" dur="indefinite" restart="never" nodeType="tmRoot"/>
+      </p:par>
+    </p:tnLst>
+  </p:timing>
+</p:sld>
+</file>
+
+<file path=ppt/slides/slide16.xml><?xml version="1.0" encoding="utf-8"?>
+<p:sld xmlns:a="http://schemas.openxmlformats.org/drawingml/2006/main" xmlns:r="http://schemas.openxmlformats.org/officeDocument/2006/relationships" xmlns:p="http://schemas.openxmlformats.org/presentationml/2006/main">
+  <p:cSld>
+    <p:spTree>
+      <p:nvGrpSpPr>
+        <p:cNvPr id="1" name=""/>
+        <p:cNvGrpSpPr/>
+        <p:nvPr/>
+      </p:nvGrpSpPr>
+      <p:grpSpPr>
+        <a:xfrm>
+          <a:off x="0" y="0"/>
+          <a:ext cx="0" cy="0"/>
+          <a:chOff x="0" y="0"/>
+          <a:chExt cx="0" cy="0"/>
+        </a:xfrm>
+      </p:grpSpPr>
+      <p:sp>
+        <p:nvSpPr>
+          <p:cNvPr id="2" name="标题 1"/>
+          <p:cNvSpPr>
+            <a:spLocks noGrp="1"/>
+          </p:cNvSpPr>
+          <p:nvPr>
+            <p:ph type="title"/>
+          </p:nvPr>
+        </p:nvSpPr>
+        <p:spPr/>
+        <p:txBody>
+          <a:bodyPr/>
+          <a:lstStyle/>
+          <a:p>
+            <a:r>
+              <a:rPr lang="en-SG" altLang="zh-SG" dirty="0" smtClean="0"/>
+              <a:t>Communications</a:t>
+            </a:r>
+            <a:endParaRPr lang="zh-SG" altLang="en-US" dirty="0"/>
+          </a:p>
+        </p:txBody>
+      </p:sp>
+      <p:sp>
+        <p:nvSpPr>
+          <p:cNvPr id="5" name="内容占位符 4"/>
+          <p:cNvSpPr>
+            <a:spLocks noGrp="1"/>
+          </p:cNvSpPr>
+          <p:nvPr>
+            <p:ph idx="1"/>
+          </p:nvPr>
+        </p:nvSpPr>
+        <p:spPr>
+          <a:xfrm>
+            <a:off x="507597" y="2296799"/>
+            <a:ext cx="7524003" cy="1091323"/>
+          </a:xfrm>
+        </p:spPr>
+        <p:txBody>
+          <a:bodyPr/>
+          <a:lstStyle/>
+          <a:p>
+            <a:r>
               <a:rPr lang="en-SG" altLang="zh-SG" dirty="0" smtClean="0"/>
               <a:t>Previous or present work partners</a:t>
             </a:r>
-            <a:endParaRPr lang="en-SG" altLang="zh-SG" dirty="0" smtClean="0"/>
           </a:p>
           <a:p>
             <a:pPr marL="0" indent="0">
@@ -9836,7 +10682,7 @@
 </p:sld>
 </file>
 
-<file path=ppt/slides/slide11.xml><?xml version="1.0" encoding="utf-8"?>
+<file path=ppt/slides/slide17.xml><?xml version="1.0" encoding="utf-8"?>
 <p:sld xmlns:a="http://schemas.openxmlformats.org/drawingml/2006/main" xmlns:r="http://schemas.openxmlformats.org/officeDocument/2006/relationships" xmlns:p="http://schemas.openxmlformats.org/presentationml/2006/main">
   <p:cSld>
     <p:spTree>
@@ -10028,7 +10874,7 @@
 </p:sld>
 </file>
 
-<file path=ppt/slides/slide12.xml><?xml version="1.0" encoding="utf-8"?>
+<file path=ppt/slides/slide18.xml><?xml version="1.0" encoding="utf-8"?>
 <p:sld xmlns:a="http://schemas.openxmlformats.org/drawingml/2006/main" xmlns:r="http://schemas.openxmlformats.org/officeDocument/2006/relationships" xmlns:p="http://schemas.openxmlformats.org/presentationml/2006/main">
   <p:cSld>
     <p:spTree>
@@ -10092,7 +10938,6 @@
               <a:rPr lang="en-SG" altLang="zh-SG" dirty="0" smtClean="0"/>
               <a:t>Heavy perfume/cologne</a:t>
             </a:r>
-            <a:endParaRPr lang="en-SG" altLang="zh-SG" dirty="0" smtClean="0"/>
           </a:p>
           <a:p>
             <a:pPr marL="0" indent="0">
@@ -10253,16 +11098,8 @@
           <a:lstStyle/>
           <a:p>
             <a:r>
-              <a:rPr lang="en-SG" altLang="zh-SG" dirty="0"/>
-              <a:t>General </a:t>
-            </a:r>
-            <a:r>
               <a:rPr lang="en-SG" altLang="zh-SG" dirty="0" smtClean="0"/>
-              <a:t>skills: “</a:t>
-            </a:r>
-            <a:r>
-              <a:rPr lang="en-SG" altLang="zh-SG" dirty="0" err="1" smtClean="0"/>
-              <a:t>Do”s</a:t>
+              <a:t>Preparation for an interview</a:t>
             </a:r>
             <a:endParaRPr lang="zh-SG" altLang="en-US" dirty="0"/>
           </a:p>
@@ -10290,7 +11127,7 @@
           <a:p>
             <a:r>
               <a:rPr lang="en-SG" altLang="zh-SG" dirty="0" smtClean="0"/>
-              <a:t>Body management | give relevant answer</a:t>
+              <a:t>Research | Dressing | Other preparations</a:t>
             </a:r>
             <a:endParaRPr lang="zh-SG" altLang="en-US" dirty="0"/>
           </a:p>
@@ -10299,7 +11136,7 @@
     </p:spTree>
     <p:extLst>
       <p:ext uri="{BB962C8B-B14F-4D97-AF65-F5344CB8AC3E}">
-        <p14:creationId xmlns:p14="http://schemas.microsoft.com/office/powerpoint/2010/main" val="1638038551"/>
+        <p14:creationId xmlns:p14="http://schemas.microsoft.com/office/powerpoint/2010/main" val="874304022"/>
       </p:ext>
     </p:extLst>
   </p:cSld>
@@ -10328,7 +11165,7 @@
       </p:grpSpPr>
       <p:sp>
         <p:nvSpPr>
-          <p:cNvPr id="2" name="标题 1"/>
+          <p:cNvPr id="2" name="Title 1"/>
           <p:cNvSpPr>
             <a:spLocks noGrp="1"/>
           </p:cNvSpPr>
@@ -10342,207 +11179,302 @@
           <a:lstStyle/>
           <a:p>
             <a:r>
-              <a:rPr lang="en-US" altLang="zh-SG" dirty="0" smtClean="0"/>
-              <a:t>Manage your mind</a:t>
-            </a:r>
-            <a:endParaRPr lang="zh-SG" altLang="en-US" dirty="0"/>
-          </a:p>
-        </p:txBody>
-      </p:sp>
-      <p:graphicFrame>
-        <p:nvGraphicFramePr>
-          <p:cNvPr id="4" name="内容占位符 3"/>
-          <p:cNvGraphicFramePr>
-            <a:graphicFrameLocks noGrp="1"/>
-          </p:cNvGraphicFramePr>
+              <a:rPr lang="en-SG" dirty="0" smtClean="0"/>
+              <a:t>Did you know?</a:t>
+            </a:r>
+            <a:endParaRPr lang="en-SG" dirty="0"/>
+          </a:p>
+        </p:txBody>
+      </p:sp>
+      <p:sp>
+        <p:nvSpPr>
+          <p:cNvPr id="3" name="Content Placeholder 2"/>
+          <p:cNvSpPr>
+            <a:spLocks noGrp="1"/>
+          </p:cNvSpPr>
           <p:nvPr>
             <p:ph idx="1"/>
-            <p:extLst>
-              <p:ext uri="{D42A27DB-BD31-4B8C-83A1-F6EECF244321}">
-                <p14:modId xmlns:p14="http://schemas.microsoft.com/office/powerpoint/2010/main" val="1080545936"/>
-              </p:ext>
-            </p:extLst>
-          </p:nvPr>
-        </p:nvGraphicFramePr>
-        <p:xfrm>
-          <a:off x="2118410" y="2654501"/>
-          <a:ext cx="4633575" cy="1834293"/>
-        </p:xfrm>
-        <a:graphic>
-          <a:graphicData uri="http://schemas.openxmlformats.org/drawingml/2006/diagram">
-            <dgm:relIds xmlns:dgm="http://schemas.openxmlformats.org/drawingml/2006/diagram" xmlns:r="http://schemas.openxmlformats.org/officeDocument/2006/relationships" r:dm="rId3" r:lo="rId4" r:qs="rId5" r:cs="rId6"/>
-          </a:graphicData>
-        </a:graphic>
-      </p:graphicFrame>
-      <p:sp>
-        <p:nvSpPr>
-          <p:cNvPr id="5" name="文本框 4"/>
-          <p:cNvSpPr txBox="1"/>
+          </p:nvPr>
+        </p:nvSpPr>
+        <p:spPr/>
+        <p:txBody>
+          <a:bodyPr/>
+          <a:lstStyle/>
+          <a:p>
+            <a:endParaRPr lang="en-SG" dirty="0"/>
+          </a:p>
+        </p:txBody>
+      </p:sp>
+      <p:pic>
+        <p:nvPicPr>
+          <p:cNvPr id="4" name="Picture 3"/>
+          <p:cNvPicPr>
+            <a:picLocks noChangeAspect="1" noChangeArrowheads="1"/>
+          </p:cNvPicPr>
           <p:nvPr/>
-        </p:nvSpPr>
-        <p:spPr>
-          <a:xfrm>
-            <a:off x="1182734" y="4960800"/>
-            <a:ext cx="2584362" cy="1200329"/>
+        </p:nvPicPr>
+        <p:blipFill rotWithShape="1">
+          <a:blip r:embed="rId2">
+            <a:extLst>
+              <a:ext uri="{28A0092B-C50C-407E-A947-70E740481C1C}">
+                <a14:useLocalDpi xmlns:a14="http://schemas.microsoft.com/office/drawing/2010/main" val="0"/>
+              </a:ext>
+            </a:extLst>
+          </a:blip>
+          <a:srcRect l="51093" t="35000" r="26719" b="25555"/>
+          <a:stretch/>
+        </p:blipFill>
+        <p:spPr bwMode="auto">
+          <a:xfrm rot="468986">
+            <a:off x="724614" y="2007608"/>
+            <a:ext cx="4057650" cy="4057650"/>
           </a:xfrm>
           <a:prstGeom prst="rect">
             <a:avLst/>
           </a:prstGeom>
-          <a:noFill/>
+          <a:solidFill>
+            <a:srgbClr val="FFFFFF">
+              <a:shade val="85000"/>
+            </a:srgbClr>
+          </a:solidFill>
+          <a:ln w="190500" cap="sq">
+            <a:solidFill>
+              <a:srgbClr val="FFFFFF"/>
+            </a:solidFill>
+            <a:miter lim="800000"/>
+          </a:ln>
+          <a:effectLst>
+            <a:outerShdw blurRad="65000" dist="50800" dir="12900000" kx="195000" ky="145000" algn="tl" rotWithShape="0">
+              <a:srgbClr val="000000">
+                <a:alpha val="30000"/>
+              </a:srgbClr>
+            </a:outerShdw>
+          </a:effectLst>
+          <a:scene3d>
+            <a:camera prst="orthographicFront">
+              <a:rot lat="0" lon="0" rev="360000"/>
+            </a:camera>
+            <a:lightRig rig="twoPt" dir="t">
+              <a:rot lat="0" lon="0" rev="7200000"/>
+            </a:lightRig>
+          </a:scene3d>
+          <a:sp3d contourW="12700">
+            <a:bevelT w="25400" h="19050"/>
+            <a:contourClr>
+              <a:srgbClr val="969696"/>
+            </a:contourClr>
+          </a:sp3d>
+          <a:extLst/>
         </p:spPr>
-        <p:txBody>
-          <a:bodyPr wrap="none" rtlCol="0">
-            <a:spAutoFit/>
-          </a:bodyPr>
-          <a:lstStyle/>
-          <a:p>
-            <a:pPr algn="r"/>
-            <a:r>
-              <a:rPr lang="en-US" altLang="zh-SG" dirty="0" smtClean="0"/>
-              <a:t>Fidgety movements</a:t>
-            </a:r>
-          </a:p>
-          <a:p>
-            <a:pPr algn="r"/>
-            <a:r>
-              <a:rPr lang="en-US" altLang="zh-SG" dirty="0" smtClean="0"/>
-              <a:t>Defensive position</a:t>
-            </a:r>
-          </a:p>
-          <a:p>
-            <a:pPr algn="r"/>
-            <a:r>
-              <a:rPr lang="en-US" altLang="zh-SG" dirty="0" smtClean="0"/>
-              <a:t>Avoid of eye contact</a:t>
-            </a:r>
-          </a:p>
-          <a:p>
-            <a:pPr algn="r"/>
-            <a:r>
-              <a:rPr lang="en-US" altLang="zh-SG" dirty="0" smtClean="0"/>
-              <a:t>Lack of energy</a:t>
-            </a:r>
-            <a:endParaRPr lang="zh-SG" altLang="en-US" dirty="0"/>
-          </a:p>
-        </p:txBody>
-      </p:sp>
-      <p:sp>
-        <p:nvSpPr>
-          <p:cNvPr id="6" name="文本框 5"/>
-          <p:cNvSpPr txBox="1"/>
+      </p:pic>
+      <p:pic>
+        <p:nvPicPr>
+          <p:cNvPr id="5" name="Picture 2"/>
+          <p:cNvPicPr>
+            <a:picLocks noChangeAspect="1" noChangeArrowheads="1"/>
+          </p:cNvPicPr>
           <p:nvPr/>
-        </p:nvSpPr>
-        <p:spPr>
+        </p:nvPicPr>
+        <p:blipFill rotWithShape="1">
+          <a:blip r:embed="rId3">
+            <a:extLst>
+              <a:ext uri="{28A0092B-C50C-407E-A947-70E740481C1C}">
+                <a14:useLocalDpi xmlns:a14="http://schemas.microsoft.com/office/drawing/2010/main" val="0"/>
+              </a:ext>
+            </a:extLst>
+          </a:blip>
+          <a:srcRect l="36429" t="37390" r="31984" b="37637"/>
+          <a:stretch/>
+        </p:blipFill>
+        <p:spPr bwMode="auto">
           <a:xfrm>
-            <a:off x="3823200" y="2520235"/>
-            <a:ext cx="1027845" cy="369332"/>
+            <a:off x="2627784" y="1766438"/>
+            <a:ext cx="5776686" cy="2569028"/>
           </a:xfrm>
           <a:prstGeom prst="rect">
             <a:avLst/>
           </a:prstGeom>
-          <a:noFill/>
+          <a:solidFill>
+            <a:srgbClr val="FFFFFF">
+              <a:shade val="85000"/>
+            </a:srgbClr>
+          </a:solidFill>
+          <a:ln w="190500" cap="sq">
+            <a:solidFill>
+              <a:srgbClr val="FFFFFF"/>
+            </a:solidFill>
+            <a:miter lim="800000"/>
+          </a:ln>
+          <a:effectLst>
+            <a:outerShdw blurRad="65000" dist="50800" dir="12900000" kx="195000" ky="145000" algn="tl" rotWithShape="0">
+              <a:srgbClr val="000000">
+                <a:alpha val="30000"/>
+              </a:srgbClr>
+            </a:outerShdw>
+          </a:effectLst>
+          <a:scene3d>
+            <a:camera prst="orthographicFront">
+              <a:rot lat="0" lon="0" rev="360000"/>
+            </a:camera>
+            <a:lightRig rig="twoPt" dir="t">
+              <a:rot lat="0" lon="0" rev="7200000"/>
+            </a:lightRig>
+          </a:scene3d>
+          <a:sp3d contourW="12700">
+            <a:bevelT w="25400" h="19050"/>
+            <a:contourClr>
+              <a:srgbClr val="969696"/>
+            </a:contourClr>
+          </a:sp3d>
+          <a:extLst/>
         </p:spPr>
-        <p:txBody>
-          <a:bodyPr wrap="none" rtlCol="0">
-            <a:spAutoFit/>
-          </a:bodyPr>
-          <a:lstStyle/>
-          <a:p>
-            <a:r>
-              <a:rPr lang="en-US" altLang="zh-SG" dirty="0" smtClean="0"/>
-              <a:t>convey</a:t>
-            </a:r>
-            <a:endParaRPr lang="zh-SG" altLang="en-US" dirty="0"/>
-          </a:p>
-        </p:txBody>
-      </p:sp>
-      <p:sp>
-        <p:nvSpPr>
-          <p:cNvPr id="7" name="文本框 6"/>
-          <p:cNvSpPr txBox="1"/>
-          <p:nvPr/>
-        </p:nvSpPr>
-        <p:spPr>
-          <a:xfrm>
-            <a:off x="4075200" y="4225865"/>
-            <a:ext cx="970137" cy="369332"/>
-          </a:xfrm>
-          <a:prstGeom prst="rect">
-            <a:avLst/>
-          </a:prstGeom>
-          <a:noFill/>
-        </p:spPr>
-        <p:txBody>
-          <a:bodyPr wrap="none" rtlCol="0">
-            <a:spAutoFit/>
-          </a:bodyPr>
-          <a:lstStyle/>
-          <a:p>
-            <a:r>
-              <a:rPr lang="en-US" altLang="zh-SG" dirty="0" smtClean="0"/>
-              <a:t>control</a:t>
-            </a:r>
-            <a:endParaRPr lang="zh-SG" altLang="en-US" dirty="0"/>
-          </a:p>
-        </p:txBody>
-      </p:sp>
-      <p:sp>
-        <p:nvSpPr>
-          <p:cNvPr id="8" name="文本框 7"/>
-          <p:cNvSpPr txBox="1"/>
-          <p:nvPr/>
-        </p:nvSpPr>
-        <p:spPr>
-          <a:xfrm>
-            <a:off x="5045337" y="4960800"/>
-            <a:ext cx="2374368" cy="1200329"/>
-          </a:xfrm>
-          <a:prstGeom prst="rect">
-            <a:avLst/>
-          </a:prstGeom>
-          <a:noFill/>
-        </p:spPr>
-        <p:txBody>
-          <a:bodyPr wrap="none" rtlCol="0">
-            <a:spAutoFit/>
-          </a:bodyPr>
-          <a:lstStyle/>
-          <a:p>
-            <a:r>
-              <a:rPr lang="en-US" altLang="zh-SG" dirty="0" smtClean="0"/>
-              <a:t>Nervousness</a:t>
-            </a:r>
-          </a:p>
-          <a:p>
-            <a:r>
-              <a:rPr lang="en-US" altLang="zh-SG" dirty="0" smtClean="0"/>
-              <a:t>Lack of confidence</a:t>
-            </a:r>
-          </a:p>
-          <a:p>
-            <a:r>
-              <a:rPr lang="en-US" altLang="zh-SG" dirty="0" smtClean="0"/>
-              <a:t>Untruthfulness</a:t>
-            </a:r>
-          </a:p>
-          <a:p>
-            <a:r>
-              <a:rPr lang="en-US" altLang="zh-SG" dirty="0" smtClean="0"/>
-              <a:t>Boredom</a:t>
-            </a:r>
-          </a:p>
-        </p:txBody>
-      </p:sp>
+      </p:pic>
     </p:spTree>
     <p:extLst>
       <p:ext uri="{BB962C8B-B14F-4D97-AF65-F5344CB8AC3E}">
-        <p14:creationId xmlns:p14="http://schemas.microsoft.com/office/powerpoint/2010/main" val="2487771444"/>
+        <p14:creationId xmlns:p14="http://schemas.microsoft.com/office/powerpoint/2010/main" val="2525593289"/>
       </p:ext>
     </p:extLst>
   </p:cSld>
   <p:clrMapOvr>
     <a:masterClrMapping/>
   </p:clrMapOvr>
+  <p:timing>
+    <p:tnLst>
+      <p:par>
+        <p:cTn id="1" dur="indefinite" restart="never" nodeType="tmRoot">
+          <p:childTnLst>
+            <p:seq concurrent="1" nextAc="seek">
+              <p:cTn id="2" dur="indefinite" nodeType="mainSeq">
+                <p:childTnLst>
+                  <p:par>
+                    <p:cTn id="3" fill="hold">
+                      <p:stCondLst>
+                        <p:cond delay="indefinite"/>
+                      </p:stCondLst>
+                      <p:childTnLst>
+                        <p:par>
+                          <p:cTn id="4" fill="hold">
+                            <p:stCondLst>
+                              <p:cond delay="0"/>
+                            </p:stCondLst>
+                            <p:childTnLst>
+                              <p:par>
+                                <p:cTn id="5" presetID="10" presetClass="entr" presetSubtype="0" fill="hold" nodeType="clickEffect">
+                                  <p:stCondLst>
+                                    <p:cond delay="0"/>
+                                  </p:stCondLst>
+                                  <p:childTnLst>
+                                    <p:set>
+                                      <p:cBhvr>
+                                        <p:cTn id="6" dur="1" fill="hold">
+                                          <p:stCondLst>
+                                            <p:cond delay="0"/>
+                                          </p:stCondLst>
+                                        </p:cTn>
+                                        <p:tgtEl>
+                                          <p:spTgt spid="4"/>
+                                        </p:tgtEl>
+                                        <p:attrNameLst>
+                                          <p:attrName>style.visibility</p:attrName>
+                                        </p:attrNameLst>
+                                      </p:cBhvr>
+                                      <p:to>
+                                        <p:strVal val="visible"/>
+                                      </p:to>
+                                    </p:set>
+                                    <p:animEffect transition="in" filter="fade">
+                                      <p:cBhvr>
+                                        <p:cTn id="7" dur="500"/>
+                                        <p:tgtEl>
+                                          <p:spTgt spid="4"/>
+                                        </p:tgtEl>
+                                      </p:cBhvr>
+                                    </p:animEffect>
+                                  </p:childTnLst>
+                                </p:cTn>
+                              </p:par>
+                            </p:childTnLst>
+                          </p:cTn>
+                        </p:par>
+                      </p:childTnLst>
+                    </p:cTn>
+                  </p:par>
+                  <p:par>
+                    <p:cTn id="8" fill="hold">
+                      <p:stCondLst>
+                        <p:cond delay="indefinite"/>
+                      </p:stCondLst>
+                      <p:childTnLst>
+                        <p:par>
+                          <p:cTn id="9" fill="hold">
+                            <p:stCondLst>
+                              <p:cond delay="0"/>
+                            </p:stCondLst>
+                            <p:childTnLst>
+                              <p:par>
+                                <p:cTn id="10" presetID="10" presetClass="entr" presetSubtype="0" fill="hold" nodeType="clickEffect">
+                                  <p:stCondLst>
+                                    <p:cond delay="0"/>
+                                  </p:stCondLst>
+                                  <p:childTnLst>
+                                    <p:set>
+                                      <p:cBhvr>
+                                        <p:cTn id="11" dur="1" fill="hold">
+                                          <p:stCondLst>
+                                            <p:cond delay="0"/>
+                                          </p:stCondLst>
+                                        </p:cTn>
+                                        <p:tgtEl>
+                                          <p:spTgt spid="5"/>
+                                        </p:tgtEl>
+                                        <p:attrNameLst>
+                                          <p:attrName>style.visibility</p:attrName>
+                                        </p:attrNameLst>
+                                      </p:cBhvr>
+                                      <p:to>
+                                        <p:strVal val="visible"/>
+                                      </p:to>
+                                    </p:set>
+                                    <p:animEffect transition="in" filter="fade">
+                                      <p:cBhvr>
+                                        <p:cTn id="12" dur="500"/>
+                                        <p:tgtEl>
+                                          <p:spTgt spid="5"/>
+                                        </p:tgtEl>
+                                      </p:cBhvr>
+                                    </p:animEffect>
+                                  </p:childTnLst>
+                                </p:cTn>
+                              </p:par>
+                            </p:childTnLst>
+                          </p:cTn>
+                        </p:par>
+                      </p:childTnLst>
+                    </p:cTn>
+                  </p:par>
+                </p:childTnLst>
+              </p:cTn>
+              <p:prevCondLst>
+                <p:cond evt="onPrev" delay="0">
+                  <p:tgtEl>
+                    <p:sldTgt/>
+                  </p:tgtEl>
+                </p:cond>
+              </p:prevCondLst>
+              <p:nextCondLst>
+                <p:cond evt="onNext" delay="0">
+                  <p:tgtEl>
+                    <p:sldTgt/>
+                  </p:tgtEl>
+                </p:cond>
+              </p:nextCondLst>
+            </p:seq>
+          </p:childTnLst>
+        </p:cTn>
+      </p:par>
+    </p:tnLst>
+  </p:timing>
 </p:sld>
 </file>
 
@@ -10565,7 +11497,7 @@
       </p:grpSpPr>
       <p:sp>
         <p:nvSpPr>
-          <p:cNvPr id="4" name="标题 3"/>
+          <p:cNvPr id="2" name="Title 1"/>
           <p:cNvSpPr>
             <a:spLocks noGrp="1"/>
           </p:cNvSpPr>
@@ -10579,24 +11511,16 @@
           <a:lstStyle/>
           <a:p>
             <a:r>
-              <a:rPr lang="en-SG" altLang="zh-SG" dirty="0" smtClean="0"/>
-              <a:t>Give </a:t>
-            </a:r>
-            <a:r>
-              <a:rPr lang="en-SG" altLang="zh-SG" dirty="0"/>
-              <a:t>relevant </a:t>
-            </a:r>
-            <a:r>
-              <a:rPr lang="en-SG" altLang="zh-SG" dirty="0" smtClean="0"/>
-              <a:t>answers</a:t>
-            </a:r>
-            <a:endParaRPr lang="zh-SG" altLang="en-US" dirty="0"/>
-          </a:p>
-        </p:txBody>
-      </p:sp>
-      <p:sp>
-        <p:nvSpPr>
-          <p:cNvPr id="5" name="内容占位符 4"/>
+              <a:rPr lang="en-SG" dirty="0" smtClean="0"/>
+              <a:t>Preparing for success	</a:t>
+            </a:r>
+            <a:endParaRPr lang="en-SG" dirty="0"/>
+          </a:p>
+        </p:txBody>
+      </p:sp>
+      <p:sp>
+        <p:nvSpPr>
+          <p:cNvPr id="3" name="Content Placeholder 2"/>
           <p:cNvSpPr>
             <a:spLocks noGrp="1"/>
           </p:cNvSpPr>
@@ -10606,33 +11530,52 @@
         </p:nvSpPr>
         <p:spPr/>
         <p:txBody>
-          <a:bodyPr/>
+          <a:bodyPr>
+            <a:normAutofit/>
+          </a:bodyPr>
           <a:lstStyle/>
           <a:p>
             <a:r>
-              <a:rPr lang="en-US" altLang="zh-SG" dirty="0" smtClean="0"/>
-              <a:t>Know what are the interviewers looking for.</a:t>
-            </a:r>
-          </a:p>
-          <a:p>
-            <a:r>
-              <a:rPr lang="en-US" altLang="zh-SG" dirty="0" smtClean="0"/>
-              <a:t>Fit your ability into their requirement.</a:t>
-            </a:r>
-            <a:endParaRPr lang="zh-SG" altLang="en-US" dirty="0"/>
+              <a:rPr lang="en-SG" sz="2400" dirty="0" smtClean="0"/>
+              <a:t>“Before anything else, preparation is the key to success” 	</a:t>
+            </a:r>
+            <a:r>
+              <a:rPr lang="en-SG" sz="2400" b="1" dirty="0" smtClean="0"/>
+              <a:t>			– Alexander Graham Bell</a:t>
+            </a:r>
+          </a:p>
+          <a:p>
+            <a:endParaRPr lang="en-SG" sz="2400" dirty="0" smtClean="0"/>
+          </a:p>
+          <a:p>
+            <a:r>
+              <a:rPr lang="en-SG" sz="2400" dirty="0" smtClean="0"/>
+              <a:t>“By failing to prepare, you are preparing to fail							     </a:t>
+            </a:r>
+            <a:r>
+              <a:rPr lang="en-SG" sz="2400" b="1" dirty="0" smtClean="0"/>
+              <a:t>– Benjamin Franklin</a:t>
+            </a:r>
           </a:p>
         </p:txBody>
       </p:sp>
     </p:spTree>
     <p:extLst>
       <p:ext uri="{BB962C8B-B14F-4D97-AF65-F5344CB8AC3E}">
-        <p14:creationId xmlns:p14="http://schemas.microsoft.com/office/powerpoint/2010/main" val="277704699"/>
+        <p14:creationId xmlns:p14="http://schemas.microsoft.com/office/powerpoint/2010/main" val="2679442022"/>
       </p:ext>
     </p:extLst>
   </p:cSld>
   <p:clrMapOvr>
     <a:masterClrMapping/>
   </p:clrMapOvr>
+  <p:timing>
+    <p:tnLst>
+      <p:par>
+        <p:cTn id="1" dur="indefinite" restart="never" nodeType="tmRoot"/>
+      </p:par>
+    </p:tnLst>
+  </p:timing>
 </p:sld>
 </file>
 
@@ -10655,7 +11598,7 @@
       </p:grpSpPr>
       <p:sp>
         <p:nvSpPr>
-          <p:cNvPr id="4" name="标题 3"/>
+          <p:cNvPr id="2" name="Title 1"/>
           <p:cNvSpPr>
             <a:spLocks noGrp="1"/>
           </p:cNvSpPr>
@@ -10669,145 +11612,141 @@
           <a:lstStyle/>
           <a:p>
             <a:r>
-              <a:rPr lang="en-SG" altLang="zh-SG" dirty="0" smtClean="0"/>
-              <a:t>Give </a:t>
-            </a:r>
-            <a:r>
-              <a:rPr lang="en-SG" altLang="zh-SG" dirty="0"/>
-              <a:t>relevant </a:t>
-            </a:r>
-            <a:r>
-              <a:rPr lang="en-SG" altLang="zh-SG" dirty="0" smtClean="0"/>
-              <a:t>answers</a:t>
-            </a:r>
-            <a:endParaRPr lang="zh-SG" altLang="en-US" dirty="0"/>
-          </a:p>
-        </p:txBody>
-      </p:sp>
-      <p:sp>
-        <p:nvSpPr>
-          <p:cNvPr id="5" name="内容占位符 4"/>
+              <a:rPr lang="en-SG" dirty="0" smtClean="0"/>
+              <a:t>Know thyself</a:t>
+            </a:r>
+            <a:endParaRPr lang="en-SG" dirty="0"/>
+          </a:p>
+        </p:txBody>
+      </p:sp>
+      <p:sp>
+        <p:nvSpPr>
+          <p:cNvPr id="3" name="Content Placeholder 2"/>
           <p:cNvSpPr>
             <a:spLocks noGrp="1"/>
           </p:cNvSpPr>
           <p:nvPr>
-            <p:ph sz="half" idx="1"/>
+            <p:ph idx="1"/>
           </p:nvPr>
         </p:nvSpPr>
         <p:spPr/>
         <p:txBody>
-          <a:bodyPr>
-            <a:normAutofit fontScale="92500" lnSpcReduction="10000"/>
-          </a:bodyPr>
+          <a:bodyPr/>
           <a:lstStyle/>
           <a:p>
             <a:r>
-              <a:rPr lang="en-US" altLang="zh-SG" dirty="0"/>
-              <a:t>Sales Executive / </a:t>
-            </a:r>
-            <a:r>
-              <a:rPr lang="en-US" altLang="zh-SG" dirty="0" smtClean="0"/>
-              <a:t>Manager*</a:t>
-            </a:r>
-          </a:p>
-          <a:p>
-            <a:r>
-              <a:rPr lang="en-US" altLang="zh-SG" dirty="0" smtClean="0"/>
-              <a:t>We </a:t>
-            </a:r>
-            <a:r>
-              <a:rPr lang="en-US" altLang="zh-SG" dirty="0"/>
-              <a:t>are a performance driven organization that believes the sky is the limit, with a driven and determined sales force. Similarly, we are looking for Sales Executives/Manager that have the ability to support our sales team effectively, with an attractive commission scheme that rewards performers that contribute to both the sales and team growth</a:t>
-            </a:r>
-            <a:r>
-              <a:rPr lang="en-US" altLang="zh-SG" dirty="0" smtClean="0"/>
-              <a:t>.</a:t>
-            </a:r>
-            <a:endParaRPr lang="zh-SG" altLang="en-US" dirty="0"/>
-          </a:p>
-        </p:txBody>
-      </p:sp>
-      <p:sp>
-        <p:nvSpPr>
-          <p:cNvPr id="6" name="内容占位符 5"/>
-          <p:cNvSpPr>
-            <a:spLocks noGrp="1"/>
-          </p:cNvSpPr>
-          <p:nvPr>
-            <p:ph sz="half" idx="2"/>
-          </p:nvPr>
-        </p:nvSpPr>
-        <p:spPr/>
-        <p:txBody>
-          <a:bodyPr>
-            <a:normAutofit fontScale="92500" lnSpcReduction="10000"/>
-          </a:bodyPr>
-          <a:lstStyle/>
-          <a:p>
-            <a:r>
-              <a:rPr lang="en-US" altLang="zh-SG" dirty="0" smtClean="0"/>
-              <a:t>Performance driven</a:t>
-            </a:r>
-          </a:p>
-          <a:p>
-            <a:r>
-              <a:rPr lang="en-US" altLang="zh-SG" dirty="0" smtClean="0"/>
-              <a:t>Support sales team</a:t>
-            </a:r>
-          </a:p>
-          <a:p>
-            <a:r>
-              <a:rPr lang="en-US" altLang="zh-SG" dirty="0" smtClean="0"/>
-              <a:t>Attractive commission scheme</a:t>
-            </a:r>
-            <a:endParaRPr lang="zh-SG" altLang="en-US" dirty="0"/>
-          </a:p>
-        </p:txBody>
-      </p:sp>
-      <p:sp>
-        <p:nvSpPr>
-          <p:cNvPr id="9" name="文本框 8"/>
-          <p:cNvSpPr txBox="1"/>
-          <p:nvPr/>
-        </p:nvSpPr>
-        <p:spPr>
-          <a:xfrm>
-            <a:off x="4480719" y="6550283"/>
-            <a:ext cx="4581703" cy="230832"/>
-          </a:xfrm>
-          <a:prstGeom prst="rect">
-            <a:avLst/>
-          </a:prstGeom>
-          <a:noFill/>
-        </p:spPr>
-        <p:txBody>
-          <a:bodyPr wrap="none" rtlCol="0">
-            <a:spAutoFit/>
-          </a:bodyPr>
-          <a:lstStyle/>
-          <a:p>
-            <a:r>
-              <a:rPr lang="en-US" altLang="zh-SG" sz="900" dirty="0"/>
-              <a:t>*</a:t>
-            </a:r>
-            <a:r>
-              <a:rPr lang="en-US" altLang="zh-SG" sz="900" dirty="0" smtClean="0"/>
-              <a:t>Source : http://www.stjobs.sg/sales-executive-manager-job/view-job/1412928</a:t>
-            </a:r>
-            <a:endParaRPr lang="zh-SG" altLang="en-US" sz="900" dirty="0"/>
+              <a:rPr lang="en-SG" b="1" dirty="0" smtClean="0"/>
+              <a:t>Prepare</a:t>
+            </a:r>
+            <a:r>
+              <a:rPr lang="en-SG" dirty="0" smtClean="0"/>
+              <a:t> for Commonly asked questions </a:t>
+            </a:r>
+          </a:p>
+          <a:p>
+            <a:pPr lvl="1"/>
+            <a:r>
+              <a:rPr lang="en-SG" dirty="0" smtClean="0"/>
+              <a:t>Tell me about yourself/Strengths/Weaknesses</a:t>
+            </a:r>
+          </a:p>
+          <a:p>
+            <a:pPr lvl="1"/>
+            <a:r>
+              <a:rPr lang="en-SG" b="1" dirty="0" smtClean="0"/>
+              <a:t>Prepare</a:t>
+            </a:r>
+            <a:r>
+              <a:rPr lang="en-SG" dirty="0" smtClean="0"/>
+              <a:t> but </a:t>
+            </a:r>
+            <a:r>
+              <a:rPr lang="en-SG" b="1" dirty="0" smtClean="0"/>
+              <a:t>avoid</a:t>
+            </a:r>
+            <a:r>
+              <a:rPr lang="en-SG" dirty="0" smtClean="0"/>
+              <a:t> memorizing a script</a:t>
+            </a:r>
+          </a:p>
+          <a:p>
+            <a:r>
+              <a:rPr lang="en-SG" b="1" dirty="0" smtClean="0"/>
+              <a:t>Know</a:t>
+            </a:r>
+            <a:r>
+              <a:rPr lang="en-SG" dirty="0" smtClean="0"/>
+              <a:t> your CV/resume</a:t>
+            </a:r>
+          </a:p>
+          <a:p>
+            <a:pPr lvl="1"/>
+            <a:r>
+              <a:rPr lang="en-SG" dirty="0" smtClean="0"/>
+              <a:t>Potential </a:t>
+            </a:r>
+            <a:r>
+              <a:rPr lang="en-SG" b="1" dirty="0" smtClean="0"/>
+              <a:t>questions</a:t>
+            </a:r>
+            <a:r>
+              <a:rPr lang="en-SG" dirty="0" smtClean="0"/>
+              <a:t> ? ( past projects )</a:t>
+            </a:r>
+          </a:p>
+          <a:p>
+            <a:pPr lvl="1"/>
+            <a:r>
+              <a:rPr lang="en-SG" dirty="0" smtClean="0"/>
+              <a:t>Bring in </a:t>
+            </a:r>
+            <a:r>
+              <a:rPr lang="en-SG" b="1" dirty="0" smtClean="0"/>
+              <a:t>portfolio</a:t>
+            </a:r>
+            <a:r>
+              <a:rPr lang="en-SG" dirty="0" smtClean="0"/>
+              <a:t> or </a:t>
+            </a:r>
+            <a:r>
+              <a:rPr lang="en-SG" b="1" dirty="0" smtClean="0"/>
+              <a:t>past</a:t>
+            </a:r>
+            <a:r>
+              <a:rPr lang="en-SG" dirty="0" smtClean="0"/>
+              <a:t> </a:t>
+            </a:r>
+            <a:r>
+              <a:rPr lang="en-SG" b="1" dirty="0" smtClean="0"/>
+              <a:t>project</a:t>
+            </a:r>
+            <a:r>
+              <a:rPr lang="en-SG" dirty="0" smtClean="0"/>
+              <a:t> to show </a:t>
+            </a:r>
+          </a:p>
+          <a:p>
+            <a:endParaRPr lang="en-SG" dirty="0"/>
           </a:p>
         </p:txBody>
       </p:sp>
     </p:spTree>
     <p:extLst>
       <p:ext uri="{BB962C8B-B14F-4D97-AF65-F5344CB8AC3E}">
-        <p14:creationId xmlns:p14="http://schemas.microsoft.com/office/powerpoint/2010/main" val="2040550185"/>
+        <p14:creationId xmlns:p14="http://schemas.microsoft.com/office/powerpoint/2010/main" val="2340538626"/>
       </p:ext>
     </p:extLst>
   </p:cSld>
   <p:clrMapOvr>
     <a:masterClrMapping/>
   </p:clrMapOvr>
+  <p:timing>
+    <p:tnLst>
+      <p:par>
+        <p:cTn id="1" dur="indefinite" restart="never" nodeType="tmRoot"/>
+      </p:par>
+    </p:tnLst>
+  </p:timing>
 </p:sld>
 </file>
 
@@ -10830,7 +11769,7 @@
       </p:grpSpPr>
       <p:sp>
         <p:nvSpPr>
-          <p:cNvPr id="2" name="标题 1"/>
+          <p:cNvPr id="2" name="Title 1"/>
           <p:cNvSpPr>
             <a:spLocks noGrp="1"/>
           </p:cNvSpPr>
@@ -10844,16 +11783,16 @@
           <a:lstStyle/>
           <a:p>
             <a:r>
-              <a:rPr lang="en-SG" altLang="zh-SG" dirty="0" smtClean="0"/>
-              <a:t>Know better from questions</a:t>
-            </a:r>
-            <a:endParaRPr lang="zh-SG" altLang="en-US" dirty="0"/>
-          </a:p>
-        </p:txBody>
-      </p:sp>
-      <p:sp>
-        <p:nvSpPr>
-          <p:cNvPr id="5" name="内容占位符 4"/>
+              <a:rPr lang="en-SG" dirty="0" smtClean="0"/>
+              <a:t>Know thy “enemy”</a:t>
+            </a:r>
+            <a:endParaRPr lang="en-SG" dirty="0"/>
+          </a:p>
+        </p:txBody>
+      </p:sp>
+      <p:sp>
+        <p:nvSpPr>
+          <p:cNvPr id="3" name="Content Placeholder 2"/>
           <p:cNvSpPr>
             <a:spLocks noGrp="1"/>
           </p:cNvSpPr>
@@ -10867,29 +11806,1305 @@
           <a:lstStyle/>
           <a:p>
             <a:r>
-              <a:rPr lang="en-US" altLang="zh-SG" dirty="0" smtClean="0"/>
-              <a:t>How the company wish you to treat others is how the company will treat you.</a:t>
-            </a:r>
-          </a:p>
-          <a:p>
-            <a:r>
-              <a:rPr lang="en-US" altLang="zh-SG" dirty="0" smtClean="0"/>
-              <a:t>Decide if the opportunity is really what you want.</a:t>
-            </a:r>
-            <a:endParaRPr lang="zh-SG" altLang="en-US" dirty="0"/>
-          </a:p>
-        </p:txBody>
-      </p:sp>
+              <a:rPr lang="en-SG" b="1" dirty="0" smtClean="0"/>
+              <a:t>Company’s</a:t>
+            </a:r>
+            <a:r>
+              <a:rPr lang="en-SG" dirty="0" smtClean="0"/>
+              <a:t> </a:t>
+            </a:r>
+            <a:r>
+              <a:rPr lang="en-SG" b="1" dirty="0" smtClean="0"/>
+              <a:t>profile</a:t>
+            </a:r>
+            <a:r>
+              <a:rPr lang="en-SG" dirty="0" smtClean="0"/>
+              <a:t> &amp; background</a:t>
+            </a:r>
+          </a:p>
+          <a:p>
+            <a:pPr lvl="1"/>
+            <a:r>
+              <a:rPr lang="en-SG" b="1" dirty="0" smtClean="0"/>
+              <a:t>Tools</a:t>
+            </a:r>
+            <a:r>
+              <a:rPr lang="en-SG" dirty="0" smtClean="0"/>
+              <a:t> : Vault, </a:t>
+            </a:r>
+            <a:r>
+              <a:rPr lang="en-SG" dirty="0" err="1" smtClean="0"/>
+              <a:t>CareerSearch</a:t>
+            </a:r>
+            <a:r>
+              <a:rPr lang="en-SG" dirty="0" smtClean="0"/>
+              <a:t> and </a:t>
+            </a:r>
+            <a:r>
+              <a:rPr lang="en-SG" dirty="0" err="1" smtClean="0"/>
+              <a:t>Wetfeet</a:t>
+            </a:r>
+            <a:endParaRPr lang="en-SG" dirty="0" smtClean="0"/>
+          </a:p>
+          <a:p>
+            <a:r>
+              <a:rPr lang="en-SG" b="1" dirty="0" smtClean="0"/>
+              <a:t>News</a:t>
+            </a:r>
+            <a:r>
+              <a:rPr lang="en-SG" dirty="0" smtClean="0"/>
+              <a:t> about Company &amp; Competitors</a:t>
+            </a:r>
+          </a:p>
+          <a:p>
+            <a:r>
+              <a:rPr lang="en-SG" dirty="0" smtClean="0"/>
+              <a:t>Job </a:t>
+            </a:r>
+            <a:r>
+              <a:rPr lang="en-SG" b="1" dirty="0" smtClean="0"/>
+              <a:t>requirements</a:t>
+            </a:r>
+            <a:r>
+              <a:rPr lang="en-SG" dirty="0" smtClean="0"/>
+              <a:t> and key </a:t>
+            </a:r>
+            <a:r>
+              <a:rPr lang="en-SG" b="1" dirty="0" smtClean="0"/>
+              <a:t>responsibilities</a:t>
+            </a:r>
+          </a:p>
+          <a:p>
+            <a:r>
+              <a:rPr lang="en-SG" b="1" dirty="0" smtClean="0"/>
+              <a:t>Route</a:t>
+            </a:r>
+            <a:r>
+              <a:rPr lang="en-SG" dirty="0" smtClean="0"/>
+              <a:t> and </a:t>
+            </a:r>
+            <a:r>
+              <a:rPr lang="en-SG" b="1" dirty="0" smtClean="0"/>
+              <a:t>time</a:t>
+            </a:r>
+            <a:r>
+              <a:rPr lang="en-SG" dirty="0" smtClean="0"/>
+              <a:t> taken to travel (gothere.sg)</a:t>
+            </a:r>
+            <a:endParaRPr lang="en-SG" dirty="0"/>
+          </a:p>
+        </p:txBody>
+      </p:sp>
+      <p:pic>
+        <p:nvPicPr>
+          <p:cNvPr id="1026" name="Picture 2"/>
+          <p:cNvPicPr>
+            <a:picLocks noChangeAspect="1" noChangeArrowheads="1"/>
+          </p:cNvPicPr>
+          <p:nvPr/>
+        </p:nvPicPr>
+        <p:blipFill rotWithShape="1">
+          <a:blip r:embed="rId2">
+            <a:extLst>
+              <a:ext uri="{28A0092B-C50C-407E-A947-70E740481C1C}">
+                <a14:useLocalDpi xmlns:a14="http://schemas.microsoft.com/office/drawing/2010/main" val="0"/>
+              </a:ext>
+            </a:extLst>
+          </a:blip>
+          <a:srcRect l="26094" t="8333" r="27656" b="26389"/>
+          <a:stretch/>
+        </p:blipFill>
+        <p:spPr bwMode="auto">
+          <a:xfrm>
+            <a:off x="3976910" y="2189830"/>
+            <a:ext cx="4621304" cy="3668940"/>
+          </a:xfrm>
+          <a:prstGeom prst="rect">
+            <a:avLst/>
+          </a:prstGeom>
+          <a:noFill/>
+          <a:ln>
+            <a:noFill/>
+          </a:ln>
+          <a:effectLst/>
+          <a:extLst>
+            <a:ext uri="{909E8E84-426E-40DD-AFC4-6F175D3DCCD1}">
+              <a14:hiddenFill xmlns:a14="http://schemas.microsoft.com/office/drawing/2010/main">
+                <a:solidFill>
+                  <a:schemeClr val="accent1"/>
+                </a:solidFill>
+              </a14:hiddenFill>
+            </a:ext>
+            <a:ext uri="{91240B29-F687-4F45-9708-019B960494DF}">
+              <a14:hiddenLine xmlns:a14="http://schemas.microsoft.com/office/drawing/2010/main" w="9525">
+                <a:solidFill>
+                  <a:schemeClr val="tx1"/>
+                </a:solidFill>
+                <a:miter lim="800000"/>
+                <a:headEnd/>
+                <a:tailEnd/>
+              </a14:hiddenLine>
+            </a:ext>
+            <a:ext uri="{AF507438-7753-43E0-B8FC-AC1667EBCBE1}">
+              <a14:hiddenEffects xmlns:a14="http://schemas.microsoft.com/office/drawing/2010/main">
+                <a:effectLst>
+                  <a:outerShdw dist="35921" dir="2700000" algn="ctr" rotWithShape="0">
+                    <a:schemeClr val="bg2"/>
+                  </a:outerShdw>
+                </a:effectLst>
+              </a14:hiddenEffects>
+            </a:ext>
+          </a:extLst>
+        </p:spPr>
+      </p:pic>
+      <p:pic>
+        <p:nvPicPr>
+          <p:cNvPr id="1027" name="Picture 3"/>
+          <p:cNvPicPr>
+            <a:picLocks noChangeAspect="1" noChangeArrowheads="1"/>
+          </p:cNvPicPr>
+          <p:nvPr/>
+        </p:nvPicPr>
+        <p:blipFill rotWithShape="1">
+          <a:blip r:embed="rId3">
+            <a:extLst>
+              <a:ext uri="{28A0092B-C50C-407E-A947-70E740481C1C}">
+                <a14:useLocalDpi xmlns:a14="http://schemas.microsoft.com/office/drawing/2010/main" val="0"/>
+              </a:ext>
+            </a:extLst>
+          </a:blip>
+          <a:srcRect l="28571" t="19912" r="38254" b="64850"/>
+          <a:stretch/>
+        </p:blipFill>
+        <p:spPr bwMode="auto">
+          <a:xfrm rot="20840303">
+            <a:off x="1704814" y="1616543"/>
+            <a:ext cx="6066971" cy="1567543"/>
+          </a:xfrm>
+          <a:prstGeom prst="rect">
+            <a:avLst/>
+          </a:prstGeom>
+          <a:noFill/>
+          <a:ln>
+            <a:noFill/>
+          </a:ln>
+          <a:effectLst/>
+          <a:extLst>
+            <a:ext uri="{909E8E84-426E-40DD-AFC4-6F175D3DCCD1}">
+              <a14:hiddenFill xmlns:a14="http://schemas.microsoft.com/office/drawing/2010/main">
+                <a:solidFill>
+                  <a:schemeClr val="accent1"/>
+                </a:solidFill>
+              </a14:hiddenFill>
+            </a:ext>
+            <a:ext uri="{91240B29-F687-4F45-9708-019B960494DF}">
+              <a14:hiddenLine xmlns:a14="http://schemas.microsoft.com/office/drawing/2010/main" w="9525">
+                <a:solidFill>
+                  <a:schemeClr val="tx1"/>
+                </a:solidFill>
+                <a:miter lim="800000"/>
+                <a:headEnd/>
+                <a:tailEnd/>
+              </a14:hiddenLine>
+            </a:ext>
+            <a:ext uri="{AF507438-7753-43E0-B8FC-AC1667EBCBE1}">
+              <a14:hiddenEffects xmlns:a14="http://schemas.microsoft.com/office/drawing/2010/main">
+                <a:effectLst>
+                  <a:outerShdw dist="35921" dir="2700000" algn="ctr" rotWithShape="0">
+                    <a:schemeClr val="bg2"/>
+                  </a:outerShdw>
+                </a:effectLst>
+              </a14:hiddenEffects>
+            </a:ext>
+          </a:extLst>
+        </p:spPr>
+      </p:pic>
+      <p:pic>
+        <p:nvPicPr>
+          <p:cNvPr id="1028" name="Picture 4"/>
+          <p:cNvPicPr>
+            <a:picLocks noChangeAspect="1" noChangeArrowheads="1"/>
+          </p:cNvPicPr>
+          <p:nvPr/>
+        </p:nvPicPr>
+        <p:blipFill rotWithShape="1">
+          <a:blip r:embed="rId4">
+            <a:extLst>
+              <a:ext uri="{28A0092B-C50C-407E-A947-70E740481C1C}">
+                <a14:useLocalDpi xmlns:a14="http://schemas.microsoft.com/office/drawing/2010/main" val="0"/>
+              </a:ext>
+            </a:extLst>
+          </a:blip>
+          <a:srcRect l="32698" t="19065" r="38671" b="74445"/>
+          <a:stretch/>
+        </p:blipFill>
+        <p:spPr bwMode="auto">
+          <a:xfrm rot="21045530">
+            <a:off x="1266554" y="4824655"/>
+            <a:ext cx="6943490" cy="885371"/>
+          </a:xfrm>
+          <a:prstGeom prst="rect">
+            <a:avLst/>
+          </a:prstGeom>
+          <a:noFill/>
+          <a:ln>
+            <a:noFill/>
+          </a:ln>
+          <a:effectLst/>
+          <a:extLst>
+            <a:ext uri="{909E8E84-426E-40DD-AFC4-6F175D3DCCD1}">
+              <a14:hiddenFill xmlns:a14="http://schemas.microsoft.com/office/drawing/2010/main">
+                <a:solidFill>
+                  <a:schemeClr val="accent1"/>
+                </a:solidFill>
+              </a14:hiddenFill>
+            </a:ext>
+            <a:ext uri="{91240B29-F687-4F45-9708-019B960494DF}">
+              <a14:hiddenLine xmlns:a14="http://schemas.microsoft.com/office/drawing/2010/main" w="9525">
+                <a:solidFill>
+                  <a:schemeClr val="tx1"/>
+                </a:solidFill>
+                <a:miter lim="800000"/>
+                <a:headEnd/>
+                <a:tailEnd/>
+              </a14:hiddenLine>
+            </a:ext>
+            <a:ext uri="{AF507438-7753-43E0-B8FC-AC1667EBCBE1}">
+              <a14:hiddenEffects xmlns:a14="http://schemas.microsoft.com/office/drawing/2010/main">
+                <a:effectLst>
+                  <a:outerShdw dist="35921" dir="2700000" algn="ctr" rotWithShape="0">
+                    <a:schemeClr val="bg2"/>
+                  </a:outerShdw>
+                </a:effectLst>
+              </a14:hiddenEffects>
+            </a:ext>
+          </a:extLst>
+        </p:spPr>
+      </p:pic>
+      <p:pic>
+        <p:nvPicPr>
+          <p:cNvPr id="1029" name="Picture 5"/>
+          <p:cNvPicPr>
+            <a:picLocks noChangeAspect="1" noChangeArrowheads="1"/>
+          </p:cNvPicPr>
+          <p:nvPr/>
+        </p:nvPicPr>
+        <p:blipFill rotWithShape="1">
+          <a:blip r:embed="rId5">
+            <a:extLst>
+              <a:ext uri="{28A0092B-C50C-407E-A947-70E740481C1C}">
+                <a14:useLocalDpi xmlns:a14="http://schemas.microsoft.com/office/drawing/2010/main" val="0"/>
+              </a:ext>
+            </a:extLst>
+          </a:blip>
+          <a:srcRect l="19921" t="42758" r="56664" b="13492"/>
+          <a:stretch/>
+        </p:blipFill>
+        <p:spPr bwMode="auto">
+          <a:xfrm>
+            <a:off x="5814678" y="3160627"/>
+            <a:ext cx="3518004" cy="3697373"/>
+          </a:xfrm>
+          <a:prstGeom prst="rect">
+            <a:avLst/>
+          </a:prstGeom>
+          <a:noFill/>
+          <a:ln>
+            <a:noFill/>
+          </a:ln>
+          <a:effectLst/>
+          <a:extLst>
+            <a:ext uri="{909E8E84-426E-40DD-AFC4-6F175D3DCCD1}">
+              <a14:hiddenFill xmlns:a14="http://schemas.microsoft.com/office/drawing/2010/main">
+                <a:solidFill>
+                  <a:schemeClr val="accent1"/>
+                </a:solidFill>
+              </a14:hiddenFill>
+            </a:ext>
+            <a:ext uri="{91240B29-F687-4F45-9708-019B960494DF}">
+              <a14:hiddenLine xmlns:a14="http://schemas.microsoft.com/office/drawing/2010/main" w="9525">
+                <a:solidFill>
+                  <a:schemeClr val="tx1"/>
+                </a:solidFill>
+                <a:miter lim="800000"/>
+                <a:headEnd/>
+                <a:tailEnd/>
+              </a14:hiddenLine>
+            </a:ext>
+            <a:ext uri="{AF507438-7753-43E0-B8FC-AC1667EBCBE1}">
+              <a14:hiddenEffects xmlns:a14="http://schemas.microsoft.com/office/drawing/2010/main">
+                <a:effectLst>
+                  <a:outerShdw dist="35921" dir="2700000" algn="ctr" rotWithShape="0">
+                    <a:schemeClr val="bg2"/>
+                  </a:outerShdw>
+                </a:effectLst>
+              </a14:hiddenEffects>
+            </a:ext>
+          </a:extLst>
+        </p:spPr>
+      </p:pic>
+      <p:pic>
+        <p:nvPicPr>
+          <p:cNvPr id="1030" name="Picture 6"/>
+          <p:cNvPicPr>
+            <a:picLocks noChangeAspect="1" noChangeArrowheads="1"/>
+          </p:cNvPicPr>
+          <p:nvPr/>
+        </p:nvPicPr>
+        <p:blipFill rotWithShape="1">
+          <a:blip r:embed="rId6">
+            <a:extLst>
+              <a:ext uri="{28A0092B-C50C-407E-A947-70E740481C1C}">
+                <a14:useLocalDpi xmlns:a14="http://schemas.microsoft.com/office/drawing/2010/main" val="0"/>
+              </a:ext>
+            </a:extLst>
+          </a:blip>
+          <a:srcRect t="16667" r="81270" b="20687"/>
+          <a:stretch/>
+        </p:blipFill>
+        <p:spPr bwMode="auto">
+          <a:xfrm>
+            <a:off x="6157127" y="607772"/>
+            <a:ext cx="3425371" cy="6444343"/>
+          </a:xfrm>
+          <a:prstGeom prst="rect">
+            <a:avLst/>
+          </a:prstGeom>
+          <a:noFill/>
+          <a:ln>
+            <a:noFill/>
+          </a:ln>
+          <a:effectLst/>
+          <a:extLst>
+            <a:ext uri="{909E8E84-426E-40DD-AFC4-6F175D3DCCD1}">
+              <a14:hiddenFill xmlns:a14="http://schemas.microsoft.com/office/drawing/2010/main">
+                <a:solidFill>
+                  <a:schemeClr val="accent1"/>
+                </a:solidFill>
+              </a14:hiddenFill>
+            </a:ext>
+            <a:ext uri="{91240B29-F687-4F45-9708-019B960494DF}">
+              <a14:hiddenLine xmlns:a14="http://schemas.microsoft.com/office/drawing/2010/main" w="9525">
+                <a:solidFill>
+                  <a:schemeClr val="tx1"/>
+                </a:solidFill>
+                <a:miter lim="800000"/>
+                <a:headEnd/>
+                <a:tailEnd/>
+              </a14:hiddenLine>
+            </a:ext>
+            <a:ext uri="{AF507438-7753-43E0-B8FC-AC1667EBCBE1}">
+              <a14:hiddenEffects xmlns:a14="http://schemas.microsoft.com/office/drawing/2010/main">
+                <a:effectLst>
+                  <a:outerShdw dist="35921" dir="2700000" algn="ctr" rotWithShape="0">
+                    <a:schemeClr val="bg2"/>
+                  </a:outerShdw>
+                </a:effectLst>
+              </a14:hiddenEffects>
+            </a:ext>
+          </a:extLst>
+        </p:spPr>
+      </p:pic>
     </p:spTree>
     <p:extLst>
       <p:ext uri="{BB962C8B-B14F-4D97-AF65-F5344CB8AC3E}">
-        <p14:creationId xmlns:p14="http://schemas.microsoft.com/office/powerpoint/2010/main" val="1309244464"/>
+        <p14:creationId xmlns:p14="http://schemas.microsoft.com/office/powerpoint/2010/main" val="3663012971"/>
       </p:ext>
     </p:extLst>
   </p:cSld>
   <p:clrMapOvr>
     <a:masterClrMapping/>
   </p:clrMapOvr>
+  <p:timing>
+    <p:tnLst>
+      <p:par>
+        <p:cTn id="1" dur="indefinite" restart="never" nodeType="tmRoot">
+          <p:childTnLst>
+            <p:seq concurrent="1" nextAc="seek">
+              <p:cTn id="2" dur="indefinite" nodeType="mainSeq">
+                <p:childTnLst>
+                  <p:par>
+                    <p:cTn id="3" fill="hold">
+                      <p:stCondLst>
+                        <p:cond delay="indefinite"/>
+                      </p:stCondLst>
+                      <p:childTnLst>
+                        <p:par>
+                          <p:cTn id="4" fill="hold">
+                            <p:stCondLst>
+                              <p:cond delay="0"/>
+                            </p:stCondLst>
+                            <p:childTnLst>
+                              <p:par>
+                                <p:cTn id="5" presetID="10" presetClass="entr" presetSubtype="0" fill="hold" nodeType="clickEffect">
+                                  <p:stCondLst>
+                                    <p:cond delay="0"/>
+                                  </p:stCondLst>
+                                  <p:childTnLst>
+                                    <p:set>
+                                      <p:cBhvr>
+                                        <p:cTn id="6" dur="1" fill="hold">
+                                          <p:stCondLst>
+                                            <p:cond delay="0"/>
+                                          </p:stCondLst>
+                                        </p:cTn>
+                                        <p:tgtEl>
+                                          <p:spTgt spid="3">
+                                            <p:txEl>
+                                              <p:pRg st="0" end="0"/>
+                                            </p:txEl>
+                                          </p:spTgt>
+                                        </p:tgtEl>
+                                        <p:attrNameLst>
+                                          <p:attrName>style.visibility</p:attrName>
+                                        </p:attrNameLst>
+                                      </p:cBhvr>
+                                      <p:to>
+                                        <p:strVal val="visible"/>
+                                      </p:to>
+                                    </p:set>
+                                    <p:animEffect transition="in" filter="fade">
+                                      <p:cBhvr>
+                                        <p:cTn id="7" dur="500"/>
+                                        <p:tgtEl>
+                                          <p:spTgt spid="3">
+                                            <p:txEl>
+                                              <p:pRg st="0" end="0"/>
+                                            </p:txEl>
+                                          </p:spTgt>
+                                        </p:tgtEl>
+                                      </p:cBhvr>
+                                    </p:animEffect>
+                                  </p:childTnLst>
+                                </p:cTn>
+                              </p:par>
+                              <p:par>
+                                <p:cTn id="8" presetID="10" presetClass="entr" presetSubtype="0" fill="hold" nodeType="withEffect">
+                                  <p:stCondLst>
+                                    <p:cond delay="0"/>
+                                  </p:stCondLst>
+                                  <p:childTnLst>
+                                    <p:set>
+                                      <p:cBhvr>
+                                        <p:cTn id="9" dur="1" fill="hold">
+                                          <p:stCondLst>
+                                            <p:cond delay="0"/>
+                                          </p:stCondLst>
+                                        </p:cTn>
+                                        <p:tgtEl>
+                                          <p:spTgt spid="3">
+                                            <p:txEl>
+                                              <p:pRg st="1" end="1"/>
+                                            </p:txEl>
+                                          </p:spTgt>
+                                        </p:tgtEl>
+                                        <p:attrNameLst>
+                                          <p:attrName>style.visibility</p:attrName>
+                                        </p:attrNameLst>
+                                      </p:cBhvr>
+                                      <p:to>
+                                        <p:strVal val="visible"/>
+                                      </p:to>
+                                    </p:set>
+                                    <p:animEffect transition="in" filter="fade">
+                                      <p:cBhvr>
+                                        <p:cTn id="10" dur="500"/>
+                                        <p:tgtEl>
+                                          <p:spTgt spid="3">
+                                            <p:txEl>
+                                              <p:pRg st="1" end="1"/>
+                                            </p:txEl>
+                                          </p:spTgt>
+                                        </p:tgtEl>
+                                      </p:cBhvr>
+                                    </p:animEffect>
+                                  </p:childTnLst>
+                                </p:cTn>
+                              </p:par>
+                            </p:childTnLst>
+                          </p:cTn>
+                        </p:par>
+                      </p:childTnLst>
+                    </p:cTn>
+                  </p:par>
+                  <p:par>
+                    <p:cTn id="11" fill="hold">
+                      <p:stCondLst>
+                        <p:cond delay="indefinite"/>
+                      </p:stCondLst>
+                      <p:childTnLst>
+                        <p:par>
+                          <p:cTn id="12" fill="hold">
+                            <p:stCondLst>
+                              <p:cond delay="0"/>
+                            </p:stCondLst>
+                            <p:childTnLst>
+                              <p:par>
+                                <p:cTn id="13" presetID="10" presetClass="entr" presetSubtype="0" fill="hold" nodeType="clickEffect">
+                                  <p:stCondLst>
+                                    <p:cond delay="0"/>
+                                  </p:stCondLst>
+                                  <p:childTnLst>
+                                    <p:set>
+                                      <p:cBhvr>
+                                        <p:cTn id="14" dur="1" fill="hold">
+                                          <p:stCondLst>
+                                            <p:cond delay="0"/>
+                                          </p:stCondLst>
+                                        </p:cTn>
+                                        <p:tgtEl>
+                                          <p:spTgt spid="1026"/>
+                                        </p:tgtEl>
+                                        <p:attrNameLst>
+                                          <p:attrName>style.visibility</p:attrName>
+                                        </p:attrNameLst>
+                                      </p:cBhvr>
+                                      <p:to>
+                                        <p:strVal val="visible"/>
+                                      </p:to>
+                                    </p:set>
+                                    <p:animEffect transition="in" filter="fade">
+                                      <p:cBhvr>
+                                        <p:cTn id="15" dur="500"/>
+                                        <p:tgtEl>
+                                          <p:spTgt spid="1026"/>
+                                        </p:tgtEl>
+                                      </p:cBhvr>
+                                    </p:animEffect>
+                                  </p:childTnLst>
+                                </p:cTn>
+                              </p:par>
+                            </p:childTnLst>
+                          </p:cTn>
+                        </p:par>
+                      </p:childTnLst>
+                    </p:cTn>
+                  </p:par>
+                  <p:par>
+                    <p:cTn id="16" fill="hold">
+                      <p:stCondLst>
+                        <p:cond delay="indefinite"/>
+                      </p:stCondLst>
+                      <p:childTnLst>
+                        <p:par>
+                          <p:cTn id="17" fill="hold">
+                            <p:stCondLst>
+                              <p:cond delay="0"/>
+                            </p:stCondLst>
+                            <p:childTnLst>
+                              <p:par>
+                                <p:cTn id="18" presetID="10" presetClass="entr" presetSubtype="0" fill="hold" nodeType="clickEffect">
+                                  <p:stCondLst>
+                                    <p:cond delay="0"/>
+                                  </p:stCondLst>
+                                  <p:childTnLst>
+                                    <p:set>
+                                      <p:cBhvr>
+                                        <p:cTn id="19" dur="1" fill="hold">
+                                          <p:stCondLst>
+                                            <p:cond delay="0"/>
+                                          </p:stCondLst>
+                                        </p:cTn>
+                                        <p:tgtEl>
+                                          <p:spTgt spid="3">
+                                            <p:txEl>
+                                              <p:pRg st="2" end="2"/>
+                                            </p:txEl>
+                                          </p:spTgt>
+                                        </p:tgtEl>
+                                        <p:attrNameLst>
+                                          <p:attrName>style.visibility</p:attrName>
+                                        </p:attrNameLst>
+                                      </p:cBhvr>
+                                      <p:to>
+                                        <p:strVal val="visible"/>
+                                      </p:to>
+                                    </p:set>
+                                    <p:animEffect transition="in" filter="fade">
+                                      <p:cBhvr>
+                                        <p:cTn id="20" dur="500"/>
+                                        <p:tgtEl>
+                                          <p:spTgt spid="3">
+                                            <p:txEl>
+                                              <p:pRg st="2" end="2"/>
+                                            </p:txEl>
+                                          </p:spTgt>
+                                        </p:tgtEl>
+                                      </p:cBhvr>
+                                    </p:animEffect>
+                                  </p:childTnLst>
+                                </p:cTn>
+                              </p:par>
+                              <p:par>
+                                <p:cTn id="21" presetID="10" presetClass="exit" presetSubtype="0" fill="hold" nodeType="withEffect">
+                                  <p:stCondLst>
+                                    <p:cond delay="0"/>
+                                  </p:stCondLst>
+                                  <p:childTnLst>
+                                    <p:animEffect transition="out" filter="fade">
+                                      <p:cBhvr>
+                                        <p:cTn id="22" dur="500"/>
+                                        <p:tgtEl>
+                                          <p:spTgt spid="1026"/>
+                                        </p:tgtEl>
+                                      </p:cBhvr>
+                                    </p:animEffect>
+                                    <p:set>
+                                      <p:cBhvr>
+                                        <p:cTn id="23" dur="1" fill="hold">
+                                          <p:stCondLst>
+                                            <p:cond delay="499"/>
+                                          </p:stCondLst>
+                                        </p:cTn>
+                                        <p:tgtEl>
+                                          <p:spTgt spid="1026"/>
+                                        </p:tgtEl>
+                                        <p:attrNameLst>
+                                          <p:attrName>style.visibility</p:attrName>
+                                        </p:attrNameLst>
+                                      </p:cBhvr>
+                                      <p:to>
+                                        <p:strVal val="hidden"/>
+                                      </p:to>
+                                    </p:set>
+                                  </p:childTnLst>
+                                </p:cTn>
+                              </p:par>
+                              <p:par>
+                                <p:cTn id="24" presetID="31" presetClass="entr" presetSubtype="0" fill="hold" nodeType="withEffect">
+                                  <p:stCondLst>
+                                    <p:cond delay="0"/>
+                                  </p:stCondLst>
+                                  <p:childTnLst>
+                                    <p:set>
+                                      <p:cBhvr>
+                                        <p:cTn id="25" dur="1" fill="hold">
+                                          <p:stCondLst>
+                                            <p:cond delay="0"/>
+                                          </p:stCondLst>
+                                        </p:cTn>
+                                        <p:tgtEl>
+                                          <p:spTgt spid="1028"/>
+                                        </p:tgtEl>
+                                        <p:attrNameLst>
+                                          <p:attrName>style.visibility</p:attrName>
+                                        </p:attrNameLst>
+                                      </p:cBhvr>
+                                      <p:to>
+                                        <p:strVal val="visible"/>
+                                      </p:to>
+                                    </p:set>
+                                    <p:anim calcmode="lin" valueType="num">
+                                      <p:cBhvr>
+                                        <p:cTn id="26" dur="1000" fill="hold"/>
+                                        <p:tgtEl>
+                                          <p:spTgt spid="1028"/>
+                                        </p:tgtEl>
+                                        <p:attrNameLst>
+                                          <p:attrName>ppt_w</p:attrName>
+                                        </p:attrNameLst>
+                                      </p:cBhvr>
+                                      <p:tavLst>
+                                        <p:tav tm="0">
+                                          <p:val>
+                                            <p:fltVal val="0"/>
+                                          </p:val>
+                                        </p:tav>
+                                        <p:tav tm="100000">
+                                          <p:val>
+                                            <p:strVal val="#ppt_w"/>
+                                          </p:val>
+                                        </p:tav>
+                                      </p:tavLst>
+                                    </p:anim>
+                                    <p:anim calcmode="lin" valueType="num">
+                                      <p:cBhvr>
+                                        <p:cTn id="27" dur="1000" fill="hold"/>
+                                        <p:tgtEl>
+                                          <p:spTgt spid="1028"/>
+                                        </p:tgtEl>
+                                        <p:attrNameLst>
+                                          <p:attrName>ppt_h</p:attrName>
+                                        </p:attrNameLst>
+                                      </p:cBhvr>
+                                      <p:tavLst>
+                                        <p:tav tm="0">
+                                          <p:val>
+                                            <p:fltVal val="0"/>
+                                          </p:val>
+                                        </p:tav>
+                                        <p:tav tm="100000">
+                                          <p:val>
+                                            <p:strVal val="#ppt_h"/>
+                                          </p:val>
+                                        </p:tav>
+                                      </p:tavLst>
+                                    </p:anim>
+                                    <p:anim calcmode="lin" valueType="num">
+                                      <p:cBhvr>
+                                        <p:cTn id="28" dur="1000" fill="hold"/>
+                                        <p:tgtEl>
+                                          <p:spTgt spid="1028"/>
+                                        </p:tgtEl>
+                                        <p:attrNameLst>
+                                          <p:attrName>style.rotation</p:attrName>
+                                        </p:attrNameLst>
+                                      </p:cBhvr>
+                                      <p:tavLst>
+                                        <p:tav tm="0">
+                                          <p:val>
+                                            <p:fltVal val="90"/>
+                                          </p:val>
+                                        </p:tav>
+                                        <p:tav tm="100000">
+                                          <p:val>
+                                            <p:fltVal val="0"/>
+                                          </p:val>
+                                        </p:tav>
+                                      </p:tavLst>
+                                    </p:anim>
+                                    <p:animEffect transition="in" filter="fade">
+                                      <p:cBhvr>
+                                        <p:cTn id="29" dur="1000"/>
+                                        <p:tgtEl>
+                                          <p:spTgt spid="1028"/>
+                                        </p:tgtEl>
+                                      </p:cBhvr>
+                                    </p:animEffect>
+                                  </p:childTnLst>
+                                </p:cTn>
+                              </p:par>
+                              <p:par>
+                                <p:cTn id="30" presetID="31" presetClass="entr" presetSubtype="0" fill="hold" nodeType="withEffect">
+                                  <p:stCondLst>
+                                    <p:cond delay="0"/>
+                                  </p:stCondLst>
+                                  <p:childTnLst>
+                                    <p:set>
+                                      <p:cBhvr>
+                                        <p:cTn id="31" dur="1" fill="hold">
+                                          <p:stCondLst>
+                                            <p:cond delay="0"/>
+                                          </p:stCondLst>
+                                        </p:cTn>
+                                        <p:tgtEl>
+                                          <p:spTgt spid="1027"/>
+                                        </p:tgtEl>
+                                        <p:attrNameLst>
+                                          <p:attrName>style.visibility</p:attrName>
+                                        </p:attrNameLst>
+                                      </p:cBhvr>
+                                      <p:to>
+                                        <p:strVal val="visible"/>
+                                      </p:to>
+                                    </p:set>
+                                    <p:anim calcmode="lin" valueType="num">
+                                      <p:cBhvr>
+                                        <p:cTn id="32" dur="1000" fill="hold"/>
+                                        <p:tgtEl>
+                                          <p:spTgt spid="1027"/>
+                                        </p:tgtEl>
+                                        <p:attrNameLst>
+                                          <p:attrName>ppt_w</p:attrName>
+                                        </p:attrNameLst>
+                                      </p:cBhvr>
+                                      <p:tavLst>
+                                        <p:tav tm="0">
+                                          <p:val>
+                                            <p:fltVal val="0"/>
+                                          </p:val>
+                                        </p:tav>
+                                        <p:tav tm="100000">
+                                          <p:val>
+                                            <p:strVal val="#ppt_w"/>
+                                          </p:val>
+                                        </p:tav>
+                                      </p:tavLst>
+                                    </p:anim>
+                                    <p:anim calcmode="lin" valueType="num">
+                                      <p:cBhvr>
+                                        <p:cTn id="33" dur="1000" fill="hold"/>
+                                        <p:tgtEl>
+                                          <p:spTgt spid="1027"/>
+                                        </p:tgtEl>
+                                        <p:attrNameLst>
+                                          <p:attrName>ppt_h</p:attrName>
+                                        </p:attrNameLst>
+                                      </p:cBhvr>
+                                      <p:tavLst>
+                                        <p:tav tm="0">
+                                          <p:val>
+                                            <p:fltVal val="0"/>
+                                          </p:val>
+                                        </p:tav>
+                                        <p:tav tm="100000">
+                                          <p:val>
+                                            <p:strVal val="#ppt_h"/>
+                                          </p:val>
+                                        </p:tav>
+                                      </p:tavLst>
+                                    </p:anim>
+                                    <p:anim calcmode="lin" valueType="num">
+                                      <p:cBhvr>
+                                        <p:cTn id="34" dur="1000" fill="hold"/>
+                                        <p:tgtEl>
+                                          <p:spTgt spid="1027"/>
+                                        </p:tgtEl>
+                                        <p:attrNameLst>
+                                          <p:attrName>style.rotation</p:attrName>
+                                        </p:attrNameLst>
+                                      </p:cBhvr>
+                                      <p:tavLst>
+                                        <p:tav tm="0">
+                                          <p:val>
+                                            <p:fltVal val="90"/>
+                                          </p:val>
+                                        </p:tav>
+                                        <p:tav tm="100000">
+                                          <p:val>
+                                            <p:fltVal val="0"/>
+                                          </p:val>
+                                        </p:tav>
+                                      </p:tavLst>
+                                    </p:anim>
+                                    <p:animEffect transition="in" filter="fade">
+                                      <p:cBhvr>
+                                        <p:cTn id="35" dur="1000"/>
+                                        <p:tgtEl>
+                                          <p:spTgt spid="1027"/>
+                                        </p:tgtEl>
+                                      </p:cBhvr>
+                                    </p:animEffect>
+                                  </p:childTnLst>
+                                </p:cTn>
+                              </p:par>
+                            </p:childTnLst>
+                          </p:cTn>
+                        </p:par>
+                      </p:childTnLst>
+                    </p:cTn>
+                  </p:par>
+                  <p:par>
+                    <p:cTn id="36" fill="hold">
+                      <p:stCondLst>
+                        <p:cond delay="indefinite"/>
+                      </p:stCondLst>
+                      <p:childTnLst>
+                        <p:par>
+                          <p:cTn id="37" fill="hold">
+                            <p:stCondLst>
+                              <p:cond delay="0"/>
+                            </p:stCondLst>
+                            <p:childTnLst>
+                              <p:par>
+                                <p:cTn id="38" presetID="10" presetClass="entr" presetSubtype="0" fill="hold" nodeType="clickEffect">
+                                  <p:stCondLst>
+                                    <p:cond delay="0"/>
+                                  </p:stCondLst>
+                                  <p:childTnLst>
+                                    <p:set>
+                                      <p:cBhvr>
+                                        <p:cTn id="39" dur="1" fill="hold">
+                                          <p:stCondLst>
+                                            <p:cond delay="0"/>
+                                          </p:stCondLst>
+                                        </p:cTn>
+                                        <p:tgtEl>
+                                          <p:spTgt spid="3">
+                                            <p:txEl>
+                                              <p:pRg st="3" end="3"/>
+                                            </p:txEl>
+                                          </p:spTgt>
+                                        </p:tgtEl>
+                                        <p:attrNameLst>
+                                          <p:attrName>style.visibility</p:attrName>
+                                        </p:attrNameLst>
+                                      </p:cBhvr>
+                                      <p:to>
+                                        <p:strVal val="visible"/>
+                                      </p:to>
+                                    </p:set>
+                                    <p:animEffect transition="in" filter="fade">
+                                      <p:cBhvr>
+                                        <p:cTn id="40" dur="500"/>
+                                        <p:tgtEl>
+                                          <p:spTgt spid="3">
+                                            <p:txEl>
+                                              <p:pRg st="3" end="3"/>
+                                            </p:txEl>
+                                          </p:spTgt>
+                                        </p:tgtEl>
+                                      </p:cBhvr>
+                                    </p:animEffect>
+                                  </p:childTnLst>
+                                </p:cTn>
+                              </p:par>
+                              <p:par>
+                                <p:cTn id="41" presetID="10" presetClass="exit" presetSubtype="0" fill="hold" nodeType="withEffect">
+                                  <p:stCondLst>
+                                    <p:cond delay="0"/>
+                                  </p:stCondLst>
+                                  <p:childTnLst>
+                                    <p:animEffect transition="out" filter="fade">
+                                      <p:cBhvr>
+                                        <p:cTn id="42" dur="500"/>
+                                        <p:tgtEl>
+                                          <p:spTgt spid="1028"/>
+                                        </p:tgtEl>
+                                      </p:cBhvr>
+                                    </p:animEffect>
+                                    <p:set>
+                                      <p:cBhvr>
+                                        <p:cTn id="43" dur="1" fill="hold">
+                                          <p:stCondLst>
+                                            <p:cond delay="499"/>
+                                          </p:stCondLst>
+                                        </p:cTn>
+                                        <p:tgtEl>
+                                          <p:spTgt spid="1028"/>
+                                        </p:tgtEl>
+                                        <p:attrNameLst>
+                                          <p:attrName>style.visibility</p:attrName>
+                                        </p:attrNameLst>
+                                      </p:cBhvr>
+                                      <p:to>
+                                        <p:strVal val="hidden"/>
+                                      </p:to>
+                                    </p:set>
+                                  </p:childTnLst>
+                                </p:cTn>
+                              </p:par>
+                              <p:par>
+                                <p:cTn id="44" presetID="10" presetClass="exit" presetSubtype="0" fill="hold" nodeType="withEffect">
+                                  <p:stCondLst>
+                                    <p:cond delay="0"/>
+                                  </p:stCondLst>
+                                  <p:childTnLst>
+                                    <p:animEffect transition="out" filter="fade">
+                                      <p:cBhvr>
+                                        <p:cTn id="45" dur="500"/>
+                                        <p:tgtEl>
+                                          <p:spTgt spid="1027"/>
+                                        </p:tgtEl>
+                                      </p:cBhvr>
+                                    </p:animEffect>
+                                    <p:set>
+                                      <p:cBhvr>
+                                        <p:cTn id="46" dur="1" fill="hold">
+                                          <p:stCondLst>
+                                            <p:cond delay="499"/>
+                                          </p:stCondLst>
+                                        </p:cTn>
+                                        <p:tgtEl>
+                                          <p:spTgt spid="1027"/>
+                                        </p:tgtEl>
+                                        <p:attrNameLst>
+                                          <p:attrName>style.visibility</p:attrName>
+                                        </p:attrNameLst>
+                                      </p:cBhvr>
+                                      <p:to>
+                                        <p:strVal val="hidden"/>
+                                      </p:to>
+                                    </p:set>
+                                  </p:childTnLst>
+                                </p:cTn>
+                              </p:par>
+                              <p:par>
+                                <p:cTn id="47" presetID="42" presetClass="entr" presetSubtype="0" fill="hold" nodeType="withEffect">
+                                  <p:stCondLst>
+                                    <p:cond delay="0"/>
+                                  </p:stCondLst>
+                                  <p:childTnLst>
+                                    <p:set>
+                                      <p:cBhvr>
+                                        <p:cTn id="48" dur="1" fill="hold">
+                                          <p:stCondLst>
+                                            <p:cond delay="0"/>
+                                          </p:stCondLst>
+                                        </p:cTn>
+                                        <p:tgtEl>
+                                          <p:spTgt spid="1029"/>
+                                        </p:tgtEl>
+                                        <p:attrNameLst>
+                                          <p:attrName>style.visibility</p:attrName>
+                                        </p:attrNameLst>
+                                      </p:cBhvr>
+                                      <p:to>
+                                        <p:strVal val="visible"/>
+                                      </p:to>
+                                    </p:set>
+                                    <p:animEffect transition="in" filter="fade">
+                                      <p:cBhvr>
+                                        <p:cTn id="49" dur="1000"/>
+                                        <p:tgtEl>
+                                          <p:spTgt spid="1029"/>
+                                        </p:tgtEl>
+                                      </p:cBhvr>
+                                    </p:animEffect>
+                                    <p:anim calcmode="lin" valueType="num">
+                                      <p:cBhvr>
+                                        <p:cTn id="50" dur="1000" fill="hold"/>
+                                        <p:tgtEl>
+                                          <p:spTgt spid="1029"/>
+                                        </p:tgtEl>
+                                        <p:attrNameLst>
+                                          <p:attrName>ppt_x</p:attrName>
+                                        </p:attrNameLst>
+                                      </p:cBhvr>
+                                      <p:tavLst>
+                                        <p:tav tm="0">
+                                          <p:val>
+                                            <p:strVal val="#ppt_x"/>
+                                          </p:val>
+                                        </p:tav>
+                                        <p:tav tm="100000">
+                                          <p:val>
+                                            <p:strVal val="#ppt_x"/>
+                                          </p:val>
+                                        </p:tav>
+                                      </p:tavLst>
+                                    </p:anim>
+                                    <p:anim calcmode="lin" valueType="num">
+                                      <p:cBhvr>
+                                        <p:cTn id="51" dur="1000" fill="hold"/>
+                                        <p:tgtEl>
+                                          <p:spTgt spid="1029"/>
+                                        </p:tgtEl>
+                                        <p:attrNameLst>
+                                          <p:attrName>ppt_y</p:attrName>
+                                        </p:attrNameLst>
+                                      </p:cBhvr>
+                                      <p:tavLst>
+                                        <p:tav tm="0">
+                                          <p:val>
+                                            <p:strVal val="#ppt_y+.1"/>
+                                          </p:val>
+                                        </p:tav>
+                                        <p:tav tm="100000">
+                                          <p:val>
+                                            <p:strVal val="#ppt_y"/>
+                                          </p:val>
+                                        </p:tav>
+                                      </p:tavLst>
+                                    </p:anim>
+                                  </p:childTnLst>
+                                </p:cTn>
+                              </p:par>
+                            </p:childTnLst>
+                          </p:cTn>
+                        </p:par>
+                      </p:childTnLst>
+                    </p:cTn>
+                  </p:par>
+                  <p:par>
+                    <p:cTn id="52" fill="hold">
+                      <p:stCondLst>
+                        <p:cond delay="indefinite"/>
+                      </p:stCondLst>
+                      <p:childTnLst>
+                        <p:par>
+                          <p:cTn id="53" fill="hold">
+                            <p:stCondLst>
+                              <p:cond delay="0"/>
+                            </p:stCondLst>
+                            <p:childTnLst>
+                              <p:par>
+                                <p:cTn id="54" presetID="10" presetClass="entr" presetSubtype="0" fill="hold" nodeType="clickEffect">
+                                  <p:stCondLst>
+                                    <p:cond delay="0"/>
+                                  </p:stCondLst>
+                                  <p:childTnLst>
+                                    <p:set>
+                                      <p:cBhvr>
+                                        <p:cTn id="55" dur="1" fill="hold">
+                                          <p:stCondLst>
+                                            <p:cond delay="0"/>
+                                          </p:stCondLst>
+                                        </p:cTn>
+                                        <p:tgtEl>
+                                          <p:spTgt spid="3">
+                                            <p:txEl>
+                                              <p:pRg st="4" end="4"/>
+                                            </p:txEl>
+                                          </p:spTgt>
+                                        </p:tgtEl>
+                                        <p:attrNameLst>
+                                          <p:attrName>style.visibility</p:attrName>
+                                        </p:attrNameLst>
+                                      </p:cBhvr>
+                                      <p:to>
+                                        <p:strVal val="visible"/>
+                                      </p:to>
+                                    </p:set>
+                                    <p:animEffect transition="in" filter="fade">
+                                      <p:cBhvr>
+                                        <p:cTn id="56" dur="500"/>
+                                        <p:tgtEl>
+                                          <p:spTgt spid="3">
+                                            <p:txEl>
+                                              <p:pRg st="4" end="4"/>
+                                            </p:txEl>
+                                          </p:spTgt>
+                                        </p:tgtEl>
+                                      </p:cBhvr>
+                                    </p:animEffect>
+                                  </p:childTnLst>
+                                </p:cTn>
+                              </p:par>
+                              <p:par>
+                                <p:cTn id="57" presetID="10" presetClass="exit" presetSubtype="0" fill="hold" nodeType="withEffect">
+                                  <p:stCondLst>
+                                    <p:cond delay="0"/>
+                                  </p:stCondLst>
+                                  <p:childTnLst>
+                                    <p:animEffect transition="out" filter="fade">
+                                      <p:cBhvr>
+                                        <p:cTn id="58" dur="500"/>
+                                        <p:tgtEl>
+                                          <p:spTgt spid="1029"/>
+                                        </p:tgtEl>
+                                      </p:cBhvr>
+                                    </p:animEffect>
+                                    <p:set>
+                                      <p:cBhvr>
+                                        <p:cTn id="59" dur="1" fill="hold">
+                                          <p:stCondLst>
+                                            <p:cond delay="499"/>
+                                          </p:stCondLst>
+                                        </p:cTn>
+                                        <p:tgtEl>
+                                          <p:spTgt spid="1029"/>
+                                        </p:tgtEl>
+                                        <p:attrNameLst>
+                                          <p:attrName>style.visibility</p:attrName>
+                                        </p:attrNameLst>
+                                      </p:cBhvr>
+                                      <p:to>
+                                        <p:strVal val="hidden"/>
+                                      </p:to>
+                                    </p:set>
+                                  </p:childTnLst>
+                                </p:cTn>
+                              </p:par>
+                            </p:childTnLst>
+                          </p:cTn>
+                        </p:par>
+                      </p:childTnLst>
+                    </p:cTn>
+                  </p:par>
+                  <p:par>
+                    <p:cTn id="60" fill="hold">
+                      <p:stCondLst>
+                        <p:cond delay="indefinite"/>
+                      </p:stCondLst>
+                      <p:childTnLst>
+                        <p:par>
+                          <p:cTn id="61" fill="hold">
+                            <p:stCondLst>
+                              <p:cond delay="0"/>
+                            </p:stCondLst>
+                            <p:childTnLst>
+                              <p:par>
+                                <p:cTn id="62" presetID="2" presetClass="entr" presetSubtype="4" fill="hold" nodeType="clickEffect">
+                                  <p:stCondLst>
+                                    <p:cond delay="0"/>
+                                  </p:stCondLst>
+                                  <p:childTnLst>
+                                    <p:set>
+                                      <p:cBhvr>
+                                        <p:cTn id="63" dur="1" fill="hold">
+                                          <p:stCondLst>
+                                            <p:cond delay="0"/>
+                                          </p:stCondLst>
+                                        </p:cTn>
+                                        <p:tgtEl>
+                                          <p:spTgt spid="1030"/>
+                                        </p:tgtEl>
+                                        <p:attrNameLst>
+                                          <p:attrName>style.visibility</p:attrName>
+                                        </p:attrNameLst>
+                                      </p:cBhvr>
+                                      <p:to>
+                                        <p:strVal val="visible"/>
+                                      </p:to>
+                                    </p:set>
+                                    <p:anim calcmode="lin" valueType="num">
+                                      <p:cBhvr additive="base">
+                                        <p:cTn id="64" dur="500" fill="hold"/>
+                                        <p:tgtEl>
+                                          <p:spTgt spid="1030"/>
+                                        </p:tgtEl>
+                                        <p:attrNameLst>
+                                          <p:attrName>ppt_x</p:attrName>
+                                        </p:attrNameLst>
+                                      </p:cBhvr>
+                                      <p:tavLst>
+                                        <p:tav tm="0">
+                                          <p:val>
+                                            <p:strVal val="#ppt_x"/>
+                                          </p:val>
+                                        </p:tav>
+                                        <p:tav tm="100000">
+                                          <p:val>
+                                            <p:strVal val="#ppt_x"/>
+                                          </p:val>
+                                        </p:tav>
+                                      </p:tavLst>
+                                    </p:anim>
+                                    <p:anim calcmode="lin" valueType="num">
+                                      <p:cBhvr additive="base">
+                                        <p:cTn id="65" dur="500" fill="hold"/>
+                                        <p:tgtEl>
+                                          <p:spTgt spid="1030"/>
+                                        </p:tgtEl>
+                                        <p:attrNameLst>
+                                          <p:attrName>ppt_y</p:attrName>
+                                        </p:attrNameLst>
+                                      </p:cBhvr>
+                                      <p:tavLst>
+                                        <p:tav tm="0">
+                                          <p:val>
+                                            <p:strVal val="1+#ppt_h/2"/>
+                                          </p:val>
+                                        </p:tav>
+                                        <p:tav tm="100000">
+                                          <p:val>
+                                            <p:strVal val="#ppt_y"/>
+                                          </p:val>
+                                        </p:tav>
+                                      </p:tavLst>
+                                    </p:anim>
+                                  </p:childTnLst>
+                                </p:cTn>
+                              </p:par>
+                            </p:childTnLst>
+                          </p:cTn>
+                        </p:par>
+                      </p:childTnLst>
+                    </p:cTn>
+                  </p:par>
+                </p:childTnLst>
+              </p:cTn>
+              <p:prevCondLst>
+                <p:cond evt="onPrev" delay="0">
+                  <p:tgtEl>
+                    <p:sldTgt/>
+                  </p:tgtEl>
+                </p:cond>
+              </p:prevCondLst>
+              <p:nextCondLst>
+                <p:cond evt="onNext" delay="0">
+                  <p:tgtEl>
+                    <p:sldTgt/>
+                  </p:tgtEl>
+                </p:cond>
+              </p:nextCondLst>
+            </p:seq>
+          </p:childTnLst>
+        </p:cTn>
+      </p:par>
+    </p:tnLst>
+  </p:timing>
 </p:sld>
 </file>
 
@@ -10912,7 +13127,7 @@
       </p:grpSpPr>
       <p:sp>
         <p:nvSpPr>
-          <p:cNvPr id="2" name="标题 1"/>
+          <p:cNvPr id="2" name="Title 1"/>
           <p:cNvSpPr>
             <a:spLocks noGrp="1"/>
           </p:cNvSpPr>
@@ -10926,35 +13141,27 @@
           <a:lstStyle/>
           <a:p>
             <a:r>
-              <a:rPr lang="en-SG" altLang="zh-SG" dirty="0"/>
-              <a:t>General </a:t>
-            </a:r>
-            <a:r>
-              <a:rPr lang="en-SG" altLang="zh-SG" dirty="0" smtClean="0"/>
-              <a:t>skills: “</a:t>
-            </a:r>
-            <a:r>
-              <a:rPr lang="en-SG" altLang="zh-SG" dirty="0" err="1" smtClean="0"/>
-              <a:t>Don’t”s</a:t>
-            </a:r>
-            <a:endParaRPr lang="zh-SG" altLang="en-US" dirty="0"/>
-          </a:p>
-        </p:txBody>
-      </p:sp>
-      <p:sp>
-        <p:nvSpPr>
-          <p:cNvPr id="3" name="文本占位符 2"/>
+              <a:rPr lang="en-SG" dirty="0" smtClean="0"/>
+              <a:t>First Impression counts</a:t>
+            </a:r>
+            <a:endParaRPr lang="en-SG" dirty="0"/>
+          </a:p>
+        </p:txBody>
+      </p:sp>
+      <p:sp>
+        <p:nvSpPr>
+          <p:cNvPr id="3" name="Content Placeholder 2"/>
           <p:cNvSpPr>
             <a:spLocks noGrp="1"/>
           </p:cNvSpPr>
           <p:nvPr>
-            <p:ph type="body" idx="1"/>
+            <p:ph idx="1"/>
           </p:nvPr>
         </p:nvSpPr>
         <p:spPr>
           <a:xfrm>
-            <a:off x="804863" y="5281200"/>
-            <a:ext cx="7526337" cy="628647"/>
+            <a:off x="809997" y="2222287"/>
+            <a:ext cx="7913089" cy="4251084"/>
           </a:xfrm>
         </p:spPr>
         <p:txBody>
@@ -10962,17 +13169,105 @@
           <a:lstStyle/>
           <a:p>
             <a:r>
-              <a:rPr lang="en-SG" altLang="zh-SG" dirty="0" smtClean="0"/>
-              <a:t>Communications | Personal grooming | Behaviour</a:t>
-            </a:r>
-            <a:endParaRPr lang="zh-SG" altLang="en-US" dirty="0"/>
+              <a:rPr lang="en-SG" b="1" dirty="0" smtClean="0"/>
+              <a:t>Dress</a:t>
+            </a:r>
+            <a:r>
+              <a:rPr lang="en-SG" dirty="0" smtClean="0"/>
+              <a:t> accordingly</a:t>
+            </a:r>
+          </a:p>
+          <a:p>
+            <a:pPr lvl="1"/>
+            <a:r>
+              <a:rPr lang="en-SG" dirty="0" smtClean="0"/>
+              <a:t>Smart casual ? Formal ? </a:t>
+            </a:r>
+            <a:r>
+              <a:rPr lang="en-SG" b="1" dirty="0" smtClean="0"/>
+              <a:t>Clarify</a:t>
+            </a:r>
+            <a:r>
+              <a:rPr lang="en-SG" dirty="0" smtClean="0"/>
+              <a:t> when in </a:t>
+            </a:r>
+            <a:r>
+              <a:rPr lang="en-SG" b="1" dirty="0" smtClean="0"/>
+              <a:t>doubt</a:t>
+            </a:r>
+          </a:p>
+          <a:p>
+            <a:r>
+              <a:rPr lang="en-SG" b="1" i="1" dirty="0" smtClean="0"/>
+              <a:t>Groom </a:t>
+            </a:r>
+            <a:r>
+              <a:rPr lang="en-SG" i="1" dirty="0" smtClean="0"/>
+              <a:t>yourself</a:t>
+            </a:r>
+          </a:p>
+          <a:p>
+            <a:pPr lvl="1"/>
+            <a:r>
+              <a:rPr lang="en-SG" i="1" dirty="0" smtClean="0"/>
+              <a:t>Haircut, nails, facial hair</a:t>
+            </a:r>
+          </a:p>
+          <a:p>
+            <a:r>
+              <a:rPr lang="en-SG" b="1" i="1" dirty="0" smtClean="0"/>
+              <a:t>Smell </a:t>
+            </a:r>
+            <a:r>
+              <a:rPr lang="en-SG" i="1" dirty="0" smtClean="0"/>
+              <a:t>good</a:t>
+            </a:r>
+          </a:p>
+          <a:p>
+            <a:pPr lvl="1"/>
+            <a:r>
+              <a:rPr lang="en-SG" i="1" dirty="0" smtClean="0"/>
+              <a:t>Deodorant instead of overpowering perfumes/cologne</a:t>
+            </a:r>
+          </a:p>
+          <a:p>
+            <a:pPr lvl="1"/>
+            <a:r>
+              <a:rPr lang="en-SG" i="1" dirty="0" smtClean="0"/>
+              <a:t>Don’t smoke or eat right before interview</a:t>
+            </a:r>
+          </a:p>
+          <a:p>
+            <a:r>
+              <a:rPr lang="en-SG" b="1" i="1" dirty="0" smtClean="0"/>
+              <a:t>Feel</a:t>
+            </a:r>
+            <a:r>
+              <a:rPr lang="en-SG" i="1" dirty="0" smtClean="0"/>
+              <a:t> good</a:t>
+            </a:r>
+          </a:p>
+          <a:p>
+            <a:pPr lvl="1"/>
+            <a:r>
+              <a:rPr lang="en-SG" i="1" dirty="0" smtClean="0"/>
+              <a:t>Sufficient sleep the night before</a:t>
+            </a:r>
+          </a:p>
+          <a:p>
+            <a:pPr lvl="1"/>
+            <a:r>
+              <a:rPr lang="en-SG" i="1" dirty="0" smtClean="0"/>
+              <a:t>Hydrate yourself</a:t>
+            </a:r>
+            <a:endParaRPr lang="en-SG" i="1" dirty="0"/>
           </a:p>
         </p:txBody>
       </p:sp>
     </p:spTree>
     <p:extLst>
       <p:ext uri="{BB962C8B-B14F-4D97-AF65-F5344CB8AC3E}">
-        <p14:creationId xmlns:p14="http://schemas.microsoft.com/office/powerpoint/2010/main" val="3191458548"/>
+        <p14:creationId xmlns:p14="http://schemas.microsoft.com/office/powerpoint/2010/main" val="2087947206"/>
       </p:ext>
     </p:extLst>
   </p:cSld>
@@ -11022,8 +13317,16 @@
           <a:lstStyle/>
           <a:p>
             <a:r>
+              <a:rPr lang="en-SG" altLang="zh-SG" dirty="0"/>
+              <a:t>General </a:t>
+            </a:r>
+            <a:r>
               <a:rPr lang="en-SG" altLang="zh-SG" dirty="0" smtClean="0"/>
-              <a:t>Communications</a:t>
+              <a:t>skills: “</a:t>
+            </a:r>
+            <a:r>
+              <a:rPr lang="en-SG" altLang="zh-SG" dirty="0" err="1" smtClean="0"/>
+              <a:t>Do”s</a:t>
             </a:r>
             <a:endParaRPr lang="zh-SG" altLang="en-US" dirty="0"/>
           </a:p>
@@ -11031,18 +13334,18 @@
       </p:sp>
       <p:sp>
         <p:nvSpPr>
-          <p:cNvPr id="5" name="内容占位符 4"/>
+          <p:cNvPr id="3" name="文本占位符 2"/>
           <p:cNvSpPr>
             <a:spLocks noGrp="1"/>
           </p:cNvSpPr>
           <p:nvPr>
-            <p:ph idx="1"/>
+            <p:ph type="body" idx="1"/>
           </p:nvPr>
         </p:nvSpPr>
         <p:spPr>
           <a:xfrm>
-            <a:off x="507597" y="2296799"/>
-            <a:ext cx="7524003" cy="1091323"/>
+            <a:off x="804863" y="5281200"/>
+            <a:ext cx="7526337" cy="628647"/>
           </a:xfrm>
         </p:spPr>
         <p:txBody>
@@ -11050,121 +13353,17 @@
           <a:lstStyle/>
           <a:p>
             <a:r>
-              <a:rPr lang="en-US" altLang="zh-SG" dirty="0" smtClean="0"/>
-              <a:t>Vague Questions</a:t>
-            </a:r>
-            <a:endParaRPr lang="en-SG" altLang="zh-SG" dirty="0"/>
-          </a:p>
-          <a:p>
-            <a:pPr marL="0" indent="0">
-              <a:buNone/>
-            </a:pPr>
-            <a:endParaRPr lang="en-US" altLang="zh-SG" dirty="0" smtClean="0"/>
-          </a:p>
-        </p:txBody>
-      </p:sp>
-      <p:pic>
-        <p:nvPicPr>
-          <p:cNvPr id="3" name="Picture 2"/>
-          <p:cNvPicPr>
-            <a:picLocks noChangeAspect="1"/>
-          </p:cNvPicPr>
-          <p:nvPr/>
-        </p:nvPicPr>
-        <p:blipFill>
-          <a:blip r:embed="rId3">
-            <a:extLst>
-              <a:ext uri="{28A0092B-C50C-407E-A947-70E740481C1C}">
-                <a14:useLocalDpi xmlns:a14="http://schemas.microsoft.com/office/drawing/2010/main" val="0"/>
-              </a:ext>
-            </a:extLst>
-          </a:blip>
-          <a:stretch>
-            <a:fillRect/>
-          </a:stretch>
-        </p:blipFill>
-        <p:spPr>
-          <a:xfrm>
-            <a:off x="1996200" y="2942924"/>
-            <a:ext cx="5167800" cy="3402135"/>
-          </a:xfrm>
-          <a:prstGeom prst="rect">
-            <a:avLst/>
-          </a:prstGeom>
-        </p:spPr>
-      </p:pic>
-      <p:sp>
-        <p:nvSpPr>
-          <p:cNvPr id="6" name="文本框 8"/>
-          <p:cNvSpPr txBox="1"/>
-          <p:nvPr/>
-        </p:nvSpPr>
-        <p:spPr>
-          <a:xfrm>
-            <a:off x="3422319" y="6627168"/>
-            <a:ext cx="5775940" cy="230832"/>
-          </a:xfrm>
-          <a:prstGeom prst="rect">
-            <a:avLst/>
-          </a:prstGeom>
-          <a:noFill/>
-        </p:spPr>
-        <p:txBody>
-          <a:bodyPr wrap="none" rtlCol="0">
-            <a:spAutoFit/>
-          </a:bodyPr>
-          <a:lstStyle/>
-          <a:p>
-            <a:r>
-              <a:rPr lang="en-US" altLang="zh-SG" sz="900" dirty="0" smtClean="0"/>
-              <a:t>*Source </a:t>
-            </a:r>
-            <a:r>
-              <a:rPr lang="en-US" altLang="zh-SG" sz="900" dirty="0"/>
-              <a:t>: http://cals.arizona.edu/clubs/manrrs/MANRRS%20Web/GENERAL%20INTERVIEW%20TIPS.pdf</a:t>
-            </a:r>
-            <a:endParaRPr lang="zh-SG" altLang="en-US" sz="900" dirty="0"/>
-          </a:p>
-        </p:txBody>
-      </p:sp>
-      <p:sp>
-        <p:nvSpPr>
-          <p:cNvPr id="7" name="文本框 8"/>
-          <p:cNvSpPr txBox="1"/>
-          <p:nvPr/>
-        </p:nvSpPr>
-        <p:spPr>
-          <a:xfrm>
-            <a:off x="4432162" y="6345059"/>
-            <a:ext cx="2731838" cy="230832"/>
-          </a:xfrm>
-          <a:prstGeom prst="rect">
-            <a:avLst/>
-          </a:prstGeom>
-          <a:noFill/>
-        </p:spPr>
-        <p:txBody>
-          <a:bodyPr wrap="none" rtlCol="0">
-            <a:spAutoFit/>
-          </a:bodyPr>
-          <a:lstStyle/>
-          <a:p>
-            <a:r>
-              <a:rPr lang="en-US" altLang="zh-SG" sz="900" dirty="0" smtClean="0"/>
-              <a:t>Photo by: Brian Moore</a:t>
-            </a:r>
-            <a:r>
-              <a:rPr lang="en-US" altLang="zh-SG" sz="900" dirty="0"/>
-              <a:t>, https://flic.kr/p/weYd8</a:t>
-            </a:r>
-            <a:endParaRPr lang="zh-SG" altLang="en-US" sz="900" dirty="0"/>
+              <a:rPr lang="en-SG" altLang="zh-SG" dirty="0" smtClean="0"/>
+              <a:t>Body management | give relevant answer</a:t>
+            </a:r>
+            <a:endParaRPr lang="zh-SG" altLang="en-US" dirty="0"/>
           </a:p>
         </p:txBody>
       </p:sp>
     </p:spTree>
     <p:extLst>
       <p:ext uri="{BB962C8B-B14F-4D97-AF65-F5344CB8AC3E}">
-        <p14:creationId xmlns:p14="http://schemas.microsoft.com/office/powerpoint/2010/main" val="3566070255"/>
+        <p14:creationId xmlns:p14="http://schemas.microsoft.com/office/powerpoint/2010/main" val="1638038551"/>
       </p:ext>
     </p:extLst>
   </p:cSld>
@@ -11198,103 +13397,64 @@
           <a:chExt cx="0" cy="0"/>
         </a:xfrm>
       </p:grpSpPr>
-      <p:pic>
-        <p:nvPicPr>
-          <p:cNvPr id="4" name="Picture 3"/>
-          <p:cNvPicPr>
-            <a:picLocks noChangeAspect="1"/>
-          </p:cNvPicPr>
+      <p:sp>
+        <p:nvSpPr>
+          <p:cNvPr id="2" name="标题 1"/>
+          <p:cNvSpPr>
+            <a:spLocks noGrp="1"/>
+          </p:cNvSpPr>
+          <p:nvPr>
+            <p:ph type="title"/>
+          </p:nvPr>
+        </p:nvSpPr>
+        <p:spPr/>
+        <p:txBody>
+          <a:bodyPr/>
+          <a:lstStyle/>
+          <a:p>
+            <a:r>
+              <a:rPr lang="en-US" altLang="zh-SG" dirty="0" smtClean="0"/>
+              <a:t>Manage your mind</a:t>
+            </a:r>
+            <a:endParaRPr lang="zh-SG" altLang="en-US" dirty="0"/>
+          </a:p>
+        </p:txBody>
+      </p:sp>
+      <p:graphicFrame>
+        <p:nvGraphicFramePr>
+          <p:cNvPr id="4" name="内容占位符 3"/>
+          <p:cNvGraphicFramePr>
+            <a:graphicFrameLocks noGrp="1"/>
+          </p:cNvGraphicFramePr>
+          <p:nvPr>
+            <p:ph idx="1"/>
+            <p:extLst>
+              <p:ext uri="{D42A27DB-BD31-4B8C-83A1-F6EECF244321}">
+                <p14:modId xmlns:p14="http://schemas.microsoft.com/office/powerpoint/2010/main" val="1080545936"/>
+              </p:ext>
+            </p:extLst>
+          </p:nvPr>
+        </p:nvGraphicFramePr>
+        <p:xfrm>
+          <a:off x="2118410" y="2654501"/>
+          <a:ext cx="4633575" cy="1834293"/>
+        </p:xfrm>
+        <a:graphic>
+          <a:graphicData uri="http://schemas.openxmlformats.org/drawingml/2006/diagram">
+            <dgm:relIds xmlns:dgm="http://schemas.openxmlformats.org/drawingml/2006/diagram" xmlns:r="http://schemas.openxmlformats.org/officeDocument/2006/relationships" r:dm="rId3" r:lo="rId4" r:qs="rId5" r:cs="rId6"/>
+          </a:graphicData>
+        </a:graphic>
+      </p:graphicFrame>
+      <p:sp>
+        <p:nvSpPr>
+          <p:cNvPr id="5" name="文本框 4"/>
+          <p:cNvSpPr txBox="1"/>
           <p:nvPr/>
-        </p:nvPicPr>
-        <p:blipFill>
-          <a:blip r:embed="rId3">
-            <a:extLst>
-              <a:ext uri="{28A0092B-C50C-407E-A947-70E740481C1C}">
-                <a14:useLocalDpi xmlns:a14="http://schemas.microsoft.com/office/drawing/2010/main" val="0"/>
-              </a:ext>
-            </a:extLst>
-          </a:blip>
-          <a:stretch>
-            <a:fillRect/>
-          </a:stretch>
-        </p:blipFill>
+        </p:nvSpPr>
         <p:spPr>
           <a:xfrm>
-            <a:off x="1983598" y="2942923"/>
-            <a:ext cx="5180402" cy="3410431"/>
-          </a:xfrm>
-          <a:prstGeom prst="rect">
-            <a:avLst/>
-          </a:prstGeom>
-        </p:spPr>
-      </p:pic>
-      <p:sp>
-        <p:nvSpPr>
-          <p:cNvPr id="2" name="标题 1"/>
-          <p:cNvSpPr>
-            <a:spLocks noGrp="1"/>
-          </p:cNvSpPr>
-          <p:nvPr>
-            <p:ph type="title"/>
-          </p:nvPr>
-        </p:nvSpPr>
-        <p:spPr/>
-        <p:txBody>
-          <a:bodyPr/>
-          <a:lstStyle/>
-          <a:p>
-            <a:r>
-              <a:rPr lang="en-SG" altLang="zh-SG" dirty="0" smtClean="0"/>
-              <a:t>Communications</a:t>
-            </a:r>
-            <a:endParaRPr lang="zh-SG" altLang="en-US" dirty="0"/>
-          </a:p>
-        </p:txBody>
-      </p:sp>
-      <p:sp>
-        <p:nvSpPr>
-          <p:cNvPr id="5" name="内容占位符 4"/>
-          <p:cNvSpPr>
-            <a:spLocks noGrp="1"/>
-          </p:cNvSpPr>
-          <p:nvPr>
-            <p:ph idx="1"/>
-          </p:nvPr>
-        </p:nvSpPr>
-        <p:spPr>
-          <a:xfrm>
-            <a:off x="507597" y="2296799"/>
-            <a:ext cx="7524003" cy="1091323"/>
-          </a:xfrm>
-        </p:spPr>
-        <p:txBody>
-          <a:bodyPr/>
-          <a:lstStyle/>
-          <a:p>
-            <a:r>
-              <a:rPr lang="en-SG" altLang="zh-SG" dirty="0" smtClean="0"/>
-              <a:t>Interruptions</a:t>
-            </a:r>
-            <a:endParaRPr lang="en-SG" altLang="zh-SG" dirty="0"/>
-          </a:p>
-          <a:p>
-            <a:pPr marL="0" indent="0">
-              <a:buNone/>
-            </a:pPr>
-            <a:endParaRPr lang="en-US" altLang="zh-SG" dirty="0" smtClean="0"/>
-          </a:p>
-        </p:txBody>
-      </p:sp>
-      <p:sp>
-        <p:nvSpPr>
-          <p:cNvPr id="6" name="文本框 8"/>
-          <p:cNvSpPr txBox="1"/>
-          <p:nvPr/>
-        </p:nvSpPr>
-        <p:spPr>
-          <a:xfrm>
-            <a:off x="3422319" y="6627168"/>
-            <a:ext cx="5775940" cy="230832"/>
+            <a:off x="1182734" y="4960800"/>
+            <a:ext cx="2584362" cy="1200329"/>
           </a:xfrm>
           <a:prstGeom prst="rect">
             <a:avLst/>
@@ -11307,28 +13467,46 @@
           </a:bodyPr>
           <a:lstStyle/>
           <a:p>
-            <a:r>
-              <a:rPr lang="en-US" altLang="zh-SG" sz="900" dirty="0" smtClean="0"/>
-              <a:t>*Source </a:t>
-            </a:r>
-            <a:r>
-              <a:rPr lang="en-US" altLang="zh-SG" sz="900" dirty="0"/>
-              <a:t>: http://cals.arizona.edu/clubs/manrrs/MANRRS%20Web/GENERAL%20INTERVIEW%20TIPS.pdf</a:t>
-            </a:r>
-            <a:endParaRPr lang="zh-SG" altLang="en-US" sz="900" dirty="0"/>
-          </a:p>
-        </p:txBody>
-      </p:sp>
-      <p:sp>
-        <p:nvSpPr>
-          <p:cNvPr id="7" name="文本框 8"/>
+            <a:pPr algn="r"/>
+            <a:r>
+              <a:rPr lang="en-US" altLang="zh-SG" dirty="0" smtClean="0"/>
+              <a:t>Fidgety movements</a:t>
+            </a:r>
+          </a:p>
+          <a:p>
+            <a:pPr algn="r"/>
+            <a:r>
+              <a:rPr lang="en-US" altLang="zh-SG" dirty="0" smtClean="0"/>
+              <a:t>Defensive position</a:t>
+            </a:r>
+          </a:p>
+          <a:p>
+            <a:pPr algn="r"/>
+            <a:r>
+              <a:rPr lang="en-US" altLang="zh-SG" dirty="0" smtClean="0"/>
+              <a:t>Avoid of eye contact</a:t>
+            </a:r>
+          </a:p>
+          <a:p>
+            <a:pPr algn="r"/>
+            <a:r>
+              <a:rPr lang="en-US" altLang="zh-SG" dirty="0" smtClean="0"/>
+              <a:t>Lack of energy</a:t>
+            </a:r>
+            <a:endParaRPr lang="zh-SG" altLang="en-US" dirty="0"/>
+          </a:p>
+        </p:txBody>
+      </p:sp>
+      <p:sp>
+        <p:nvSpPr>
+          <p:cNvPr id="6" name="文本框 5"/>
           <p:cNvSpPr txBox="1"/>
           <p:nvPr/>
         </p:nvSpPr>
         <p:spPr>
           <a:xfrm>
-            <a:off x="4269598" y="6353354"/>
-            <a:ext cx="3018775" cy="230832"/>
+            <a:off x="3823200" y="2520235"/>
+            <a:ext cx="1027845" cy="369332"/>
           </a:xfrm>
           <a:prstGeom prst="rect">
             <a:avLst/>
@@ -11342,29 +13520,94 @@
           <a:lstStyle/>
           <a:p>
             <a:r>
-              <a:rPr lang="en-US" altLang="zh-SG" sz="900" dirty="0" smtClean="0"/>
-              <a:t>Photo by: Kurt </a:t>
-            </a:r>
-            <a:r>
-              <a:rPr lang="en-US" altLang="zh-SG" sz="900" dirty="0" err="1" smtClean="0"/>
-              <a:t>Bauschardt</a:t>
-            </a:r>
-            <a:r>
-              <a:rPr lang="en-US" altLang="zh-SG" sz="900" dirty="0" smtClean="0"/>
-              <a:t>, </a:t>
-            </a:r>
-            <a:r>
-              <a:rPr lang="en-US" altLang="zh-SG" sz="900" dirty="0"/>
-              <a:t>https://flic.kr/p/kcc2QD</a:t>
-            </a:r>
-            <a:endParaRPr lang="zh-SG" altLang="en-US" sz="900" dirty="0"/>
+              <a:rPr lang="en-US" altLang="zh-SG" dirty="0" smtClean="0"/>
+              <a:t>convey</a:t>
+            </a:r>
+            <a:endParaRPr lang="zh-SG" altLang="en-US" dirty="0"/>
+          </a:p>
+        </p:txBody>
+      </p:sp>
+      <p:sp>
+        <p:nvSpPr>
+          <p:cNvPr id="7" name="文本框 6"/>
+          <p:cNvSpPr txBox="1"/>
+          <p:nvPr/>
+        </p:nvSpPr>
+        <p:spPr>
+          <a:xfrm>
+            <a:off x="4075200" y="4225865"/>
+            <a:ext cx="970137" cy="369332"/>
+          </a:xfrm>
+          <a:prstGeom prst="rect">
+            <a:avLst/>
+          </a:prstGeom>
+          <a:noFill/>
+        </p:spPr>
+        <p:txBody>
+          <a:bodyPr wrap="none" rtlCol="0">
+            <a:spAutoFit/>
+          </a:bodyPr>
+          <a:lstStyle/>
+          <a:p>
+            <a:r>
+              <a:rPr lang="en-US" altLang="zh-SG" dirty="0" smtClean="0"/>
+              <a:t>control</a:t>
+            </a:r>
+            <a:endParaRPr lang="zh-SG" altLang="en-US" dirty="0"/>
+          </a:p>
+        </p:txBody>
+      </p:sp>
+      <p:sp>
+        <p:nvSpPr>
+          <p:cNvPr id="8" name="文本框 7"/>
+          <p:cNvSpPr txBox="1"/>
+          <p:nvPr/>
+        </p:nvSpPr>
+        <p:spPr>
+          <a:xfrm>
+            <a:off x="5045337" y="4960800"/>
+            <a:ext cx="2374368" cy="1200329"/>
+          </a:xfrm>
+          <a:prstGeom prst="rect">
+            <a:avLst/>
+          </a:prstGeom>
+          <a:noFill/>
+        </p:spPr>
+        <p:txBody>
+          <a:bodyPr wrap="none" rtlCol="0">
+            <a:spAutoFit/>
+          </a:bodyPr>
+          <a:lstStyle/>
+          <a:p>
+            <a:r>
+              <a:rPr lang="en-US" altLang="zh-SG" dirty="0" smtClean="0"/>
+              <a:t>Nervousness</a:t>
+            </a:r>
+          </a:p>
+          <a:p>
+            <a:r>
+              <a:rPr lang="en-US" altLang="zh-SG" dirty="0" smtClean="0"/>
+              <a:t>Lack of confidence</a:t>
+            </a:r>
+          </a:p>
+          <a:p>
+            <a:r>
+              <a:rPr lang="en-US" altLang="zh-SG" dirty="0" smtClean="0"/>
+              <a:t>Untruthfulness</a:t>
+            </a:r>
+          </a:p>
+          <a:p>
+            <a:r>
+              <a:rPr lang="en-US" altLang="zh-SG" dirty="0" smtClean="0"/>
+              <a:t>Boredom</a:t>
+            </a:r>
           </a:p>
         </p:txBody>
       </p:sp>
     </p:spTree>
     <p:extLst>
       <p:ext uri="{BB962C8B-B14F-4D97-AF65-F5344CB8AC3E}">
-        <p14:creationId xmlns:p14="http://schemas.microsoft.com/office/powerpoint/2010/main" val="693448201"/>
+        <p14:creationId xmlns:p14="http://schemas.microsoft.com/office/powerpoint/2010/main" val="2487771444"/>
       </p:ext>
     </p:extLst>
   </p:cSld>
@@ -11424,7 +13667,7 @@
     </a:clrScheme>
     <a:fontScheme name="值得引用的">
       <a:majorFont>
-        <a:latin typeface="Century Gothic" panose="020B0502020202020204"/>
+        <a:latin typeface="Century Gothic"/>
         <a:ea typeface=""/>
         <a:cs typeface=""/>
         <a:font script="Jpan" typeface="ＭＳ ゴシック"/>
@@ -11459,7 +13702,7 @@
         <a:font script="Geor" typeface="Sylfaen"/>
       </a:majorFont>
       <a:minorFont>
-        <a:latin typeface="Century Gothic" panose="020B0502020202020204"/>
+        <a:latin typeface="Century Gothic"/>
         <a:ea typeface=""/>
         <a:cs typeface=""/>
         <a:font script="Jpan" typeface="ＭＳ ゴシック"/>
@@ -11612,7 +13855,7 @@
   <a:extraClrSchemeLst/>
   <a:extLst>
     <a:ext uri="{05A4C25C-085E-4340-85A3-A5531E510DB2}">
-      <thm15:themeFamily xmlns:thm15="http://schemas.microsoft.com/office/thememl/2012/main" name="Quotable" id="{39EC5628-30ED-4578-ACD8-9820EDB8E15A}" vid="{6F3559E9-1A4C-49D8-94D4-F41003531C49}"/>
+      <thm15:themeFamily xmlns:thm15="http://schemas.microsoft.com/office/thememl/2012/main" xmlns="" name="Quotable" id="{39EC5628-30ED-4578-ACD8-9820EDB8E15A}" vid="{6F3559E9-1A4C-49D8-94D4-F41003531C49}"/>
     </a:ext>
   </a:extLst>
 </a:theme>
@@ -11661,7 +13904,7 @@
     </a:clrScheme>
     <a:fontScheme name="Office">
       <a:majorFont>
-        <a:latin typeface="Calibri Light" panose="020F0302020204030204"/>
+        <a:latin typeface="Calibri Light"/>
         <a:ea typeface=""/>
         <a:cs typeface=""/>
         <a:font script="Jpan" typeface="ＭＳ Ｐゴシック"/>
@@ -11696,7 +13939,7 @@
         <a:font script="Geor" typeface="Sylfaen"/>
       </a:majorFont>
       <a:minorFont>
-        <a:latin typeface="Calibri" panose="020F0502020204030204"/>
+        <a:latin typeface="Calibri"/>
         <a:ea typeface=""/>
         <a:cs typeface=""/>
         <a:font script="Jpan" typeface="ＭＳ Ｐゴシック"/>
@@ -11873,7 +14116,7 @@
   <a:extraClrSchemeLst/>
   <a:extLst>
     <a:ext uri="{05A4C25C-085E-4340-85A3-A5531E510DB2}">
-      <thm15:themeFamily xmlns:thm15="http://schemas.microsoft.com/office/thememl/2012/main" name="Office Theme" id="{62F939B6-93AF-4DB8-9C6B-D6C7DFDC589F}" vid="{4A3C46E8-61CC-4603-A589-7422A47A8E4A}"/>
+      <thm15:themeFamily xmlns:thm15="http://schemas.microsoft.com/office/thememl/2012/main" xmlns="" name="Office Theme" id="{62F939B6-93AF-4DB8-9C6B-D6C7DFDC589F}" vid="{4A3C46E8-61CC-4603-A589-7422A47A8E4A}"/>
     </a:ext>
   </a:extLst>
 </a:theme>
